--- a/Documents/FYP/powerpoint.pptx
+++ b/Documents/FYP/powerpoint.pptx
@@ -5,10 +5,10 @@
     <p:sldMasterId id="2147483684" r:id="rId4"/>
   </p:sldMasterIdLst>
   <p:notesMasterIdLst>
-    <p:notesMasterId r:id="rId15"/>
+    <p:notesMasterId r:id="rId31"/>
   </p:notesMasterIdLst>
   <p:handoutMasterIdLst>
-    <p:handoutMasterId r:id="rId16"/>
+    <p:handoutMasterId r:id="rId32"/>
   </p:handoutMasterIdLst>
   <p:sldIdLst>
     <p:sldId id="256" r:id="rId5"/>
@@ -21,6 +21,22 @@
     <p:sldId id="266" r:id="rId12"/>
     <p:sldId id="267" r:id="rId13"/>
     <p:sldId id="268" r:id="rId14"/>
+    <p:sldId id="279" r:id="rId15"/>
+    <p:sldId id="269" r:id="rId16"/>
+    <p:sldId id="270" r:id="rId17"/>
+    <p:sldId id="271" r:id="rId18"/>
+    <p:sldId id="272" r:id="rId19"/>
+    <p:sldId id="273" r:id="rId20"/>
+    <p:sldId id="274" r:id="rId21"/>
+    <p:sldId id="275" r:id="rId22"/>
+    <p:sldId id="276" r:id="rId23"/>
+    <p:sldId id="277" r:id="rId24"/>
+    <p:sldId id="278" r:id="rId25"/>
+    <p:sldId id="280" r:id="rId26"/>
+    <p:sldId id="281" r:id="rId27"/>
+    <p:sldId id="282" r:id="rId28"/>
+    <p:sldId id="283" r:id="rId29"/>
+    <p:sldId id="284" r:id="rId30"/>
   </p:sldIdLst>
   <p:sldSz cx="12192000" cy="6858000"/>
   <p:notesSz cx="6858000" cy="9144000"/>
@@ -224,7 +240,7 @@
           <a:p>
             <a:fld id="{2F51DC69-60C3-4CF7-A135-6E702ECCE0F0}" type="datetimeFigureOut">
               <a:rPr lang="en-US" smtClean="0"/>
-              <a:t>10/4/2023</a:t>
+              <a:t>10/5/2023</a:t>
             </a:fld>
             <a:endParaRPr lang="en-US" dirty="0"/>
           </a:p>
@@ -401,7 +417,7 @@
           <a:p>
             <a:fld id="{36E3EC7B-6C72-4FBB-87DF-2BD2CB7DC1E6}" type="datetimeFigureOut">
               <a:rPr lang="en-US" smtClean="0"/>
-              <a:t>10/4/2023</a:t>
+              <a:t>10/5/2023</a:t>
             </a:fld>
             <a:endParaRPr lang="en-US" dirty="0"/>
           </a:p>
@@ -972,7 +988,7 @@
           <a:p>
             <a:fld id="{48A87A34-81AB-432B-8DAE-1953F412C126}" type="datetimeFigureOut">
               <a:rPr lang="en-US" smtClean="0"/>
-              <a:t>10/4/2023</a:t>
+              <a:t>10/5/2023</a:t>
             </a:fld>
             <a:endParaRPr lang="en-US" dirty="0"/>
           </a:p>
@@ -1193,7 +1209,7 @@
           <a:p>
             <a:fld id="{48A87A34-81AB-432B-8DAE-1953F412C126}" type="datetimeFigureOut">
               <a:rPr lang="en-US" smtClean="0"/>
-              <a:t>10/4/2023</a:t>
+              <a:t>10/5/2023</a:t>
             </a:fld>
             <a:endParaRPr lang="en-US" dirty="0"/>
           </a:p>
@@ -1373,7 +1389,7 @@
           <a:p>
             <a:fld id="{48A87A34-81AB-432B-8DAE-1953F412C126}" type="datetimeFigureOut">
               <a:rPr lang="en-US" smtClean="0"/>
-              <a:t>10/4/2023</a:t>
+              <a:t>10/5/2023</a:t>
             </a:fld>
             <a:endParaRPr lang="en-US" dirty="0"/>
           </a:p>
@@ -1543,7 +1559,7 @@
           <a:p>
             <a:fld id="{48A87A34-81AB-432B-8DAE-1953F412C126}" type="datetimeFigureOut">
               <a:rPr lang="en-US" smtClean="0"/>
-              <a:t>10/4/2023</a:t>
+              <a:t>10/5/2023</a:t>
             </a:fld>
             <a:endParaRPr lang="en-US" dirty="0"/>
           </a:p>
@@ -1794,7 +1810,7 @@
           <a:p>
             <a:fld id="{48A87A34-81AB-432B-8DAE-1953F412C126}" type="datetimeFigureOut">
               <a:rPr lang="en-US" smtClean="0"/>
-              <a:t>10/4/2023</a:t>
+              <a:t>10/5/2023</a:t>
             </a:fld>
             <a:endParaRPr lang="en-US" dirty="0"/>
           </a:p>
@@ -2117,7 +2133,7 @@
           <a:p>
             <a:fld id="{48A87A34-81AB-432B-8DAE-1953F412C126}" type="datetimeFigureOut">
               <a:rPr lang="en-US" smtClean="0"/>
-              <a:t>10/4/2023</a:t>
+              <a:t>10/5/2023</a:t>
             </a:fld>
             <a:endParaRPr lang="en-US" dirty="0"/>
           </a:p>
@@ -2541,7 +2557,7 @@
           <a:p>
             <a:fld id="{48A87A34-81AB-432B-8DAE-1953F412C126}" type="datetimeFigureOut">
               <a:rPr lang="en-US" smtClean="0"/>
-              <a:t>10/4/2023</a:t>
+              <a:t>10/5/2023</a:t>
             </a:fld>
             <a:endParaRPr lang="en-US" dirty="0"/>
           </a:p>
@@ -2659,7 +2675,7 @@
           <a:p>
             <a:fld id="{48A87A34-81AB-432B-8DAE-1953F412C126}" type="datetimeFigureOut">
               <a:rPr lang="en-US" smtClean="0"/>
-              <a:t>10/4/2023</a:t>
+              <a:t>10/5/2023</a:t>
             </a:fld>
             <a:endParaRPr lang="en-US" dirty="0"/>
           </a:p>
@@ -2754,7 +2770,7 @@
           <a:p>
             <a:fld id="{48A87A34-81AB-432B-8DAE-1953F412C126}" type="datetimeFigureOut">
               <a:rPr lang="en-US" smtClean="0"/>
-              <a:t>10/4/2023</a:t>
+              <a:t>10/5/2023</a:t>
             </a:fld>
             <a:endParaRPr lang="en-US" dirty="0"/>
           </a:p>
@@ -3044,7 +3060,7 @@
           <a:p>
             <a:fld id="{48A87A34-81AB-432B-8DAE-1953F412C126}" type="datetimeFigureOut">
               <a:rPr lang="en-US" smtClean="0"/>
-              <a:t>10/4/2023</a:t>
+              <a:t>10/5/2023</a:t>
             </a:fld>
             <a:endParaRPr lang="en-US" dirty="0"/>
           </a:p>
@@ -3317,7 +3333,7 @@
             <a:fld id="{48A87A34-81AB-432B-8DAE-1953F412C126}" type="datetimeFigureOut">
               <a:rPr lang="en-US" smtClean="0"/>
               <a:pPr/>
-              <a:t>10/4/2023</a:t>
+              <a:t>10/5/2023</a:t>
             </a:fld>
             <a:endParaRPr lang="en-US" dirty="0"/>
           </a:p>
@@ -3572,7 +3588,7 @@
             <a:fld id="{48A87A34-81AB-432B-8DAE-1953F412C126}" type="datetimeFigureOut">
               <a:rPr lang="en-US" smtClean="0"/>
               <a:pPr/>
-              <a:t>10/4/2023</a:t>
+              <a:t>10/5/2023</a:t>
             </a:fld>
             <a:endParaRPr lang="en-US" dirty="0"/>
           </a:p>
@@ -4175,12 +4191,18 @@
         </p:spPr>
         <p:txBody>
           <a:bodyPr>
-            <a:normAutofit/>
+            <a:noAutofit/>
           </a:bodyPr>
           <a:lstStyle/>
           <a:p>
             <a:pPr algn="ctr"/>
-            <a:endParaRPr lang="en-US" sz="4000" dirty="0">
+            <a:r>
+              <a:rPr lang="en-GB" sz="2400" dirty="0">
+                <a:latin typeface="Rockwell" panose="02060603020205020403" pitchFamily="18" charset="0"/>
+              </a:rPr>
+              <a:t>FORECASTING OCEAN PLASTIC AROUND THE GLOBE: A DEEP DIVE INTO MODELING THE GARBAGE PATCHES (Article)</a:t>
+            </a:r>
+            <a:endParaRPr lang="en-US" sz="2400" dirty="0">
               <a:latin typeface="Rockwell" panose="02060603020205020403" pitchFamily="18" charset="0"/>
             </a:endParaRPr>
           </a:p>
@@ -4210,9 +4232,475 @@
         </p:spPr>
         <p:txBody>
           <a:bodyPr>
-            <a:normAutofit/>
+            <a:normAutofit fontScale="92500" lnSpcReduction="10000"/>
           </a:bodyPr>
           <a:lstStyle/>
+          <a:p>
+            <a:pPr marL="45720" indent="0">
+              <a:lnSpc>
+                <a:spcPct val="107000"/>
+              </a:lnSpc>
+              <a:spcAft>
+                <a:spcPts val="800"/>
+              </a:spcAft>
+              <a:buNone/>
+            </a:pPr>
+            <a:r>
+              <a:rPr lang="en-GB" sz="1400" b="1" kern="100" dirty="0">
+                <a:effectLst/>
+                <a:latin typeface="Calibri" panose="020F0502020204030204" pitchFamily="34" charset="0"/>
+                <a:ea typeface="Calibri" panose="020F0502020204030204" pitchFamily="34" charset="0"/>
+                <a:cs typeface="Times New Roman" panose="02020603050405020304" pitchFamily="18" charset="0"/>
+              </a:rPr>
+              <a:t>Key Points:</a:t>
+            </a:r>
+          </a:p>
+          <a:p>
+            <a:pPr marL="45720" indent="0">
+              <a:lnSpc>
+                <a:spcPct val="107000"/>
+              </a:lnSpc>
+              <a:spcAft>
+                <a:spcPts val="800"/>
+              </a:spcAft>
+              <a:buNone/>
+            </a:pPr>
+            <a:r>
+              <a:rPr lang="en-GB" sz="1400" kern="100" dirty="0">
+                <a:effectLst/>
+                <a:latin typeface="Calibri" panose="020F0502020204030204" pitchFamily="34" charset="0"/>
+                <a:ea typeface="Calibri" panose="020F0502020204030204" pitchFamily="34" charset="0"/>
+                <a:cs typeface="Times New Roman" panose="02020603050405020304" pitchFamily="18" charset="0"/>
+              </a:rPr>
+              <a:t>The article discusses the creation of a global ocean plastic forecast using Lagrangian models to simulate particle dispersion based on ocean currents, wind, and other factors.</a:t>
+            </a:r>
+          </a:p>
+          <a:p>
+            <a:pPr marL="45720" indent="0">
+              <a:lnSpc>
+                <a:spcPct val="107000"/>
+              </a:lnSpc>
+              <a:spcAft>
+                <a:spcPts val="800"/>
+              </a:spcAft>
+              <a:buNone/>
+            </a:pPr>
+            <a:r>
+              <a:rPr lang="en-GB" sz="1400" kern="100" dirty="0">
+                <a:effectLst/>
+                <a:latin typeface="Calibri" panose="020F0502020204030204" pitchFamily="34" charset="0"/>
+                <a:ea typeface="Calibri" panose="020F0502020204030204" pitchFamily="34" charset="0"/>
+                <a:cs typeface="Times New Roman" panose="02020603050405020304" pitchFamily="18" charset="0"/>
+              </a:rPr>
+              <a:t>Highlights the critical role of understanding plastic dispersion for effective cleanup and prevention strategies.</a:t>
+            </a:r>
+          </a:p>
+          <a:p>
+            <a:pPr marL="45720" indent="0">
+              <a:lnSpc>
+                <a:spcPct val="107000"/>
+              </a:lnSpc>
+              <a:spcAft>
+                <a:spcPts val="800"/>
+              </a:spcAft>
+              <a:buNone/>
+            </a:pPr>
+            <a:r>
+              <a:rPr lang="en-GB" sz="1400" b="1" kern="100" dirty="0">
+                <a:effectLst/>
+                <a:latin typeface="Calibri" panose="020F0502020204030204" pitchFamily="34" charset="0"/>
+                <a:ea typeface="Calibri" panose="020F0502020204030204" pitchFamily="34" charset="0"/>
+                <a:cs typeface="Times New Roman" panose="02020603050405020304" pitchFamily="18" charset="0"/>
+              </a:rPr>
+              <a:t>Contributions:</a:t>
+            </a:r>
+          </a:p>
+          <a:p>
+            <a:pPr marL="45720" indent="0">
+              <a:lnSpc>
+                <a:spcPct val="107000"/>
+              </a:lnSpc>
+              <a:spcAft>
+                <a:spcPts val="800"/>
+              </a:spcAft>
+              <a:buNone/>
+            </a:pPr>
+            <a:r>
+              <a:rPr lang="en-GB" sz="1400" kern="100" dirty="0">
+                <a:effectLst/>
+                <a:latin typeface="Calibri" panose="020F0502020204030204" pitchFamily="34" charset="0"/>
+                <a:ea typeface="Calibri" panose="020F0502020204030204" pitchFamily="34" charset="0"/>
+                <a:cs typeface="Times New Roman" panose="02020603050405020304" pitchFamily="18" charset="0"/>
+              </a:rPr>
+              <a:t>Provides a comprehensive view of how The Ocean Cleanup uses dispersion models to study plastic concentration zones, commonly known as "oceanic garbage patches."</a:t>
+            </a:r>
+          </a:p>
+          <a:p>
+            <a:pPr marL="45720" indent="0">
+              <a:lnSpc>
+                <a:spcPct val="107000"/>
+              </a:lnSpc>
+              <a:spcAft>
+                <a:spcPts val="800"/>
+              </a:spcAft>
+              <a:buNone/>
+            </a:pPr>
+            <a:r>
+              <a:rPr lang="en-GB" sz="1400" kern="100" dirty="0">
+                <a:effectLst/>
+                <a:latin typeface="Calibri" panose="020F0502020204030204" pitchFamily="34" charset="0"/>
+                <a:ea typeface="Calibri" panose="020F0502020204030204" pitchFamily="34" charset="0"/>
+                <a:cs typeface="Times New Roman" panose="02020603050405020304" pitchFamily="18" charset="0"/>
+              </a:rPr>
+              <a:t>Encourages the use of open-source tools for anyone interested in contributing to the improvement of plastic dispersion models.</a:t>
+            </a:r>
+          </a:p>
+          <a:p>
+            <a:pPr marL="45720" indent="0">
+              <a:lnSpc>
+                <a:spcPct val="107000"/>
+              </a:lnSpc>
+              <a:spcAft>
+                <a:spcPts val="800"/>
+              </a:spcAft>
+              <a:buNone/>
+            </a:pPr>
+            <a:r>
+              <a:rPr lang="en-GB" sz="1400" b="1" kern="100" dirty="0">
+                <a:effectLst/>
+                <a:latin typeface="Calibri" panose="020F0502020204030204" pitchFamily="34" charset="0"/>
+                <a:ea typeface="Calibri" panose="020F0502020204030204" pitchFamily="34" charset="0"/>
+                <a:cs typeface="Times New Roman" panose="02020603050405020304" pitchFamily="18" charset="0"/>
+              </a:rPr>
+              <a:t>Relevance to Project:</a:t>
+            </a:r>
+          </a:p>
+          <a:p>
+            <a:pPr marL="45720" indent="0">
+              <a:lnSpc>
+                <a:spcPct val="107000"/>
+              </a:lnSpc>
+              <a:spcAft>
+                <a:spcPts val="800"/>
+              </a:spcAft>
+              <a:buNone/>
+            </a:pPr>
+            <a:r>
+              <a:rPr lang="en-GB" sz="1400" kern="100" dirty="0">
+                <a:effectLst/>
+                <a:latin typeface="Calibri" panose="020F0502020204030204" pitchFamily="34" charset="0"/>
+                <a:ea typeface="Calibri" panose="020F0502020204030204" pitchFamily="34" charset="0"/>
+                <a:cs typeface="Times New Roman" panose="02020603050405020304" pitchFamily="18" charset="0"/>
+              </a:rPr>
+              <a:t>The article's focus on using Lagrangian models for tracking plastic debris aligns closely with the project's goals.</a:t>
+            </a:r>
+          </a:p>
+          <a:p>
+            <a:pPr marL="45720" indent="0">
+              <a:lnSpc>
+                <a:spcPct val="107000"/>
+              </a:lnSpc>
+              <a:spcAft>
+                <a:spcPts val="800"/>
+              </a:spcAft>
+              <a:buNone/>
+            </a:pPr>
+            <a:r>
+              <a:rPr lang="en-GB" sz="1400" kern="100" dirty="0">
+                <a:effectLst/>
+                <a:latin typeface="Calibri" panose="020F0502020204030204" pitchFamily="34" charset="0"/>
+                <a:ea typeface="Calibri" panose="020F0502020204030204" pitchFamily="34" charset="0"/>
+                <a:cs typeface="Times New Roman" panose="02020603050405020304" pitchFamily="18" charset="0"/>
+              </a:rPr>
+              <a:t>Offers valuable insights into the scalability and statistical accuracy achievable through increasing the number of particles in the simulation.</a:t>
+            </a:r>
+            <a:endParaRPr lang="en-MT" sz="1400" kern="100" dirty="0">
+              <a:effectLst/>
+              <a:latin typeface="Calibri" panose="020F0502020204030204" pitchFamily="34" charset="0"/>
+              <a:ea typeface="Calibri" panose="020F0502020204030204" pitchFamily="34" charset="0"/>
+              <a:cs typeface="Times New Roman" panose="02020603050405020304" pitchFamily="18" charset="0"/>
+            </a:endParaRPr>
+          </a:p>
+        </p:txBody>
+      </p:sp>
+    </p:spTree>
+    <p:extLst>
+      <p:ext uri="{BB962C8B-B14F-4D97-AF65-F5344CB8AC3E}">
+        <p14:creationId xmlns:p14="http://schemas.microsoft.com/office/powerpoint/2010/main" val="4013840546"/>
+      </p:ext>
+    </p:extLst>
+  </p:cSld>
+  <p:clrMapOvr>
+    <a:masterClrMapping/>
+  </p:clrMapOvr>
+</p:sld>
+</file>
+
+<file path=ppt/slides/slide11.xml><?xml version="1.0" encoding="utf-8"?>
+<p:sld xmlns:a="http://schemas.openxmlformats.org/drawingml/2006/main" xmlns:r="http://schemas.openxmlformats.org/officeDocument/2006/relationships" xmlns:p="http://schemas.openxmlformats.org/presentationml/2006/main">
+  <p:cSld>
+    <p:spTree>
+      <p:nvGrpSpPr>
+        <p:cNvPr id="1" name=""/>
+        <p:cNvGrpSpPr/>
+        <p:nvPr/>
+      </p:nvGrpSpPr>
+      <p:grpSpPr>
+        <a:xfrm>
+          <a:off x="0" y="0"/>
+          <a:ext cx="0" cy="0"/>
+          <a:chOff x="0" y="0"/>
+          <a:chExt cx="0" cy="0"/>
+        </a:xfrm>
+      </p:grpSpPr>
+      <p:sp>
+        <p:nvSpPr>
+          <p:cNvPr id="2" name="Title 1">
+            <a:extLst>
+              <a:ext uri="{FF2B5EF4-FFF2-40B4-BE49-F238E27FC236}">
+                <a16:creationId xmlns:a16="http://schemas.microsoft.com/office/drawing/2014/main" id="{F2153DD3-C27C-457D-ADDD-066D01CB95CA}"/>
+              </a:ext>
+            </a:extLst>
+          </p:cNvPr>
+          <p:cNvSpPr>
+            <a:spLocks noGrp="1"/>
+          </p:cNvSpPr>
+          <p:nvPr>
+            <p:ph type="title"/>
+          </p:nvPr>
+        </p:nvSpPr>
+        <p:spPr>
+          <a:xfrm>
+            <a:off x="1140144" y="231140"/>
+            <a:ext cx="9875520" cy="1356360"/>
+          </a:xfrm>
+        </p:spPr>
+        <p:txBody>
+          <a:bodyPr>
+            <a:noAutofit/>
+          </a:bodyPr>
+          <a:lstStyle/>
+          <a:p>
+            <a:pPr algn="ctr"/>
+            <a:r>
+              <a:rPr lang="en-GB" sz="2800" dirty="0">
+                <a:latin typeface="Rockwell" panose="02060603020205020403" pitchFamily="18" charset="0"/>
+              </a:rPr>
+              <a:t>A lagrangian dispersion model for calculating concentration distribution within a built-up domain</a:t>
+            </a:r>
+            <a:endParaRPr lang="en-US" sz="2800" dirty="0">
+              <a:latin typeface="Rockwell" panose="02060603020205020403" pitchFamily="18" charset="0"/>
+            </a:endParaRPr>
+          </a:p>
+        </p:txBody>
+      </p:sp>
+      <p:sp>
+        <p:nvSpPr>
+          <p:cNvPr id="5" name="Content Placeholder 4">
+            <a:extLst>
+              <a:ext uri="{FF2B5EF4-FFF2-40B4-BE49-F238E27FC236}">
+                <a16:creationId xmlns:a16="http://schemas.microsoft.com/office/drawing/2014/main" id="{4AF77DCC-C856-EFFA-BF9D-1A31B3C90F92}"/>
+              </a:ext>
+            </a:extLst>
+          </p:cNvPr>
+          <p:cNvSpPr>
+            <a:spLocks noGrp="1"/>
+          </p:cNvSpPr>
+          <p:nvPr>
+            <p:ph idx="1"/>
+          </p:nvPr>
+        </p:nvSpPr>
+        <p:spPr>
+          <a:xfrm>
+            <a:off x="1143000" y="1587500"/>
+            <a:ext cx="9872871" cy="4508500"/>
+          </a:xfrm>
+        </p:spPr>
+        <p:txBody>
+          <a:bodyPr>
+            <a:normAutofit fontScale="92500" lnSpcReduction="20000"/>
+          </a:bodyPr>
+          <a:lstStyle/>
+          <a:p>
+            <a:pPr marL="45720" indent="0">
+              <a:lnSpc>
+                <a:spcPct val="107000"/>
+              </a:lnSpc>
+              <a:spcAft>
+                <a:spcPts val="800"/>
+              </a:spcAft>
+              <a:buNone/>
+            </a:pPr>
+            <a:r>
+              <a:rPr lang="en-GB" sz="1600" b="1" kern="100" dirty="0">
+                <a:effectLst/>
+                <a:latin typeface="Calibri" panose="020F0502020204030204" pitchFamily="34" charset="0"/>
+                <a:ea typeface="Calibri" panose="020F0502020204030204" pitchFamily="34" charset="0"/>
+                <a:cs typeface="Times New Roman" panose="02020603050405020304" pitchFamily="18" charset="0"/>
+              </a:rPr>
+              <a:t>Key Points:</a:t>
+            </a:r>
+          </a:p>
+          <a:p>
+            <a:pPr marL="45720" indent="0">
+              <a:lnSpc>
+                <a:spcPct val="107000"/>
+              </a:lnSpc>
+              <a:spcAft>
+                <a:spcPts val="800"/>
+              </a:spcAft>
+              <a:buNone/>
+            </a:pPr>
+            <a:r>
+              <a:rPr lang="en-GB" sz="1600" kern="100" dirty="0">
+                <a:effectLst/>
+                <a:latin typeface="Calibri" panose="020F0502020204030204" pitchFamily="34" charset="0"/>
+                <a:ea typeface="Calibri" panose="020F0502020204030204" pitchFamily="34" charset="0"/>
+                <a:cs typeface="Times New Roman" panose="02020603050405020304" pitchFamily="18" charset="0"/>
+              </a:rPr>
+              <a:t>The paper presents a Lagrangian model focused on calculating particle concentration distributions in built-up (urban) areas.</a:t>
+            </a:r>
+          </a:p>
+          <a:p>
+            <a:pPr marL="45720" indent="0">
+              <a:lnSpc>
+                <a:spcPct val="107000"/>
+              </a:lnSpc>
+              <a:spcAft>
+                <a:spcPts val="800"/>
+              </a:spcAft>
+              <a:buNone/>
+            </a:pPr>
+            <a:r>
+              <a:rPr lang="en-GB" sz="1600" kern="100" dirty="0">
+                <a:effectLst/>
+                <a:latin typeface="Calibri" panose="020F0502020204030204" pitchFamily="34" charset="0"/>
+                <a:ea typeface="Calibri" panose="020F0502020204030204" pitchFamily="34" charset="0"/>
+                <a:cs typeface="Times New Roman" panose="02020603050405020304" pitchFamily="18" charset="0"/>
+              </a:rPr>
+              <a:t>The model accounts for complex flow fields and incorporates wind speed, direction, and building layout.</a:t>
+            </a:r>
+          </a:p>
+          <a:p>
+            <a:pPr marL="45720" indent="0">
+              <a:lnSpc>
+                <a:spcPct val="107000"/>
+              </a:lnSpc>
+              <a:spcAft>
+                <a:spcPts val="800"/>
+              </a:spcAft>
+              <a:buNone/>
+            </a:pPr>
+            <a:r>
+              <a:rPr lang="en-GB" sz="1600" b="1" kern="100" dirty="0">
+                <a:effectLst/>
+                <a:latin typeface="Calibri" panose="020F0502020204030204" pitchFamily="34" charset="0"/>
+                <a:ea typeface="Calibri" panose="020F0502020204030204" pitchFamily="34" charset="0"/>
+                <a:cs typeface="Times New Roman" panose="02020603050405020304" pitchFamily="18" charset="0"/>
+              </a:rPr>
+              <a:t>Contributions:</a:t>
+            </a:r>
+          </a:p>
+          <a:p>
+            <a:pPr marL="45720" indent="0">
+              <a:lnSpc>
+                <a:spcPct val="107000"/>
+              </a:lnSpc>
+              <a:spcAft>
+                <a:spcPts val="800"/>
+              </a:spcAft>
+              <a:buNone/>
+            </a:pPr>
+            <a:r>
+              <a:rPr lang="en-GB" sz="1600" kern="100" dirty="0">
+                <a:effectLst/>
+                <a:latin typeface="Calibri" panose="020F0502020204030204" pitchFamily="34" charset="0"/>
+                <a:ea typeface="Calibri" panose="020F0502020204030204" pitchFamily="34" charset="0"/>
+                <a:cs typeface="Times New Roman" panose="02020603050405020304" pitchFamily="18" charset="0"/>
+              </a:rPr>
+              <a:t>Provides an advanced Lagrangian model that can adapt to various environmental conditions.</a:t>
+            </a:r>
+          </a:p>
+          <a:p>
+            <a:pPr marL="45720" indent="0">
+              <a:lnSpc>
+                <a:spcPct val="107000"/>
+              </a:lnSpc>
+              <a:spcAft>
+                <a:spcPts val="800"/>
+              </a:spcAft>
+              <a:buNone/>
+            </a:pPr>
+            <a:r>
+              <a:rPr lang="en-GB" sz="1600" kern="100" dirty="0">
+                <a:effectLst/>
+                <a:latin typeface="Calibri" panose="020F0502020204030204" pitchFamily="34" charset="0"/>
+                <a:ea typeface="Calibri" panose="020F0502020204030204" pitchFamily="34" charset="0"/>
+                <a:cs typeface="Times New Roman" panose="02020603050405020304" pitchFamily="18" charset="0"/>
+              </a:rPr>
+              <a:t>Introduces ways to incorporate complex factors like wind and building structures into the dispersion model.</a:t>
+            </a:r>
+          </a:p>
+          <a:p>
+            <a:pPr marL="45720" indent="0">
+              <a:lnSpc>
+                <a:spcPct val="107000"/>
+              </a:lnSpc>
+              <a:spcAft>
+                <a:spcPts val="800"/>
+              </a:spcAft>
+              <a:buNone/>
+            </a:pPr>
+            <a:r>
+              <a:rPr lang="en-GB" sz="1600" b="1" kern="100" dirty="0">
+                <a:effectLst/>
+                <a:latin typeface="Calibri" panose="020F0502020204030204" pitchFamily="34" charset="0"/>
+                <a:ea typeface="Calibri" panose="020F0502020204030204" pitchFamily="34" charset="0"/>
+                <a:cs typeface="Times New Roman" panose="02020603050405020304" pitchFamily="18" charset="0"/>
+              </a:rPr>
+              <a:t>Relevance to Project:</a:t>
+            </a:r>
+          </a:p>
+          <a:p>
+            <a:pPr marL="45720" indent="0">
+              <a:lnSpc>
+                <a:spcPct val="107000"/>
+              </a:lnSpc>
+              <a:spcAft>
+                <a:spcPts val="800"/>
+              </a:spcAft>
+              <a:buNone/>
+            </a:pPr>
+            <a:r>
+              <a:rPr lang="en-GB" sz="1600" kern="100" dirty="0">
+                <a:effectLst/>
+                <a:latin typeface="Calibri" panose="020F0502020204030204" pitchFamily="34" charset="0"/>
+                <a:ea typeface="Calibri" panose="020F0502020204030204" pitchFamily="34" charset="0"/>
+                <a:cs typeface="Times New Roman" panose="02020603050405020304" pitchFamily="18" charset="0"/>
+              </a:rPr>
+              <a:t>The paper's approach to Lagrangian modelling can be adapted to consider complex factors in marine environments, such as varying current and wind conditions, to predict trash debris movement.</a:t>
+            </a:r>
+          </a:p>
+          <a:p>
+            <a:pPr marL="45720" indent="0">
+              <a:lnSpc>
+                <a:spcPct val="107000"/>
+              </a:lnSpc>
+              <a:spcAft>
+                <a:spcPts val="800"/>
+              </a:spcAft>
+              <a:buNone/>
+            </a:pPr>
+            <a:r>
+              <a:rPr lang="en-GB" sz="1600" kern="100" dirty="0">
+                <a:effectLst/>
+                <a:latin typeface="Calibri" panose="020F0502020204030204" pitchFamily="34" charset="0"/>
+                <a:ea typeface="Calibri" panose="020F0502020204030204" pitchFamily="34" charset="0"/>
+                <a:cs typeface="Times New Roman" panose="02020603050405020304" pitchFamily="18" charset="0"/>
+              </a:rPr>
+              <a:t>Offers insights into how to handle real-world complexities in Lagrangian modelling.</a:t>
+            </a:r>
+          </a:p>
           <a:p>
             <a:pPr marL="45720" indent="0">
               <a:lnSpc>
@@ -4235,7 +4723,2263 @@
     </p:spTree>
     <p:extLst>
       <p:ext uri="{BB962C8B-B14F-4D97-AF65-F5344CB8AC3E}">
-        <p14:creationId xmlns:p14="http://schemas.microsoft.com/office/powerpoint/2010/main" val="4013840546"/>
+        <p14:creationId xmlns:p14="http://schemas.microsoft.com/office/powerpoint/2010/main" val="986777531"/>
+      </p:ext>
+    </p:extLst>
+  </p:cSld>
+  <p:clrMapOvr>
+    <a:masterClrMapping/>
+  </p:clrMapOvr>
+</p:sld>
+</file>
+
+<file path=ppt/slides/slide12.xml><?xml version="1.0" encoding="utf-8"?>
+<p:sld xmlns:a="http://schemas.openxmlformats.org/drawingml/2006/main" xmlns:r="http://schemas.openxmlformats.org/officeDocument/2006/relationships" xmlns:p="http://schemas.openxmlformats.org/presentationml/2006/main">
+  <p:cSld>
+    <p:spTree>
+      <p:nvGrpSpPr>
+        <p:cNvPr id="1" name=""/>
+        <p:cNvGrpSpPr/>
+        <p:nvPr/>
+      </p:nvGrpSpPr>
+      <p:grpSpPr>
+        <a:xfrm>
+          <a:off x="0" y="0"/>
+          <a:ext cx="0" cy="0"/>
+          <a:chOff x="0" y="0"/>
+          <a:chExt cx="0" cy="0"/>
+        </a:xfrm>
+      </p:grpSpPr>
+      <p:sp>
+        <p:nvSpPr>
+          <p:cNvPr id="2" name="Title 1">
+            <a:extLst>
+              <a:ext uri="{FF2B5EF4-FFF2-40B4-BE49-F238E27FC236}">
+                <a16:creationId xmlns:a16="http://schemas.microsoft.com/office/drawing/2014/main" id="{F2153DD3-C27C-457D-ADDD-066D01CB95CA}"/>
+              </a:ext>
+            </a:extLst>
+          </p:cNvPr>
+          <p:cNvSpPr>
+            <a:spLocks noGrp="1"/>
+          </p:cNvSpPr>
+          <p:nvPr>
+            <p:ph type="title"/>
+          </p:nvPr>
+        </p:nvSpPr>
+        <p:spPr>
+          <a:xfrm>
+            <a:off x="1140144" y="231140"/>
+            <a:ext cx="9875520" cy="1356360"/>
+          </a:xfrm>
+        </p:spPr>
+        <p:txBody>
+          <a:bodyPr>
+            <a:noAutofit/>
+          </a:bodyPr>
+          <a:lstStyle/>
+          <a:p>
+            <a:pPr algn="ctr"/>
+            <a:r>
+              <a:rPr lang="en-GB" sz="2400" dirty="0">
+                <a:latin typeface="Rockwell" panose="02060603020205020403" pitchFamily="18" charset="0"/>
+              </a:rPr>
+              <a:t>A Lagrangian Particle Dispersion Model Compatible with WRF</a:t>
+            </a:r>
+            <a:endParaRPr lang="en-US" sz="2400" dirty="0">
+              <a:latin typeface="Rockwell" panose="02060603020205020403" pitchFamily="18" charset="0"/>
+            </a:endParaRPr>
+          </a:p>
+        </p:txBody>
+      </p:sp>
+      <p:sp>
+        <p:nvSpPr>
+          <p:cNvPr id="5" name="Content Placeholder 4">
+            <a:extLst>
+              <a:ext uri="{FF2B5EF4-FFF2-40B4-BE49-F238E27FC236}">
+                <a16:creationId xmlns:a16="http://schemas.microsoft.com/office/drawing/2014/main" id="{4AF77DCC-C856-EFFA-BF9D-1A31B3C90F92}"/>
+              </a:ext>
+            </a:extLst>
+          </p:cNvPr>
+          <p:cNvSpPr>
+            <a:spLocks noGrp="1"/>
+          </p:cNvSpPr>
+          <p:nvPr>
+            <p:ph idx="1"/>
+          </p:nvPr>
+        </p:nvSpPr>
+        <p:spPr>
+          <a:xfrm>
+            <a:off x="1143000" y="1587500"/>
+            <a:ext cx="9872871" cy="4508500"/>
+          </a:xfrm>
+        </p:spPr>
+        <p:txBody>
+          <a:bodyPr>
+            <a:normAutofit fontScale="92500" lnSpcReduction="20000"/>
+          </a:bodyPr>
+          <a:lstStyle/>
+          <a:p>
+            <a:pPr marL="45720" indent="0">
+              <a:lnSpc>
+                <a:spcPct val="107000"/>
+              </a:lnSpc>
+              <a:spcAft>
+                <a:spcPts val="800"/>
+              </a:spcAft>
+              <a:buNone/>
+            </a:pPr>
+            <a:r>
+              <a:rPr lang="en-GB" sz="1600" b="1" kern="100" dirty="0">
+                <a:effectLst/>
+                <a:latin typeface="Calibri" panose="020F0502020204030204" pitchFamily="34" charset="0"/>
+                <a:ea typeface="Calibri" panose="020F0502020204030204" pitchFamily="34" charset="0"/>
+                <a:cs typeface="Times New Roman" panose="02020603050405020304" pitchFamily="18" charset="0"/>
+              </a:rPr>
+              <a:t>Key Points:</a:t>
+            </a:r>
+          </a:p>
+          <a:p>
+            <a:pPr marL="45720" indent="0">
+              <a:lnSpc>
+                <a:spcPct val="107000"/>
+              </a:lnSpc>
+              <a:spcAft>
+                <a:spcPts val="800"/>
+              </a:spcAft>
+              <a:buNone/>
+            </a:pPr>
+            <a:r>
+              <a:rPr lang="en-GB" sz="1600" kern="100" dirty="0">
+                <a:effectLst/>
+                <a:latin typeface="Calibri" panose="020F0502020204030204" pitchFamily="34" charset="0"/>
+                <a:ea typeface="Calibri" panose="020F0502020204030204" pitchFamily="34" charset="0"/>
+                <a:cs typeface="Times New Roman" panose="02020603050405020304" pitchFamily="18" charset="0"/>
+              </a:rPr>
+              <a:t>The paper focuses on integrating a Lagrangian Particle Dispersion Model with the Weather Research and Forecasting (WRF) model.</a:t>
+            </a:r>
+          </a:p>
+          <a:p>
+            <a:pPr marL="45720" indent="0">
+              <a:lnSpc>
+                <a:spcPct val="107000"/>
+              </a:lnSpc>
+              <a:spcAft>
+                <a:spcPts val="800"/>
+              </a:spcAft>
+              <a:buNone/>
+            </a:pPr>
+            <a:r>
+              <a:rPr lang="en-GB" sz="1600" kern="100" dirty="0">
+                <a:effectLst/>
+                <a:latin typeface="Calibri" panose="020F0502020204030204" pitchFamily="34" charset="0"/>
+                <a:ea typeface="Calibri" panose="020F0502020204030204" pitchFamily="34" charset="0"/>
+                <a:cs typeface="Times New Roman" panose="02020603050405020304" pitchFamily="18" charset="0"/>
+              </a:rPr>
+              <a:t>It aims to provide a more accurate and comprehensive way to simulate particle dispersion by using real-time weather data.</a:t>
+            </a:r>
+          </a:p>
+          <a:p>
+            <a:pPr marL="45720" indent="0">
+              <a:lnSpc>
+                <a:spcPct val="107000"/>
+              </a:lnSpc>
+              <a:spcAft>
+                <a:spcPts val="800"/>
+              </a:spcAft>
+              <a:buNone/>
+            </a:pPr>
+            <a:r>
+              <a:rPr lang="en-GB" sz="1600" b="1" kern="100" dirty="0">
+                <a:effectLst/>
+                <a:latin typeface="Calibri" panose="020F0502020204030204" pitchFamily="34" charset="0"/>
+                <a:ea typeface="Calibri" panose="020F0502020204030204" pitchFamily="34" charset="0"/>
+                <a:cs typeface="Times New Roman" panose="02020603050405020304" pitchFamily="18" charset="0"/>
+              </a:rPr>
+              <a:t>Contributions:</a:t>
+            </a:r>
+          </a:p>
+          <a:p>
+            <a:pPr marL="45720" indent="0">
+              <a:lnSpc>
+                <a:spcPct val="107000"/>
+              </a:lnSpc>
+              <a:spcAft>
+                <a:spcPts val="800"/>
+              </a:spcAft>
+              <a:buNone/>
+            </a:pPr>
+            <a:r>
+              <a:rPr lang="en-GB" sz="1600" kern="100" dirty="0">
+                <a:effectLst/>
+                <a:latin typeface="Calibri" panose="020F0502020204030204" pitchFamily="34" charset="0"/>
+                <a:ea typeface="Calibri" panose="020F0502020204030204" pitchFamily="34" charset="0"/>
+                <a:cs typeface="Times New Roman" panose="02020603050405020304" pitchFamily="18" charset="0"/>
+              </a:rPr>
+              <a:t>Demonstrates a successful integration of Lagrangian particle modelling with a well-established weather forecasting model.</a:t>
+            </a:r>
+          </a:p>
+          <a:p>
+            <a:pPr marL="45720" indent="0">
+              <a:lnSpc>
+                <a:spcPct val="107000"/>
+              </a:lnSpc>
+              <a:spcAft>
+                <a:spcPts val="800"/>
+              </a:spcAft>
+              <a:buNone/>
+            </a:pPr>
+            <a:r>
+              <a:rPr lang="en-GB" sz="1600" kern="100" dirty="0">
+                <a:effectLst/>
+                <a:latin typeface="Calibri" panose="020F0502020204030204" pitchFamily="34" charset="0"/>
+                <a:ea typeface="Calibri" panose="020F0502020204030204" pitchFamily="34" charset="0"/>
+                <a:cs typeface="Times New Roman" panose="02020603050405020304" pitchFamily="18" charset="0"/>
+              </a:rPr>
+              <a:t>Offers a robust methodology for real-time or near-real-time simulations.</a:t>
+            </a:r>
+          </a:p>
+          <a:p>
+            <a:pPr marL="45720" indent="0">
+              <a:lnSpc>
+                <a:spcPct val="107000"/>
+              </a:lnSpc>
+              <a:spcAft>
+                <a:spcPts val="800"/>
+              </a:spcAft>
+              <a:buNone/>
+            </a:pPr>
+            <a:r>
+              <a:rPr lang="en-GB" sz="1600" b="1" kern="100" dirty="0">
+                <a:effectLst/>
+                <a:latin typeface="Calibri" panose="020F0502020204030204" pitchFamily="34" charset="0"/>
+                <a:ea typeface="Calibri" panose="020F0502020204030204" pitchFamily="34" charset="0"/>
+                <a:cs typeface="Times New Roman" panose="02020603050405020304" pitchFamily="18" charset="0"/>
+              </a:rPr>
+              <a:t>Relevance to Project:</a:t>
+            </a:r>
+          </a:p>
+          <a:p>
+            <a:pPr marL="45720" indent="0">
+              <a:lnSpc>
+                <a:spcPct val="107000"/>
+              </a:lnSpc>
+              <a:spcAft>
+                <a:spcPts val="800"/>
+              </a:spcAft>
+              <a:buNone/>
+            </a:pPr>
+            <a:r>
+              <a:rPr lang="en-GB" sz="1600" kern="100" dirty="0">
+                <a:effectLst/>
+                <a:latin typeface="Calibri" panose="020F0502020204030204" pitchFamily="34" charset="0"/>
+                <a:ea typeface="Calibri" panose="020F0502020204030204" pitchFamily="34" charset="0"/>
+                <a:cs typeface="Times New Roman" panose="02020603050405020304" pitchFamily="18" charset="0"/>
+              </a:rPr>
+              <a:t>The approach of integrating Lagrangian models with real-time weather forecasting could be highly beneficial for the project.</a:t>
+            </a:r>
+          </a:p>
+          <a:p>
+            <a:pPr marL="45720" indent="0">
+              <a:lnSpc>
+                <a:spcPct val="107000"/>
+              </a:lnSpc>
+              <a:spcAft>
+                <a:spcPts val="800"/>
+              </a:spcAft>
+              <a:buNone/>
+            </a:pPr>
+            <a:r>
+              <a:rPr lang="en-GB" sz="1600" kern="100" dirty="0">
+                <a:effectLst/>
+                <a:latin typeface="Calibri" panose="020F0502020204030204" pitchFamily="34" charset="0"/>
+                <a:ea typeface="Calibri" panose="020F0502020204030204" pitchFamily="34" charset="0"/>
+                <a:cs typeface="Times New Roman" panose="02020603050405020304" pitchFamily="18" charset="0"/>
+              </a:rPr>
+              <a:t>Provides a framework that the project can emulate to combine ocean current and weather data for predictive modelling.</a:t>
+            </a:r>
+            <a:endParaRPr lang="en-MT" sz="1600" kern="100" dirty="0">
+              <a:effectLst/>
+              <a:latin typeface="Calibri" panose="020F0502020204030204" pitchFamily="34" charset="0"/>
+              <a:ea typeface="Calibri" panose="020F0502020204030204" pitchFamily="34" charset="0"/>
+              <a:cs typeface="Times New Roman" panose="02020603050405020304" pitchFamily="18" charset="0"/>
+            </a:endParaRPr>
+          </a:p>
+        </p:txBody>
+      </p:sp>
+    </p:spTree>
+    <p:extLst>
+      <p:ext uri="{BB962C8B-B14F-4D97-AF65-F5344CB8AC3E}">
+        <p14:creationId xmlns:p14="http://schemas.microsoft.com/office/powerpoint/2010/main" val="2232171550"/>
+      </p:ext>
+    </p:extLst>
+  </p:cSld>
+  <p:clrMapOvr>
+    <a:masterClrMapping/>
+  </p:clrMapOvr>
+</p:sld>
+</file>
+
+<file path=ppt/slides/slide13.xml><?xml version="1.0" encoding="utf-8"?>
+<p:sld xmlns:a="http://schemas.openxmlformats.org/drawingml/2006/main" xmlns:r="http://schemas.openxmlformats.org/officeDocument/2006/relationships" xmlns:p="http://schemas.openxmlformats.org/presentationml/2006/main">
+  <p:cSld>
+    <p:spTree>
+      <p:nvGrpSpPr>
+        <p:cNvPr id="1" name=""/>
+        <p:cNvGrpSpPr/>
+        <p:nvPr/>
+      </p:nvGrpSpPr>
+      <p:grpSpPr>
+        <a:xfrm>
+          <a:off x="0" y="0"/>
+          <a:ext cx="0" cy="0"/>
+          <a:chOff x="0" y="0"/>
+          <a:chExt cx="0" cy="0"/>
+        </a:xfrm>
+      </p:grpSpPr>
+      <p:sp>
+        <p:nvSpPr>
+          <p:cNvPr id="2" name="Title 1">
+            <a:extLst>
+              <a:ext uri="{FF2B5EF4-FFF2-40B4-BE49-F238E27FC236}">
+                <a16:creationId xmlns:a16="http://schemas.microsoft.com/office/drawing/2014/main" id="{F2153DD3-C27C-457D-ADDD-066D01CB95CA}"/>
+              </a:ext>
+            </a:extLst>
+          </p:cNvPr>
+          <p:cNvSpPr>
+            <a:spLocks noGrp="1"/>
+          </p:cNvSpPr>
+          <p:nvPr>
+            <p:ph type="title"/>
+          </p:nvPr>
+        </p:nvSpPr>
+        <p:spPr>
+          <a:xfrm>
+            <a:off x="1140144" y="231140"/>
+            <a:ext cx="9875520" cy="1356360"/>
+          </a:xfrm>
+        </p:spPr>
+        <p:txBody>
+          <a:bodyPr>
+            <a:noAutofit/>
+          </a:bodyPr>
+          <a:lstStyle/>
+          <a:p>
+            <a:pPr algn="ctr"/>
+            <a:r>
+              <a:rPr lang="en-GB" sz="2400" dirty="0">
+                <a:latin typeface="Rockwell" panose="02060603020205020403" pitchFamily="18" charset="0"/>
+              </a:rPr>
+              <a:t>A New High-Performance Version of the Lagrangian Particle Dispersion Model Spray, Some Case Studies</a:t>
+            </a:r>
+            <a:endParaRPr lang="en-US" sz="2400" dirty="0">
+              <a:latin typeface="Rockwell" panose="02060603020205020403" pitchFamily="18" charset="0"/>
+            </a:endParaRPr>
+          </a:p>
+        </p:txBody>
+      </p:sp>
+      <p:sp>
+        <p:nvSpPr>
+          <p:cNvPr id="5" name="Content Placeholder 4">
+            <a:extLst>
+              <a:ext uri="{FF2B5EF4-FFF2-40B4-BE49-F238E27FC236}">
+                <a16:creationId xmlns:a16="http://schemas.microsoft.com/office/drawing/2014/main" id="{4AF77DCC-C856-EFFA-BF9D-1A31B3C90F92}"/>
+              </a:ext>
+            </a:extLst>
+          </p:cNvPr>
+          <p:cNvSpPr>
+            <a:spLocks noGrp="1"/>
+          </p:cNvSpPr>
+          <p:nvPr>
+            <p:ph idx="1"/>
+          </p:nvPr>
+        </p:nvSpPr>
+        <p:spPr>
+          <a:xfrm>
+            <a:off x="1143000" y="1587500"/>
+            <a:ext cx="9872871" cy="4508500"/>
+          </a:xfrm>
+        </p:spPr>
+        <p:txBody>
+          <a:bodyPr>
+            <a:normAutofit/>
+          </a:bodyPr>
+          <a:lstStyle/>
+          <a:p>
+            <a:pPr marL="45720" indent="0">
+              <a:lnSpc>
+                <a:spcPct val="107000"/>
+              </a:lnSpc>
+              <a:spcAft>
+                <a:spcPts val="800"/>
+              </a:spcAft>
+              <a:buNone/>
+            </a:pPr>
+            <a:r>
+              <a:rPr lang="en-GB" sz="1600" b="1" kern="100" dirty="0">
+                <a:effectLst/>
+                <a:latin typeface="Calibri" panose="020F0502020204030204" pitchFamily="34" charset="0"/>
+                <a:ea typeface="Calibri" panose="020F0502020204030204" pitchFamily="34" charset="0"/>
+                <a:cs typeface="Times New Roman" panose="02020603050405020304" pitchFamily="18" charset="0"/>
+              </a:rPr>
+              <a:t>Key Points:</a:t>
+            </a:r>
+          </a:p>
+          <a:p>
+            <a:pPr marL="45720" indent="0">
+              <a:lnSpc>
+                <a:spcPct val="107000"/>
+              </a:lnSpc>
+              <a:spcAft>
+                <a:spcPts val="800"/>
+              </a:spcAft>
+              <a:buNone/>
+            </a:pPr>
+            <a:r>
+              <a:rPr lang="en-GB" sz="1600" kern="100" dirty="0">
+                <a:effectLst/>
+                <a:latin typeface="Calibri" panose="020F0502020204030204" pitchFamily="34" charset="0"/>
+                <a:ea typeface="Calibri" panose="020F0502020204030204" pitchFamily="34" charset="0"/>
+                <a:cs typeface="Times New Roman" panose="02020603050405020304" pitchFamily="18" charset="0"/>
+              </a:rPr>
+              <a:t>The paper introduces an upgraded, high-performance version of the Lagrangian Particle Dispersion Model called "Spray."</a:t>
+            </a:r>
+          </a:p>
+          <a:p>
+            <a:pPr marL="45720" indent="0">
+              <a:lnSpc>
+                <a:spcPct val="107000"/>
+              </a:lnSpc>
+              <a:spcAft>
+                <a:spcPts val="800"/>
+              </a:spcAft>
+              <a:buNone/>
+            </a:pPr>
+            <a:r>
+              <a:rPr lang="en-GB" sz="1600" kern="100" dirty="0">
+                <a:effectLst/>
+                <a:latin typeface="Calibri" panose="020F0502020204030204" pitchFamily="34" charset="0"/>
+                <a:ea typeface="Calibri" panose="020F0502020204030204" pitchFamily="34" charset="0"/>
+                <a:cs typeface="Times New Roman" panose="02020603050405020304" pitchFamily="18" charset="0"/>
+              </a:rPr>
+              <a:t>It focuses on the model's capability to efficiently simulate particle dispersion in various atmospheric conditions.</a:t>
+            </a:r>
+          </a:p>
+          <a:p>
+            <a:pPr marL="45720" indent="0">
+              <a:lnSpc>
+                <a:spcPct val="107000"/>
+              </a:lnSpc>
+              <a:spcAft>
+                <a:spcPts val="800"/>
+              </a:spcAft>
+              <a:buNone/>
+            </a:pPr>
+            <a:r>
+              <a:rPr lang="en-GB" sz="1600" b="1" kern="100" dirty="0">
+                <a:effectLst/>
+                <a:latin typeface="Calibri" panose="020F0502020204030204" pitchFamily="34" charset="0"/>
+                <a:ea typeface="Calibri" panose="020F0502020204030204" pitchFamily="34" charset="0"/>
+                <a:cs typeface="Times New Roman" panose="02020603050405020304" pitchFamily="18" charset="0"/>
+              </a:rPr>
+              <a:t>Contributions:</a:t>
+            </a:r>
+          </a:p>
+          <a:p>
+            <a:pPr marL="45720" indent="0">
+              <a:lnSpc>
+                <a:spcPct val="107000"/>
+              </a:lnSpc>
+              <a:spcAft>
+                <a:spcPts val="800"/>
+              </a:spcAft>
+              <a:buNone/>
+            </a:pPr>
+            <a:r>
+              <a:rPr lang="en-GB" sz="1600" kern="100" dirty="0">
+                <a:effectLst/>
+                <a:latin typeface="Calibri" panose="020F0502020204030204" pitchFamily="34" charset="0"/>
+                <a:ea typeface="Calibri" panose="020F0502020204030204" pitchFamily="34" charset="0"/>
+                <a:cs typeface="Times New Roman" panose="02020603050405020304" pitchFamily="18" charset="0"/>
+              </a:rPr>
+              <a:t>Presents "Spray" as a versatile, high-performance tool for studying particle dispersion.</a:t>
+            </a:r>
+          </a:p>
+          <a:p>
+            <a:pPr marL="45720" indent="0">
+              <a:lnSpc>
+                <a:spcPct val="107000"/>
+              </a:lnSpc>
+              <a:spcAft>
+                <a:spcPts val="800"/>
+              </a:spcAft>
+              <a:buNone/>
+            </a:pPr>
+            <a:r>
+              <a:rPr lang="en-GB" sz="1600" kern="100" dirty="0">
+                <a:effectLst/>
+                <a:latin typeface="Calibri" panose="020F0502020204030204" pitchFamily="34" charset="0"/>
+                <a:ea typeface="Calibri" panose="020F0502020204030204" pitchFamily="34" charset="0"/>
+                <a:cs typeface="Times New Roman" panose="02020603050405020304" pitchFamily="18" charset="0"/>
+              </a:rPr>
+              <a:t>Provides case studies to validate the model's efficiency and accuracy.</a:t>
+            </a:r>
+          </a:p>
+          <a:p>
+            <a:pPr marL="45720" indent="0">
+              <a:lnSpc>
+                <a:spcPct val="107000"/>
+              </a:lnSpc>
+              <a:spcAft>
+                <a:spcPts val="800"/>
+              </a:spcAft>
+              <a:buNone/>
+            </a:pPr>
+            <a:r>
+              <a:rPr lang="en-GB" sz="1600" b="1" kern="100" dirty="0">
+                <a:effectLst/>
+                <a:latin typeface="Calibri" panose="020F0502020204030204" pitchFamily="34" charset="0"/>
+                <a:ea typeface="Calibri" panose="020F0502020204030204" pitchFamily="34" charset="0"/>
+                <a:cs typeface="Times New Roman" panose="02020603050405020304" pitchFamily="18" charset="0"/>
+              </a:rPr>
+              <a:t>Relevance to Project:</a:t>
+            </a:r>
+          </a:p>
+          <a:p>
+            <a:pPr marL="45720" indent="0">
+              <a:lnSpc>
+                <a:spcPct val="107000"/>
+              </a:lnSpc>
+              <a:spcAft>
+                <a:spcPts val="800"/>
+              </a:spcAft>
+              <a:buNone/>
+            </a:pPr>
+            <a:r>
+              <a:rPr lang="en-GB" sz="1600" kern="100" dirty="0">
+                <a:effectLst/>
+                <a:latin typeface="Calibri" panose="020F0502020204030204" pitchFamily="34" charset="0"/>
+                <a:ea typeface="Calibri" panose="020F0502020204030204" pitchFamily="34" charset="0"/>
+                <a:cs typeface="Times New Roman" panose="02020603050405020304" pitchFamily="18" charset="0"/>
+              </a:rPr>
+              <a:t>The high-performance aspect of "Spray" could inspire optimization strategies for the Lagrangian-based model.</a:t>
+            </a:r>
+          </a:p>
+        </p:txBody>
+      </p:sp>
+    </p:spTree>
+    <p:extLst>
+      <p:ext uri="{BB962C8B-B14F-4D97-AF65-F5344CB8AC3E}">
+        <p14:creationId xmlns:p14="http://schemas.microsoft.com/office/powerpoint/2010/main" val="4021803563"/>
+      </p:ext>
+    </p:extLst>
+  </p:cSld>
+  <p:clrMapOvr>
+    <a:masterClrMapping/>
+  </p:clrMapOvr>
+</p:sld>
+</file>
+
+<file path=ppt/slides/slide14.xml><?xml version="1.0" encoding="utf-8"?>
+<p:sld xmlns:a="http://schemas.openxmlformats.org/drawingml/2006/main" xmlns:r="http://schemas.openxmlformats.org/officeDocument/2006/relationships" xmlns:p="http://schemas.openxmlformats.org/presentationml/2006/main">
+  <p:cSld>
+    <p:spTree>
+      <p:nvGrpSpPr>
+        <p:cNvPr id="1" name=""/>
+        <p:cNvGrpSpPr/>
+        <p:nvPr/>
+      </p:nvGrpSpPr>
+      <p:grpSpPr>
+        <a:xfrm>
+          <a:off x="0" y="0"/>
+          <a:ext cx="0" cy="0"/>
+          <a:chOff x="0" y="0"/>
+          <a:chExt cx="0" cy="0"/>
+        </a:xfrm>
+      </p:grpSpPr>
+      <p:sp>
+        <p:nvSpPr>
+          <p:cNvPr id="2" name="Title 1">
+            <a:extLst>
+              <a:ext uri="{FF2B5EF4-FFF2-40B4-BE49-F238E27FC236}">
+                <a16:creationId xmlns:a16="http://schemas.microsoft.com/office/drawing/2014/main" id="{F2153DD3-C27C-457D-ADDD-066D01CB95CA}"/>
+              </a:ext>
+            </a:extLst>
+          </p:cNvPr>
+          <p:cNvSpPr>
+            <a:spLocks noGrp="1"/>
+          </p:cNvSpPr>
+          <p:nvPr>
+            <p:ph type="title"/>
+          </p:nvPr>
+        </p:nvSpPr>
+        <p:spPr>
+          <a:xfrm>
+            <a:off x="1140144" y="231140"/>
+            <a:ext cx="9875520" cy="1356360"/>
+          </a:xfrm>
+        </p:spPr>
+        <p:txBody>
+          <a:bodyPr>
+            <a:noAutofit/>
+          </a:bodyPr>
+          <a:lstStyle/>
+          <a:p>
+            <a:pPr algn="ctr"/>
+            <a:r>
+              <a:rPr lang="en-GB" sz="2000" dirty="0">
+                <a:latin typeface="Rockwell" panose="02060603020205020403" pitchFamily="18" charset="0"/>
+              </a:rPr>
+              <a:t>An Overview of the Lagrangian Dispersion Modelling of Heavy Particles</a:t>
+            </a:r>
+            <a:endParaRPr lang="en-US" sz="2000" dirty="0">
+              <a:latin typeface="Rockwell" panose="02060603020205020403" pitchFamily="18" charset="0"/>
+            </a:endParaRPr>
+          </a:p>
+        </p:txBody>
+      </p:sp>
+      <p:sp>
+        <p:nvSpPr>
+          <p:cNvPr id="5" name="Content Placeholder 4">
+            <a:extLst>
+              <a:ext uri="{FF2B5EF4-FFF2-40B4-BE49-F238E27FC236}">
+                <a16:creationId xmlns:a16="http://schemas.microsoft.com/office/drawing/2014/main" id="{4AF77DCC-C856-EFFA-BF9D-1A31B3C90F92}"/>
+              </a:ext>
+            </a:extLst>
+          </p:cNvPr>
+          <p:cNvSpPr>
+            <a:spLocks noGrp="1"/>
+          </p:cNvSpPr>
+          <p:nvPr>
+            <p:ph idx="1"/>
+          </p:nvPr>
+        </p:nvSpPr>
+        <p:spPr>
+          <a:xfrm>
+            <a:off x="1143000" y="1587500"/>
+            <a:ext cx="9872871" cy="4508500"/>
+          </a:xfrm>
+        </p:spPr>
+        <p:txBody>
+          <a:bodyPr>
+            <a:normAutofit fontScale="85000" lnSpcReduction="10000"/>
+          </a:bodyPr>
+          <a:lstStyle/>
+          <a:p>
+            <a:pPr marL="45720" indent="0">
+              <a:lnSpc>
+                <a:spcPct val="107000"/>
+              </a:lnSpc>
+              <a:spcAft>
+                <a:spcPts val="800"/>
+              </a:spcAft>
+              <a:buNone/>
+            </a:pPr>
+            <a:r>
+              <a:rPr lang="en-GB" sz="1600" b="1" kern="100" dirty="0">
+                <a:effectLst/>
+                <a:latin typeface="Calibri" panose="020F0502020204030204" pitchFamily="34" charset="0"/>
+                <a:ea typeface="Calibri" panose="020F0502020204030204" pitchFamily="34" charset="0"/>
+                <a:cs typeface="Times New Roman" panose="02020603050405020304" pitchFamily="18" charset="0"/>
+              </a:rPr>
+              <a:t>Key Points:</a:t>
+            </a:r>
+          </a:p>
+          <a:p>
+            <a:pPr marL="45720" indent="0">
+              <a:lnSpc>
+                <a:spcPct val="107000"/>
+              </a:lnSpc>
+              <a:spcAft>
+                <a:spcPts val="800"/>
+              </a:spcAft>
+              <a:buNone/>
+            </a:pPr>
+            <a:r>
+              <a:rPr lang="en-GB" sz="1600" kern="100" dirty="0">
+                <a:effectLst/>
+                <a:latin typeface="Calibri" panose="020F0502020204030204" pitchFamily="34" charset="0"/>
+                <a:ea typeface="Calibri" panose="020F0502020204030204" pitchFamily="34" charset="0"/>
+                <a:cs typeface="Times New Roman" panose="02020603050405020304" pitchFamily="18" charset="0"/>
+              </a:rPr>
+              <a:t>The paper provides a comprehensive overview of Lagrangian Dispersion Models focusing on heavy particles.</a:t>
+            </a:r>
+          </a:p>
+          <a:p>
+            <a:pPr marL="45720" indent="0">
+              <a:lnSpc>
+                <a:spcPct val="107000"/>
+              </a:lnSpc>
+              <a:spcAft>
+                <a:spcPts val="800"/>
+              </a:spcAft>
+              <a:buNone/>
+            </a:pPr>
+            <a:r>
+              <a:rPr lang="en-GB" sz="1600" kern="100" dirty="0">
+                <a:effectLst/>
+                <a:latin typeface="Calibri" panose="020F0502020204030204" pitchFamily="34" charset="0"/>
+                <a:ea typeface="Calibri" panose="020F0502020204030204" pitchFamily="34" charset="0"/>
+                <a:cs typeface="Times New Roman" panose="02020603050405020304" pitchFamily="18" charset="0"/>
+              </a:rPr>
+              <a:t>Discusses the challenges and limitations of accurately modelling the dispersion of heavy particles in various environmental settings.</a:t>
+            </a:r>
+          </a:p>
+          <a:p>
+            <a:pPr marL="45720" indent="0">
+              <a:lnSpc>
+                <a:spcPct val="107000"/>
+              </a:lnSpc>
+              <a:spcAft>
+                <a:spcPts val="800"/>
+              </a:spcAft>
+              <a:buNone/>
+            </a:pPr>
+            <a:r>
+              <a:rPr lang="en-GB" sz="1600" b="1" kern="100" dirty="0">
+                <a:effectLst/>
+                <a:latin typeface="Calibri" panose="020F0502020204030204" pitchFamily="34" charset="0"/>
+                <a:ea typeface="Calibri" panose="020F0502020204030204" pitchFamily="34" charset="0"/>
+                <a:cs typeface="Times New Roman" panose="02020603050405020304" pitchFamily="18" charset="0"/>
+              </a:rPr>
+              <a:t>Contributions:</a:t>
+            </a:r>
+          </a:p>
+          <a:p>
+            <a:pPr marL="45720" indent="0">
+              <a:lnSpc>
+                <a:spcPct val="107000"/>
+              </a:lnSpc>
+              <a:spcAft>
+                <a:spcPts val="800"/>
+              </a:spcAft>
+              <a:buNone/>
+            </a:pPr>
+            <a:r>
+              <a:rPr lang="en-GB" sz="1600" kern="100" dirty="0">
+                <a:effectLst/>
+                <a:latin typeface="Calibri" panose="020F0502020204030204" pitchFamily="34" charset="0"/>
+                <a:ea typeface="Calibri" panose="020F0502020204030204" pitchFamily="34" charset="0"/>
+                <a:cs typeface="Times New Roman" panose="02020603050405020304" pitchFamily="18" charset="0"/>
+              </a:rPr>
+              <a:t>Offers a synthesized view of the state-of-the-art in Lagrangian dispersion models, specifically targeting heavy particles.</a:t>
+            </a:r>
+          </a:p>
+          <a:p>
+            <a:pPr marL="45720" indent="0">
+              <a:lnSpc>
+                <a:spcPct val="107000"/>
+              </a:lnSpc>
+              <a:spcAft>
+                <a:spcPts val="800"/>
+              </a:spcAft>
+              <a:buNone/>
+            </a:pPr>
+            <a:r>
+              <a:rPr lang="en-GB" sz="1600" kern="100" dirty="0">
+                <a:effectLst/>
+                <a:latin typeface="Calibri" panose="020F0502020204030204" pitchFamily="34" charset="0"/>
+                <a:ea typeface="Calibri" panose="020F0502020204030204" pitchFamily="34" charset="0"/>
+                <a:cs typeface="Times New Roman" panose="02020603050405020304" pitchFamily="18" charset="0"/>
+              </a:rPr>
+              <a:t>Highlights the complexities of modelling heavy particle dispersion, offering a roadmap for future research.</a:t>
+            </a:r>
+          </a:p>
+          <a:p>
+            <a:pPr marL="45720" indent="0">
+              <a:lnSpc>
+                <a:spcPct val="107000"/>
+              </a:lnSpc>
+              <a:spcAft>
+                <a:spcPts val="800"/>
+              </a:spcAft>
+              <a:buNone/>
+            </a:pPr>
+            <a:r>
+              <a:rPr lang="en-GB" sz="1600" b="1" kern="100" dirty="0">
+                <a:effectLst/>
+                <a:latin typeface="Calibri" panose="020F0502020204030204" pitchFamily="34" charset="0"/>
+                <a:ea typeface="Calibri" panose="020F0502020204030204" pitchFamily="34" charset="0"/>
+                <a:cs typeface="Times New Roman" panose="02020603050405020304" pitchFamily="18" charset="0"/>
+              </a:rPr>
+              <a:t>Relevance to Project:</a:t>
+            </a:r>
+          </a:p>
+          <a:p>
+            <a:pPr marL="45720" indent="0">
+              <a:lnSpc>
+                <a:spcPct val="107000"/>
+              </a:lnSpc>
+              <a:spcAft>
+                <a:spcPts val="800"/>
+              </a:spcAft>
+              <a:buNone/>
+            </a:pPr>
+            <a:r>
+              <a:rPr lang="en-GB" sz="1600" kern="100" dirty="0">
+                <a:effectLst/>
+                <a:latin typeface="Calibri" panose="020F0502020204030204" pitchFamily="34" charset="0"/>
+                <a:ea typeface="Calibri" panose="020F0502020204030204" pitchFamily="34" charset="0"/>
+                <a:cs typeface="Times New Roman" panose="02020603050405020304" pitchFamily="18" charset="0"/>
+              </a:rPr>
+              <a:t>While my project does not specifically focus on heavy particles, the overview and challenges presented can offer insights into the broader field of Lagrangian modelling.</a:t>
+            </a:r>
+          </a:p>
+          <a:p>
+            <a:pPr marL="45720" indent="0">
+              <a:lnSpc>
+                <a:spcPct val="107000"/>
+              </a:lnSpc>
+              <a:spcAft>
+                <a:spcPts val="800"/>
+              </a:spcAft>
+              <a:buNone/>
+            </a:pPr>
+            <a:r>
+              <a:rPr lang="en-GB" sz="1600" kern="100" dirty="0">
+                <a:effectLst/>
+                <a:latin typeface="Calibri" panose="020F0502020204030204" pitchFamily="34" charset="0"/>
+                <a:ea typeface="Calibri" panose="020F0502020204030204" pitchFamily="34" charset="0"/>
+                <a:cs typeface="Times New Roman" panose="02020603050405020304" pitchFamily="18" charset="0"/>
+              </a:rPr>
+              <a:t>The paper's emphasis on limitations could help us understand and mitigate potential issues in the model.</a:t>
+            </a:r>
+          </a:p>
+        </p:txBody>
+      </p:sp>
+    </p:spTree>
+    <p:extLst>
+      <p:ext uri="{BB962C8B-B14F-4D97-AF65-F5344CB8AC3E}">
+        <p14:creationId xmlns:p14="http://schemas.microsoft.com/office/powerpoint/2010/main" val="3237117539"/>
+      </p:ext>
+    </p:extLst>
+  </p:cSld>
+  <p:clrMapOvr>
+    <a:masterClrMapping/>
+  </p:clrMapOvr>
+</p:sld>
+</file>
+
+<file path=ppt/slides/slide15.xml><?xml version="1.0" encoding="utf-8"?>
+<p:sld xmlns:a="http://schemas.openxmlformats.org/drawingml/2006/main" xmlns:r="http://schemas.openxmlformats.org/officeDocument/2006/relationships" xmlns:p="http://schemas.openxmlformats.org/presentationml/2006/main">
+  <p:cSld>
+    <p:spTree>
+      <p:nvGrpSpPr>
+        <p:cNvPr id="1" name=""/>
+        <p:cNvGrpSpPr/>
+        <p:nvPr/>
+      </p:nvGrpSpPr>
+      <p:grpSpPr>
+        <a:xfrm>
+          <a:off x="0" y="0"/>
+          <a:ext cx="0" cy="0"/>
+          <a:chOff x="0" y="0"/>
+          <a:chExt cx="0" cy="0"/>
+        </a:xfrm>
+      </p:grpSpPr>
+      <p:sp>
+        <p:nvSpPr>
+          <p:cNvPr id="2" name="Title 1">
+            <a:extLst>
+              <a:ext uri="{FF2B5EF4-FFF2-40B4-BE49-F238E27FC236}">
+                <a16:creationId xmlns:a16="http://schemas.microsoft.com/office/drawing/2014/main" id="{F2153DD3-C27C-457D-ADDD-066D01CB95CA}"/>
+              </a:ext>
+            </a:extLst>
+          </p:cNvPr>
+          <p:cNvSpPr>
+            <a:spLocks noGrp="1"/>
+          </p:cNvSpPr>
+          <p:nvPr>
+            <p:ph type="title"/>
+          </p:nvPr>
+        </p:nvSpPr>
+        <p:spPr>
+          <a:xfrm>
+            <a:off x="1140144" y="231140"/>
+            <a:ext cx="9875520" cy="1356360"/>
+          </a:xfrm>
+        </p:spPr>
+        <p:txBody>
+          <a:bodyPr>
+            <a:noAutofit/>
+          </a:bodyPr>
+          <a:lstStyle/>
+          <a:p>
+            <a:pPr algn="ctr"/>
+            <a:r>
+              <a:rPr lang="en-GB" sz="2000" dirty="0">
+                <a:latin typeface="Rockwell" panose="02060603020205020403" pitchFamily="18" charset="0"/>
+              </a:rPr>
+              <a:t>Efficiently simulating Lagrangian particles in large-scale ocean flows — Data</a:t>
+            </a:r>
+            <a:endParaRPr lang="en-US" sz="2000" dirty="0">
+              <a:latin typeface="Rockwell" panose="02060603020205020403" pitchFamily="18" charset="0"/>
+            </a:endParaRPr>
+          </a:p>
+        </p:txBody>
+      </p:sp>
+      <p:sp>
+        <p:nvSpPr>
+          <p:cNvPr id="5" name="Content Placeholder 4">
+            <a:extLst>
+              <a:ext uri="{FF2B5EF4-FFF2-40B4-BE49-F238E27FC236}">
+                <a16:creationId xmlns:a16="http://schemas.microsoft.com/office/drawing/2014/main" id="{4AF77DCC-C856-EFFA-BF9D-1A31B3C90F92}"/>
+              </a:ext>
+            </a:extLst>
+          </p:cNvPr>
+          <p:cNvSpPr>
+            <a:spLocks noGrp="1"/>
+          </p:cNvSpPr>
+          <p:nvPr>
+            <p:ph idx="1"/>
+          </p:nvPr>
+        </p:nvSpPr>
+        <p:spPr>
+          <a:xfrm>
+            <a:off x="1143000" y="1587500"/>
+            <a:ext cx="9872871" cy="4508500"/>
+          </a:xfrm>
+        </p:spPr>
+        <p:txBody>
+          <a:bodyPr>
+            <a:normAutofit fontScale="92500" lnSpcReduction="20000"/>
+          </a:bodyPr>
+          <a:lstStyle/>
+          <a:p>
+            <a:pPr marL="45720" indent="0">
+              <a:lnSpc>
+                <a:spcPct val="107000"/>
+              </a:lnSpc>
+              <a:spcAft>
+                <a:spcPts val="800"/>
+              </a:spcAft>
+              <a:buNone/>
+            </a:pPr>
+            <a:r>
+              <a:rPr lang="en-GB" sz="1600" b="1" kern="100" dirty="0">
+                <a:effectLst/>
+                <a:latin typeface="Calibri" panose="020F0502020204030204" pitchFamily="34" charset="0"/>
+                <a:ea typeface="Calibri" panose="020F0502020204030204" pitchFamily="34" charset="0"/>
+                <a:cs typeface="Times New Roman" panose="02020603050405020304" pitchFamily="18" charset="0"/>
+              </a:rPr>
+              <a:t>Key Points:</a:t>
+            </a:r>
+          </a:p>
+          <a:p>
+            <a:pPr marL="45720" indent="0">
+              <a:lnSpc>
+                <a:spcPct val="107000"/>
+              </a:lnSpc>
+              <a:spcAft>
+                <a:spcPts val="800"/>
+              </a:spcAft>
+              <a:buNone/>
+            </a:pPr>
+            <a:r>
+              <a:rPr lang="en-GB" sz="1600" kern="100" dirty="0">
+                <a:effectLst/>
+                <a:latin typeface="Calibri" panose="020F0502020204030204" pitchFamily="34" charset="0"/>
+                <a:ea typeface="Calibri" panose="020F0502020204030204" pitchFamily="34" charset="0"/>
+                <a:cs typeface="Times New Roman" panose="02020603050405020304" pitchFamily="18" charset="0"/>
+              </a:rPr>
+              <a:t>The paper presents an efficient approach to simulate Lagrangian particles in large-scale ocean flows.</a:t>
+            </a:r>
+          </a:p>
+          <a:p>
+            <a:pPr marL="45720" indent="0">
+              <a:lnSpc>
+                <a:spcPct val="107000"/>
+              </a:lnSpc>
+              <a:spcAft>
+                <a:spcPts val="800"/>
+              </a:spcAft>
+              <a:buNone/>
+            </a:pPr>
+            <a:r>
+              <a:rPr lang="en-GB" sz="1600" kern="100" dirty="0">
+                <a:effectLst/>
+                <a:latin typeface="Calibri" panose="020F0502020204030204" pitchFamily="34" charset="0"/>
+                <a:ea typeface="Calibri" panose="020F0502020204030204" pitchFamily="34" charset="0"/>
+                <a:cs typeface="Times New Roman" panose="02020603050405020304" pitchFamily="18" charset="0"/>
+              </a:rPr>
+              <a:t>It introduces computational methods to improve the performance and accuracy of Lagrangian simulations.</a:t>
+            </a:r>
+          </a:p>
+          <a:p>
+            <a:pPr marL="45720" indent="0">
+              <a:lnSpc>
+                <a:spcPct val="107000"/>
+              </a:lnSpc>
+              <a:spcAft>
+                <a:spcPts val="800"/>
+              </a:spcAft>
+              <a:buNone/>
+            </a:pPr>
+            <a:r>
+              <a:rPr lang="en-GB" sz="1600" b="1" kern="100" dirty="0">
+                <a:effectLst/>
+                <a:latin typeface="Calibri" panose="020F0502020204030204" pitchFamily="34" charset="0"/>
+                <a:ea typeface="Calibri" panose="020F0502020204030204" pitchFamily="34" charset="0"/>
+                <a:cs typeface="Times New Roman" panose="02020603050405020304" pitchFamily="18" charset="0"/>
+              </a:rPr>
+              <a:t>Contributions:</a:t>
+            </a:r>
+          </a:p>
+          <a:p>
+            <a:pPr marL="45720" indent="0">
+              <a:lnSpc>
+                <a:spcPct val="107000"/>
+              </a:lnSpc>
+              <a:spcAft>
+                <a:spcPts val="800"/>
+              </a:spcAft>
+              <a:buNone/>
+            </a:pPr>
+            <a:r>
+              <a:rPr lang="en-GB" sz="1600" kern="100" dirty="0">
+                <a:effectLst/>
+                <a:latin typeface="Calibri" panose="020F0502020204030204" pitchFamily="34" charset="0"/>
+                <a:ea typeface="Calibri" panose="020F0502020204030204" pitchFamily="34" charset="0"/>
+                <a:cs typeface="Times New Roman" panose="02020603050405020304" pitchFamily="18" charset="0"/>
+              </a:rPr>
+              <a:t>Proposes novel algorithms to enhance the computational efficiency of simulating Lagrangian particles.</a:t>
+            </a:r>
+          </a:p>
+          <a:p>
+            <a:pPr marL="45720" indent="0">
+              <a:lnSpc>
+                <a:spcPct val="107000"/>
+              </a:lnSpc>
+              <a:spcAft>
+                <a:spcPts val="800"/>
+              </a:spcAft>
+              <a:buNone/>
+            </a:pPr>
+            <a:r>
+              <a:rPr lang="en-GB" sz="1600" kern="100" dirty="0">
+                <a:effectLst/>
+                <a:latin typeface="Calibri" panose="020F0502020204030204" pitchFamily="34" charset="0"/>
+                <a:ea typeface="Calibri" panose="020F0502020204030204" pitchFamily="34" charset="0"/>
+                <a:cs typeface="Times New Roman" panose="02020603050405020304" pitchFamily="18" charset="0"/>
+              </a:rPr>
+              <a:t>Demonstrates the efficacy of the approach through case studies, thereby validating its practical utility.</a:t>
+            </a:r>
+          </a:p>
+          <a:p>
+            <a:pPr marL="45720" indent="0">
+              <a:lnSpc>
+                <a:spcPct val="107000"/>
+              </a:lnSpc>
+              <a:spcAft>
+                <a:spcPts val="800"/>
+              </a:spcAft>
+              <a:buNone/>
+            </a:pPr>
+            <a:r>
+              <a:rPr lang="en-GB" sz="1600" b="1" kern="100" dirty="0">
+                <a:effectLst/>
+                <a:latin typeface="Calibri" panose="020F0502020204030204" pitchFamily="34" charset="0"/>
+                <a:ea typeface="Calibri" panose="020F0502020204030204" pitchFamily="34" charset="0"/>
+                <a:cs typeface="Times New Roman" panose="02020603050405020304" pitchFamily="18" charset="0"/>
+              </a:rPr>
+              <a:t>Relevance to Project:</a:t>
+            </a:r>
+          </a:p>
+          <a:p>
+            <a:pPr marL="45720" indent="0">
+              <a:lnSpc>
+                <a:spcPct val="107000"/>
+              </a:lnSpc>
+              <a:spcAft>
+                <a:spcPts val="800"/>
+              </a:spcAft>
+              <a:buNone/>
+            </a:pPr>
+            <a:r>
+              <a:rPr lang="en-GB" sz="1600" kern="100" dirty="0">
+                <a:effectLst/>
+                <a:latin typeface="Calibri" panose="020F0502020204030204" pitchFamily="34" charset="0"/>
+                <a:ea typeface="Calibri" panose="020F0502020204030204" pitchFamily="34" charset="0"/>
+                <a:cs typeface="Times New Roman" panose="02020603050405020304" pitchFamily="18" charset="0"/>
+              </a:rPr>
+              <a:t>The paper's focus on efficiency and large-scale ocean flows is directly relevant to my project, which also aims to model particles in oceanic environments.</a:t>
+            </a:r>
+          </a:p>
+          <a:p>
+            <a:pPr marL="45720" indent="0">
+              <a:lnSpc>
+                <a:spcPct val="107000"/>
+              </a:lnSpc>
+              <a:spcAft>
+                <a:spcPts val="800"/>
+              </a:spcAft>
+              <a:buNone/>
+            </a:pPr>
+            <a:r>
+              <a:rPr lang="en-GB" sz="1600" kern="100" dirty="0">
+                <a:effectLst/>
+                <a:latin typeface="Calibri" panose="020F0502020204030204" pitchFamily="34" charset="0"/>
+                <a:ea typeface="Calibri" panose="020F0502020204030204" pitchFamily="34" charset="0"/>
+                <a:cs typeface="Times New Roman" panose="02020603050405020304" pitchFamily="18" charset="0"/>
+              </a:rPr>
+              <a:t>The computational techniques proposed could potentially be adapted to improve the efficiency of the model.</a:t>
+            </a:r>
+          </a:p>
+        </p:txBody>
+      </p:sp>
+    </p:spTree>
+    <p:extLst>
+      <p:ext uri="{BB962C8B-B14F-4D97-AF65-F5344CB8AC3E}">
+        <p14:creationId xmlns:p14="http://schemas.microsoft.com/office/powerpoint/2010/main" val="312339268"/>
+      </p:ext>
+    </p:extLst>
+  </p:cSld>
+  <p:clrMapOvr>
+    <a:masterClrMapping/>
+  </p:clrMapOvr>
+</p:sld>
+</file>
+
+<file path=ppt/slides/slide16.xml><?xml version="1.0" encoding="utf-8"?>
+<p:sld xmlns:a="http://schemas.openxmlformats.org/drawingml/2006/main" xmlns:r="http://schemas.openxmlformats.org/officeDocument/2006/relationships" xmlns:p="http://schemas.openxmlformats.org/presentationml/2006/main">
+  <p:cSld>
+    <p:spTree>
+      <p:nvGrpSpPr>
+        <p:cNvPr id="1" name=""/>
+        <p:cNvGrpSpPr/>
+        <p:nvPr/>
+      </p:nvGrpSpPr>
+      <p:grpSpPr>
+        <a:xfrm>
+          <a:off x="0" y="0"/>
+          <a:ext cx="0" cy="0"/>
+          <a:chOff x="0" y="0"/>
+          <a:chExt cx="0" cy="0"/>
+        </a:xfrm>
+      </p:grpSpPr>
+      <p:sp>
+        <p:nvSpPr>
+          <p:cNvPr id="2" name="Title 1">
+            <a:extLst>
+              <a:ext uri="{FF2B5EF4-FFF2-40B4-BE49-F238E27FC236}">
+                <a16:creationId xmlns:a16="http://schemas.microsoft.com/office/drawing/2014/main" id="{F2153DD3-C27C-457D-ADDD-066D01CB95CA}"/>
+              </a:ext>
+            </a:extLst>
+          </p:cNvPr>
+          <p:cNvSpPr>
+            <a:spLocks noGrp="1"/>
+          </p:cNvSpPr>
+          <p:nvPr>
+            <p:ph type="title"/>
+          </p:nvPr>
+        </p:nvSpPr>
+        <p:spPr>
+          <a:xfrm>
+            <a:off x="1140144" y="231140"/>
+            <a:ext cx="9875520" cy="1356360"/>
+          </a:xfrm>
+        </p:spPr>
+        <p:txBody>
+          <a:bodyPr>
+            <a:noAutofit/>
+          </a:bodyPr>
+          <a:lstStyle/>
+          <a:p>
+            <a:pPr algn="ctr"/>
+            <a:r>
+              <a:rPr lang="en-GB" sz="2000" dirty="0">
+                <a:latin typeface="Rockwell" panose="02060603020205020403" pitchFamily="18" charset="0"/>
+              </a:rPr>
+              <a:t>Lagrangian dispersion models (pptx)</a:t>
+            </a:r>
+            <a:endParaRPr lang="en-US" sz="2000" dirty="0">
+              <a:latin typeface="Rockwell" panose="02060603020205020403" pitchFamily="18" charset="0"/>
+            </a:endParaRPr>
+          </a:p>
+        </p:txBody>
+      </p:sp>
+      <p:sp>
+        <p:nvSpPr>
+          <p:cNvPr id="5" name="Content Placeholder 4">
+            <a:extLst>
+              <a:ext uri="{FF2B5EF4-FFF2-40B4-BE49-F238E27FC236}">
+                <a16:creationId xmlns:a16="http://schemas.microsoft.com/office/drawing/2014/main" id="{4AF77DCC-C856-EFFA-BF9D-1A31B3C90F92}"/>
+              </a:ext>
+            </a:extLst>
+          </p:cNvPr>
+          <p:cNvSpPr>
+            <a:spLocks noGrp="1"/>
+          </p:cNvSpPr>
+          <p:nvPr>
+            <p:ph idx="1"/>
+          </p:nvPr>
+        </p:nvSpPr>
+        <p:spPr>
+          <a:xfrm>
+            <a:off x="1143000" y="1587500"/>
+            <a:ext cx="9872871" cy="4508500"/>
+          </a:xfrm>
+        </p:spPr>
+        <p:txBody>
+          <a:bodyPr>
+            <a:normAutofit fontScale="92500" lnSpcReduction="10000"/>
+          </a:bodyPr>
+          <a:lstStyle/>
+          <a:p>
+            <a:pPr marL="45720" indent="0">
+              <a:lnSpc>
+                <a:spcPct val="107000"/>
+              </a:lnSpc>
+              <a:spcAft>
+                <a:spcPts val="800"/>
+              </a:spcAft>
+              <a:buNone/>
+            </a:pPr>
+            <a:r>
+              <a:rPr lang="en-GB" sz="1600" b="1" kern="100" dirty="0">
+                <a:effectLst/>
+                <a:latin typeface="Calibri" panose="020F0502020204030204" pitchFamily="34" charset="0"/>
+                <a:ea typeface="Calibri" panose="020F0502020204030204" pitchFamily="34" charset="0"/>
+                <a:cs typeface="Times New Roman" panose="02020603050405020304" pitchFamily="18" charset="0"/>
+              </a:rPr>
+              <a:t>Key Points:</a:t>
+            </a:r>
+          </a:p>
+          <a:p>
+            <a:pPr marL="45720" indent="0">
+              <a:lnSpc>
+                <a:spcPct val="107000"/>
+              </a:lnSpc>
+              <a:spcAft>
+                <a:spcPts val="800"/>
+              </a:spcAft>
+              <a:buNone/>
+            </a:pPr>
+            <a:r>
+              <a:rPr lang="en-GB" sz="1600" kern="100" dirty="0">
+                <a:effectLst/>
+                <a:latin typeface="Calibri" panose="020F0502020204030204" pitchFamily="34" charset="0"/>
+                <a:ea typeface="Calibri" panose="020F0502020204030204" pitchFamily="34" charset="0"/>
+                <a:cs typeface="Times New Roman" panose="02020603050405020304" pitchFamily="18" charset="0"/>
+              </a:rPr>
+              <a:t>The paper provides a comprehensive overview of Lagrangian dispersion models and their applications.</a:t>
+            </a:r>
+          </a:p>
+          <a:p>
+            <a:pPr marL="45720" indent="0">
+              <a:lnSpc>
+                <a:spcPct val="107000"/>
+              </a:lnSpc>
+              <a:spcAft>
+                <a:spcPts val="800"/>
+              </a:spcAft>
+              <a:buNone/>
+            </a:pPr>
+            <a:r>
+              <a:rPr lang="en-GB" sz="1600" kern="100" dirty="0">
+                <a:effectLst/>
+                <a:latin typeface="Calibri" panose="020F0502020204030204" pitchFamily="34" charset="0"/>
+                <a:ea typeface="Calibri" panose="020F0502020204030204" pitchFamily="34" charset="0"/>
+                <a:cs typeface="Times New Roman" panose="02020603050405020304" pitchFamily="18" charset="0"/>
+              </a:rPr>
+              <a:t>It explores different mathematical and physical components that contribute to the dispersion process in these models.</a:t>
+            </a:r>
+          </a:p>
+          <a:p>
+            <a:pPr marL="45720" indent="0">
+              <a:lnSpc>
+                <a:spcPct val="107000"/>
+              </a:lnSpc>
+              <a:spcAft>
+                <a:spcPts val="800"/>
+              </a:spcAft>
+              <a:buNone/>
+            </a:pPr>
+            <a:r>
+              <a:rPr lang="en-GB" sz="1600" b="1" kern="100" dirty="0">
+                <a:effectLst/>
+                <a:latin typeface="Calibri" panose="020F0502020204030204" pitchFamily="34" charset="0"/>
+                <a:ea typeface="Calibri" panose="020F0502020204030204" pitchFamily="34" charset="0"/>
+                <a:cs typeface="Times New Roman" panose="02020603050405020304" pitchFamily="18" charset="0"/>
+              </a:rPr>
+              <a:t>Contributions:</a:t>
+            </a:r>
+          </a:p>
+          <a:p>
+            <a:pPr marL="45720" indent="0">
+              <a:lnSpc>
+                <a:spcPct val="107000"/>
+              </a:lnSpc>
+              <a:spcAft>
+                <a:spcPts val="800"/>
+              </a:spcAft>
+              <a:buNone/>
+            </a:pPr>
+            <a:r>
+              <a:rPr lang="en-GB" sz="1600" kern="100" dirty="0">
+                <a:effectLst/>
+                <a:latin typeface="Calibri" panose="020F0502020204030204" pitchFamily="34" charset="0"/>
+                <a:ea typeface="Calibri" panose="020F0502020204030204" pitchFamily="34" charset="0"/>
+                <a:cs typeface="Times New Roman" panose="02020603050405020304" pitchFamily="18" charset="0"/>
+              </a:rPr>
+              <a:t>Offers an extensive review of existing Lagrangian models, covering their strengths and limitations.</a:t>
+            </a:r>
+          </a:p>
+          <a:p>
+            <a:pPr marL="45720" indent="0">
+              <a:lnSpc>
+                <a:spcPct val="107000"/>
+              </a:lnSpc>
+              <a:spcAft>
+                <a:spcPts val="800"/>
+              </a:spcAft>
+              <a:buNone/>
+            </a:pPr>
+            <a:r>
+              <a:rPr lang="en-GB" sz="1600" kern="100" dirty="0">
+                <a:effectLst/>
+                <a:latin typeface="Calibri" panose="020F0502020204030204" pitchFamily="34" charset="0"/>
+                <a:ea typeface="Calibri" panose="020F0502020204030204" pitchFamily="34" charset="0"/>
+                <a:cs typeface="Times New Roman" panose="02020603050405020304" pitchFamily="18" charset="0"/>
+              </a:rPr>
+              <a:t>Discusses various application areas, from environmental science to industrial applications.</a:t>
+            </a:r>
+          </a:p>
+          <a:p>
+            <a:pPr marL="45720" indent="0">
+              <a:lnSpc>
+                <a:spcPct val="107000"/>
+              </a:lnSpc>
+              <a:spcAft>
+                <a:spcPts val="800"/>
+              </a:spcAft>
+              <a:buNone/>
+            </a:pPr>
+            <a:r>
+              <a:rPr lang="en-GB" sz="1600" b="1" kern="100" dirty="0">
+                <a:effectLst/>
+                <a:latin typeface="Calibri" panose="020F0502020204030204" pitchFamily="34" charset="0"/>
+                <a:ea typeface="Calibri" panose="020F0502020204030204" pitchFamily="34" charset="0"/>
+                <a:cs typeface="Times New Roman" panose="02020603050405020304" pitchFamily="18" charset="0"/>
+              </a:rPr>
+              <a:t>Relevance to Project:</a:t>
+            </a:r>
+          </a:p>
+          <a:p>
+            <a:pPr marL="45720" indent="0">
+              <a:lnSpc>
+                <a:spcPct val="107000"/>
+              </a:lnSpc>
+              <a:spcAft>
+                <a:spcPts val="800"/>
+              </a:spcAft>
+              <a:buNone/>
+            </a:pPr>
+            <a:r>
+              <a:rPr lang="en-GB" sz="1600" kern="100" dirty="0">
+                <a:effectLst/>
+                <a:latin typeface="Calibri" panose="020F0502020204030204" pitchFamily="34" charset="0"/>
+                <a:ea typeface="Calibri" panose="020F0502020204030204" pitchFamily="34" charset="0"/>
+                <a:cs typeface="Times New Roman" panose="02020603050405020304" pitchFamily="18" charset="0"/>
+              </a:rPr>
+              <a:t>This paper serves as an excellent foundational resource for understanding the landscape of Lagrangian models.</a:t>
+            </a:r>
+          </a:p>
+          <a:p>
+            <a:pPr marL="45720" indent="0">
+              <a:lnSpc>
+                <a:spcPct val="107000"/>
+              </a:lnSpc>
+              <a:spcAft>
+                <a:spcPts val="800"/>
+              </a:spcAft>
+              <a:buNone/>
+            </a:pPr>
+            <a:r>
+              <a:rPr lang="en-GB" sz="1600" kern="100" dirty="0">
+                <a:effectLst/>
+                <a:latin typeface="Calibri" panose="020F0502020204030204" pitchFamily="34" charset="0"/>
+                <a:ea typeface="Calibri" panose="020F0502020204030204" pitchFamily="34" charset="0"/>
+                <a:cs typeface="Times New Roman" panose="02020603050405020304" pitchFamily="18" charset="0"/>
+              </a:rPr>
+              <a:t>Its discussion on the limitations and strengths of existing models provides valuable insights for the model's development.</a:t>
+            </a:r>
+          </a:p>
+        </p:txBody>
+      </p:sp>
+    </p:spTree>
+    <p:extLst>
+      <p:ext uri="{BB962C8B-B14F-4D97-AF65-F5344CB8AC3E}">
+        <p14:creationId xmlns:p14="http://schemas.microsoft.com/office/powerpoint/2010/main" val="1138751383"/>
+      </p:ext>
+    </p:extLst>
+  </p:cSld>
+  <p:clrMapOvr>
+    <a:masterClrMapping/>
+  </p:clrMapOvr>
+</p:sld>
+</file>
+
+<file path=ppt/slides/slide17.xml><?xml version="1.0" encoding="utf-8"?>
+<p:sld xmlns:a="http://schemas.openxmlformats.org/drawingml/2006/main" xmlns:r="http://schemas.openxmlformats.org/officeDocument/2006/relationships" xmlns:p="http://schemas.openxmlformats.org/presentationml/2006/main">
+  <p:cSld>
+    <p:spTree>
+      <p:nvGrpSpPr>
+        <p:cNvPr id="1" name=""/>
+        <p:cNvGrpSpPr/>
+        <p:nvPr/>
+      </p:nvGrpSpPr>
+      <p:grpSpPr>
+        <a:xfrm>
+          <a:off x="0" y="0"/>
+          <a:ext cx="0" cy="0"/>
+          <a:chOff x="0" y="0"/>
+          <a:chExt cx="0" cy="0"/>
+        </a:xfrm>
+      </p:grpSpPr>
+      <p:sp>
+        <p:nvSpPr>
+          <p:cNvPr id="2" name="Title 1">
+            <a:extLst>
+              <a:ext uri="{FF2B5EF4-FFF2-40B4-BE49-F238E27FC236}">
+                <a16:creationId xmlns:a16="http://schemas.microsoft.com/office/drawing/2014/main" id="{F2153DD3-C27C-457D-ADDD-066D01CB95CA}"/>
+              </a:ext>
+            </a:extLst>
+          </p:cNvPr>
+          <p:cNvSpPr>
+            <a:spLocks noGrp="1"/>
+          </p:cNvSpPr>
+          <p:nvPr>
+            <p:ph type="title"/>
+          </p:nvPr>
+        </p:nvSpPr>
+        <p:spPr>
+          <a:xfrm>
+            <a:off x="1140144" y="231140"/>
+            <a:ext cx="9875520" cy="1356360"/>
+          </a:xfrm>
+        </p:spPr>
+        <p:txBody>
+          <a:bodyPr>
+            <a:noAutofit/>
+          </a:bodyPr>
+          <a:lstStyle/>
+          <a:p>
+            <a:pPr algn="ctr"/>
+            <a:r>
+              <a:rPr lang="en-GB" sz="2400" dirty="0">
+                <a:latin typeface="Rockwell" panose="02060603020205020403" pitchFamily="18" charset="0"/>
+              </a:rPr>
+              <a:t>Parcels v09 prototyping a Lagrangian Ocean Analysis framework for the </a:t>
+            </a:r>
+            <a:r>
+              <a:rPr lang="en-GB" sz="2400" dirty="0" err="1">
+                <a:latin typeface="Rockwell" panose="02060603020205020403" pitchFamily="18" charset="0"/>
+              </a:rPr>
+              <a:t>petascale</a:t>
+            </a:r>
+            <a:r>
+              <a:rPr lang="en-GB" sz="2400" dirty="0">
+                <a:latin typeface="Rockwell" panose="02060603020205020403" pitchFamily="18" charset="0"/>
+              </a:rPr>
+              <a:t> age</a:t>
+            </a:r>
+            <a:endParaRPr lang="en-US" sz="2400" dirty="0">
+              <a:latin typeface="Rockwell" panose="02060603020205020403" pitchFamily="18" charset="0"/>
+            </a:endParaRPr>
+          </a:p>
+        </p:txBody>
+      </p:sp>
+      <p:sp>
+        <p:nvSpPr>
+          <p:cNvPr id="5" name="Content Placeholder 4">
+            <a:extLst>
+              <a:ext uri="{FF2B5EF4-FFF2-40B4-BE49-F238E27FC236}">
+                <a16:creationId xmlns:a16="http://schemas.microsoft.com/office/drawing/2014/main" id="{4AF77DCC-C856-EFFA-BF9D-1A31B3C90F92}"/>
+              </a:ext>
+            </a:extLst>
+          </p:cNvPr>
+          <p:cNvSpPr>
+            <a:spLocks noGrp="1"/>
+          </p:cNvSpPr>
+          <p:nvPr>
+            <p:ph idx="1"/>
+          </p:nvPr>
+        </p:nvSpPr>
+        <p:spPr>
+          <a:xfrm>
+            <a:off x="1143000" y="1587500"/>
+            <a:ext cx="9872871" cy="4508500"/>
+          </a:xfrm>
+        </p:spPr>
+        <p:txBody>
+          <a:bodyPr>
+            <a:normAutofit fontScale="92500" lnSpcReduction="10000"/>
+          </a:bodyPr>
+          <a:lstStyle/>
+          <a:p>
+            <a:pPr marL="45720" indent="0">
+              <a:lnSpc>
+                <a:spcPct val="107000"/>
+              </a:lnSpc>
+              <a:spcAft>
+                <a:spcPts val="800"/>
+              </a:spcAft>
+              <a:buNone/>
+            </a:pPr>
+            <a:r>
+              <a:rPr lang="en-GB" sz="1600" b="1" kern="100" dirty="0">
+                <a:effectLst/>
+                <a:latin typeface="Calibri" panose="020F0502020204030204" pitchFamily="34" charset="0"/>
+                <a:ea typeface="Calibri" panose="020F0502020204030204" pitchFamily="34" charset="0"/>
+                <a:cs typeface="Times New Roman" panose="02020603050405020304" pitchFamily="18" charset="0"/>
+              </a:rPr>
+              <a:t>Key Points:</a:t>
+            </a:r>
+          </a:p>
+          <a:p>
+            <a:pPr marL="45720" indent="0">
+              <a:lnSpc>
+                <a:spcPct val="107000"/>
+              </a:lnSpc>
+              <a:spcAft>
+                <a:spcPts val="800"/>
+              </a:spcAft>
+              <a:buNone/>
+            </a:pPr>
+            <a:r>
+              <a:rPr lang="en-GB" sz="1600" kern="100" dirty="0">
+                <a:effectLst/>
+                <a:latin typeface="Calibri" panose="020F0502020204030204" pitchFamily="34" charset="0"/>
+                <a:ea typeface="Calibri" panose="020F0502020204030204" pitchFamily="34" charset="0"/>
+                <a:cs typeface="Times New Roman" panose="02020603050405020304" pitchFamily="18" charset="0"/>
+              </a:rPr>
+              <a:t>The paper introduces Parcels v0.9, a Lagrangian Ocean Analysis framework specifically designed for </a:t>
+            </a:r>
+            <a:r>
+              <a:rPr lang="en-GB" sz="1600" kern="100" dirty="0" err="1">
+                <a:effectLst/>
+                <a:latin typeface="Calibri" panose="020F0502020204030204" pitchFamily="34" charset="0"/>
+                <a:ea typeface="Calibri" panose="020F0502020204030204" pitchFamily="34" charset="0"/>
+                <a:cs typeface="Times New Roman" panose="02020603050405020304" pitchFamily="18" charset="0"/>
+              </a:rPr>
+              <a:t>petascale</a:t>
+            </a:r>
+            <a:r>
+              <a:rPr lang="en-GB" sz="1600" kern="100" dirty="0">
+                <a:effectLst/>
+                <a:latin typeface="Calibri" panose="020F0502020204030204" pitchFamily="34" charset="0"/>
+                <a:ea typeface="Calibri" panose="020F0502020204030204" pitchFamily="34" charset="0"/>
+                <a:cs typeface="Times New Roman" panose="02020603050405020304" pitchFamily="18" charset="0"/>
+              </a:rPr>
+              <a:t> computing.</a:t>
+            </a:r>
+          </a:p>
+          <a:p>
+            <a:pPr marL="45720" indent="0">
+              <a:lnSpc>
+                <a:spcPct val="107000"/>
+              </a:lnSpc>
+              <a:spcAft>
+                <a:spcPts val="800"/>
+              </a:spcAft>
+              <a:buNone/>
+            </a:pPr>
+            <a:r>
+              <a:rPr lang="en-GB" sz="1600" kern="100" dirty="0">
+                <a:effectLst/>
+                <a:latin typeface="Calibri" panose="020F0502020204030204" pitchFamily="34" charset="0"/>
+                <a:ea typeface="Calibri" panose="020F0502020204030204" pitchFamily="34" charset="0"/>
+                <a:cs typeface="Times New Roman" panose="02020603050405020304" pitchFamily="18" charset="0"/>
+              </a:rPr>
+              <a:t>Focuses on high-performance, flexibility, and easy usage to handle large-scale oceanographic data.</a:t>
+            </a:r>
+          </a:p>
+          <a:p>
+            <a:pPr marL="45720" indent="0">
+              <a:lnSpc>
+                <a:spcPct val="107000"/>
+              </a:lnSpc>
+              <a:spcAft>
+                <a:spcPts val="800"/>
+              </a:spcAft>
+              <a:buNone/>
+            </a:pPr>
+            <a:r>
+              <a:rPr lang="en-GB" sz="1600" b="1" kern="100" dirty="0">
+                <a:effectLst/>
+                <a:latin typeface="Calibri" panose="020F0502020204030204" pitchFamily="34" charset="0"/>
+                <a:ea typeface="Calibri" panose="020F0502020204030204" pitchFamily="34" charset="0"/>
+                <a:cs typeface="Times New Roman" panose="02020603050405020304" pitchFamily="18" charset="0"/>
+              </a:rPr>
+              <a:t>Contributions:</a:t>
+            </a:r>
+          </a:p>
+          <a:p>
+            <a:pPr marL="45720" indent="0">
+              <a:lnSpc>
+                <a:spcPct val="107000"/>
+              </a:lnSpc>
+              <a:spcAft>
+                <a:spcPts val="800"/>
+              </a:spcAft>
+              <a:buNone/>
+            </a:pPr>
+            <a:r>
+              <a:rPr lang="en-GB" sz="1600" kern="100" dirty="0">
+                <a:effectLst/>
+                <a:latin typeface="Calibri" panose="020F0502020204030204" pitchFamily="34" charset="0"/>
+                <a:ea typeface="Calibri" panose="020F0502020204030204" pitchFamily="34" charset="0"/>
+                <a:cs typeface="Times New Roman" panose="02020603050405020304" pitchFamily="18" charset="0"/>
+              </a:rPr>
+              <a:t>Introduces a new approach to Lagrangian ocean analysis that is scalable and can handle petabytes of data.</a:t>
+            </a:r>
+          </a:p>
+          <a:p>
+            <a:pPr marL="45720" indent="0">
+              <a:lnSpc>
+                <a:spcPct val="107000"/>
+              </a:lnSpc>
+              <a:spcAft>
+                <a:spcPts val="800"/>
+              </a:spcAft>
+              <a:buNone/>
+            </a:pPr>
+            <a:r>
+              <a:rPr lang="en-GB" sz="1600" kern="100" dirty="0">
+                <a:effectLst/>
+                <a:latin typeface="Calibri" panose="020F0502020204030204" pitchFamily="34" charset="0"/>
+                <a:ea typeface="Calibri" panose="020F0502020204030204" pitchFamily="34" charset="0"/>
+                <a:cs typeface="Times New Roman" panose="02020603050405020304" pitchFamily="18" charset="0"/>
+              </a:rPr>
+              <a:t>Provides use-cases to demonstrate the framework's efficiency and scalability.</a:t>
+            </a:r>
+          </a:p>
+          <a:p>
+            <a:pPr marL="45720" indent="0">
+              <a:lnSpc>
+                <a:spcPct val="107000"/>
+              </a:lnSpc>
+              <a:spcAft>
+                <a:spcPts val="800"/>
+              </a:spcAft>
+              <a:buNone/>
+            </a:pPr>
+            <a:r>
+              <a:rPr lang="en-GB" sz="1600" b="1" kern="100" dirty="0">
+                <a:effectLst/>
+                <a:latin typeface="Calibri" panose="020F0502020204030204" pitchFamily="34" charset="0"/>
+                <a:ea typeface="Calibri" panose="020F0502020204030204" pitchFamily="34" charset="0"/>
+                <a:cs typeface="Times New Roman" panose="02020603050405020304" pitchFamily="18" charset="0"/>
+              </a:rPr>
+              <a:t>Relevance to Project:</a:t>
+            </a:r>
+          </a:p>
+          <a:p>
+            <a:pPr marL="45720" indent="0">
+              <a:lnSpc>
+                <a:spcPct val="107000"/>
+              </a:lnSpc>
+              <a:spcAft>
+                <a:spcPts val="800"/>
+              </a:spcAft>
+              <a:buNone/>
+            </a:pPr>
+            <a:r>
+              <a:rPr lang="en-GB" sz="1600" kern="100" dirty="0">
+                <a:effectLst/>
+                <a:latin typeface="Calibri" panose="020F0502020204030204" pitchFamily="34" charset="0"/>
+                <a:ea typeface="Calibri" panose="020F0502020204030204" pitchFamily="34" charset="0"/>
+                <a:cs typeface="Times New Roman" panose="02020603050405020304" pitchFamily="18" charset="0"/>
+              </a:rPr>
+              <a:t>The paper's focus on scalability and high performance is directly relevant as our project also aims for real-time predictions.</a:t>
+            </a:r>
+          </a:p>
+          <a:p>
+            <a:pPr marL="45720" indent="0">
+              <a:lnSpc>
+                <a:spcPct val="107000"/>
+              </a:lnSpc>
+              <a:spcAft>
+                <a:spcPts val="800"/>
+              </a:spcAft>
+              <a:buNone/>
+            </a:pPr>
+            <a:r>
+              <a:rPr lang="en-GB" sz="1600" kern="100" dirty="0">
+                <a:effectLst/>
+                <a:latin typeface="Calibri" panose="020F0502020204030204" pitchFamily="34" charset="0"/>
+                <a:ea typeface="Calibri" panose="020F0502020204030204" pitchFamily="34" charset="0"/>
+                <a:cs typeface="Times New Roman" panose="02020603050405020304" pitchFamily="18" charset="0"/>
+              </a:rPr>
+              <a:t>Could potentially inform how to handle large datasets and scalability issues in the model.</a:t>
+            </a:r>
+          </a:p>
+        </p:txBody>
+      </p:sp>
+    </p:spTree>
+    <p:extLst>
+      <p:ext uri="{BB962C8B-B14F-4D97-AF65-F5344CB8AC3E}">
+        <p14:creationId xmlns:p14="http://schemas.microsoft.com/office/powerpoint/2010/main" val="4169537445"/>
+      </p:ext>
+    </p:extLst>
+  </p:cSld>
+  <p:clrMapOvr>
+    <a:masterClrMapping/>
+  </p:clrMapOvr>
+</p:sld>
+</file>
+
+<file path=ppt/slides/slide18.xml><?xml version="1.0" encoding="utf-8"?>
+<p:sld xmlns:a="http://schemas.openxmlformats.org/drawingml/2006/main" xmlns:r="http://schemas.openxmlformats.org/officeDocument/2006/relationships" xmlns:p="http://schemas.openxmlformats.org/presentationml/2006/main">
+  <p:cSld>
+    <p:spTree>
+      <p:nvGrpSpPr>
+        <p:cNvPr id="1" name=""/>
+        <p:cNvGrpSpPr/>
+        <p:nvPr/>
+      </p:nvGrpSpPr>
+      <p:grpSpPr>
+        <a:xfrm>
+          <a:off x="0" y="0"/>
+          <a:ext cx="0" cy="0"/>
+          <a:chOff x="0" y="0"/>
+          <a:chExt cx="0" cy="0"/>
+        </a:xfrm>
+      </p:grpSpPr>
+      <p:sp>
+        <p:nvSpPr>
+          <p:cNvPr id="2" name="Title 1">
+            <a:extLst>
+              <a:ext uri="{FF2B5EF4-FFF2-40B4-BE49-F238E27FC236}">
+                <a16:creationId xmlns:a16="http://schemas.microsoft.com/office/drawing/2014/main" id="{F2153DD3-C27C-457D-ADDD-066D01CB95CA}"/>
+              </a:ext>
+            </a:extLst>
+          </p:cNvPr>
+          <p:cNvSpPr>
+            <a:spLocks noGrp="1"/>
+          </p:cNvSpPr>
+          <p:nvPr>
+            <p:ph type="title"/>
+          </p:nvPr>
+        </p:nvSpPr>
+        <p:spPr>
+          <a:xfrm>
+            <a:off x="1140144" y="231140"/>
+            <a:ext cx="9875520" cy="1356360"/>
+          </a:xfrm>
+        </p:spPr>
+        <p:txBody>
+          <a:bodyPr>
+            <a:noAutofit/>
+          </a:bodyPr>
+          <a:lstStyle/>
+          <a:p>
+            <a:pPr algn="ctr"/>
+            <a:r>
+              <a:rPr lang="en-GB" sz="2400" dirty="0">
+                <a:latin typeface="Rockwell" panose="02060603020205020403" pitchFamily="18" charset="0"/>
+              </a:rPr>
+              <a:t>SIMULATION OF URBAN-SCALE DISPERSION</a:t>
+            </a:r>
+            <a:endParaRPr lang="en-US" sz="2400" dirty="0">
+              <a:latin typeface="Rockwell" panose="02060603020205020403" pitchFamily="18" charset="0"/>
+            </a:endParaRPr>
+          </a:p>
+        </p:txBody>
+      </p:sp>
+      <p:sp>
+        <p:nvSpPr>
+          <p:cNvPr id="5" name="Content Placeholder 4">
+            <a:extLst>
+              <a:ext uri="{FF2B5EF4-FFF2-40B4-BE49-F238E27FC236}">
+                <a16:creationId xmlns:a16="http://schemas.microsoft.com/office/drawing/2014/main" id="{4AF77DCC-C856-EFFA-BF9D-1A31B3C90F92}"/>
+              </a:ext>
+            </a:extLst>
+          </p:cNvPr>
+          <p:cNvSpPr>
+            <a:spLocks noGrp="1"/>
+          </p:cNvSpPr>
+          <p:nvPr>
+            <p:ph idx="1"/>
+          </p:nvPr>
+        </p:nvSpPr>
+        <p:spPr>
+          <a:xfrm>
+            <a:off x="1143000" y="1587500"/>
+            <a:ext cx="9872871" cy="4508500"/>
+          </a:xfrm>
+        </p:spPr>
+        <p:txBody>
+          <a:bodyPr>
+            <a:normAutofit fontScale="92500" lnSpcReduction="20000"/>
+          </a:bodyPr>
+          <a:lstStyle/>
+          <a:p>
+            <a:pPr marL="45720" indent="0">
+              <a:lnSpc>
+                <a:spcPct val="107000"/>
+              </a:lnSpc>
+              <a:spcAft>
+                <a:spcPts val="800"/>
+              </a:spcAft>
+              <a:buNone/>
+            </a:pPr>
+            <a:r>
+              <a:rPr lang="en-GB" sz="1600" b="1" kern="100" dirty="0">
+                <a:effectLst/>
+                <a:latin typeface="Calibri" panose="020F0502020204030204" pitchFamily="34" charset="0"/>
+                <a:ea typeface="Calibri" panose="020F0502020204030204" pitchFamily="34" charset="0"/>
+                <a:cs typeface="Times New Roman" panose="02020603050405020304" pitchFamily="18" charset="0"/>
+              </a:rPr>
+              <a:t>Key Points:</a:t>
+            </a:r>
+          </a:p>
+          <a:p>
+            <a:pPr marL="45720" indent="0">
+              <a:lnSpc>
+                <a:spcPct val="107000"/>
+              </a:lnSpc>
+              <a:spcAft>
+                <a:spcPts val="800"/>
+              </a:spcAft>
+              <a:buNone/>
+            </a:pPr>
+            <a:r>
+              <a:rPr lang="en-GB" sz="1600" kern="100" dirty="0">
+                <a:effectLst/>
+                <a:latin typeface="Calibri" panose="020F0502020204030204" pitchFamily="34" charset="0"/>
+                <a:ea typeface="Calibri" panose="020F0502020204030204" pitchFamily="34" charset="0"/>
+                <a:cs typeface="Times New Roman" panose="02020603050405020304" pitchFamily="18" charset="0"/>
+              </a:rPr>
+              <a:t>This paper addresses the simulation of urban-scale dispersion phenomena, focusing on a specific computational framework.</a:t>
+            </a:r>
+          </a:p>
+          <a:p>
+            <a:pPr marL="45720" indent="0">
+              <a:lnSpc>
+                <a:spcPct val="107000"/>
+              </a:lnSpc>
+              <a:spcAft>
+                <a:spcPts val="800"/>
+              </a:spcAft>
+              <a:buNone/>
+            </a:pPr>
+            <a:r>
+              <a:rPr lang="en-GB" sz="1600" kern="100" dirty="0">
+                <a:effectLst/>
+                <a:latin typeface="Calibri" panose="020F0502020204030204" pitchFamily="34" charset="0"/>
+                <a:ea typeface="Calibri" panose="020F0502020204030204" pitchFamily="34" charset="0"/>
+                <a:cs typeface="Times New Roman" panose="02020603050405020304" pitchFamily="18" charset="0"/>
+              </a:rPr>
+              <a:t>It aims to provide accurate and efficient simulations to better understand dispersion in urban environments.</a:t>
+            </a:r>
+          </a:p>
+          <a:p>
+            <a:pPr marL="45720" indent="0">
+              <a:lnSpc>
+                <a:spcPct val="107000"/>
+              </a:lnSpc>
+              <a:spcAft>
+                <a:spcPts val="800"/>
+              </a:spcAft>
+              <a:buNone/>
+            </a:pPr>
+            <a:r>
+              <a:rPr lang="en-GB" sz="1600" b="1" kern="100" dirty="0">
+                <a:effectLst/>
+                <a:latin typeface="Calibri" panose="020F0502020204030204" pitchFamily="34" charset="0"/>
+                <a:ea typeface="Calibri" panose="020F0502020204030204" pitchFamily="34" charset="0"/>
+                <a:cs typeface="Times New Roman" panose="02020603050405020304" pitchFamily="18" charset="0"/>
+              </a:rPr>
+              <a:t>Contributions:</a:t>
+            </a:r>
+          </a:p>
+          <a:p>
+            <a:pPr marL="45720" indent="0">
+              <a:lnSpc>
+                <a:spcPct val="107000"/>
+              </a:lnSpc>
+              <a:spcAft>
+                <a:spcPts val="800"/>
+              </a:spcAft>
+              <a:buNone/>
+            </a:pPr>
+            <a:r>
+              <a:rPr lang="en-GB" sz="1600" kern="100" dirty="0">
+                <a:effectLst/>
+                <a:latin typeface="Calibri" panose="020F0502020204030204" pitchFamily="34" charset="0"/>
+                <a:ea typeface="Calibri" panose="020F0502020204030204" pitchFamily="34" charset="0"/>
+                <a:cs typeface="Times New Roman" panose="02020603050405020304" pitchFamily="18" charset="0"/>
+              </a:rPr>
+              <a:t>Offers a computational method designed for urban-scale applications, considering complex terrains and conditions.</a:t>
+            </a:r>
+          </a:p>
+          <a:p>
+            <a:pPr marL="45720" indent="0">
+              <a:lnSpc>
+                <a:spcPct val="107000"/>
+              </a:lnSpc>
+              <a:spcAft>
+                <a:spcPts val="800"/>
+              </a:spcAft>
+              <a:buNone/>
+            </a:pPr>
+            <a:r>
+              <a:rPr lang="en-GB" sz="1600" kern="100" dirty="0">
+                <a:effectLst/>
+                <a:latin typeface="Calibri" panose="020F0502020204030204" pitchFamily="34" charset="0"/>
+                <a:ea typeface="Calibri" panose="020F0502020204030204" pitchFamily="34" charset="0"/>
+                <a:cs typeface="Times New Roman" panose="02020603050405020304" pitchFamily="18" charset="0"/>
+              </a:rPr>
+              <a:t>Provides empirical validations to demonstrate the accuracy and efficiency of the model.</a:t>
+            </a:r>
+          </a:p>
+          <a:p>
+            <a:pPr marL="45720" indent="0">
+              <a:lnSpc>
+                <a:spcPct val="107000"/>
+              </a:lnSpc>
+              <a:spcAft>
+                <a:spcPts val="800"/>
+              </a:spcAft>
+              <a:buNone/>
+            </a:pPr>
+            <a:r>
+              <a:rPr lang="en-GB" sz="1600" b="1" kern="100" dirty="0">
+                <a:effectLst/>
+                <a:latin typeface="Calibri" panose="020F0502020204030204" pitchFamily="34" charset="0"/>
+                <a:ea typeface="Calibri" panose="020F0502020204030204" pitchFamily="34" charset="0"/>
+                <a:cs typeface="Times New Roman" panose="02020603050405020304" pitchFamily="18" charset="0"/>
+              </a:rPr>
+              <a:t>Relevance to Project:</a:t>
+            </a:r>
+          </a:p>
+          <a:p>
+            <a:pPr marL="45720" indent="0">
+              <a:lnSpc>
+                <a:spcPct val="107000"/>
+              </a:lnSpc>
+              <a:spcAft>
+                <a:spcPts val="800"/>
+              </a:spcAft>
+              <a:buNone/>
+            </a:pPr>
+            <a:r>
+              <a:rPr lang="en-GB" sz="1600" kern="100" dirty="0">
+                <a:effectLst/>
+                <a:latin typeface="Calibri" panose="020F0502020204030204" pitchFamily="34" charset="0"/>
+                <a:ea typeface="Calibri" panose="020F0502020204030204" pitchFamily="34" charset="0"/>
+                <a:cs typeface="Times New Roman" panose="02020603050405020304" pitchFamily="18" charset="0"/>
+              </a:rPr>
+              <a:t>While the paper focuses on urban-scale dispersion, the computational methods and efficiency considerations may be adaptable for marine environments.</a:t>
+            </a:r>
+          </a:p>
+          <a:p>
+            <a:pPr marL="45720" indent="0">
+              <a:lnSpc>
+                <a:spcPct val="107000"/>
+              </a:lnSpc>
+              <a:spcAft>
+                <a:spcPts val="800"/>
+              </a:spcAft>
+              <a:buNone/>
+            </a:pPr>
+            <a:r>
+              <a:rPr lang="en-GB" sz="1600" kern="100" dirty="0">
+                <a:effectLst/>
+                <a:latin typeface="Calibri" panose="020F0502020204030204" pitchFamily="34" charset="0"/>
+                <a:ea typeface="Calibri" panose="020F0502020204030204" pitchFamily="34" charset="0"/>
+                <a:cs typeface="Times New Roman" panose="02020603050405020304" pitchFamily="18" charset="0"/>
+              </a:rPr>
+              <a:t>Could offer insights into simulating complex terrains, something relevant for bays and dive sites in the project.</a:t>
+            </a:r>
+          </a:p>
+        </p:txBody>
+      </p:sp>
+    </p:spTree>
+    <p:extLst>
+      <p:ext uri="{BB962C8B-B14F-4D97-AF65-F5344CB8AC3E}">
+        <p14:creationId xmlns:p14="http://schemas.microsoft.com/office/powerpoint/2010/main" val="969131369"/>
+      </p:ext>
+    </p:extLst>
+  </p:cSld>
+  <p:clrMapOvr>
+    <a:masterClrMapping/>
+  </p:clrMapOvr>
+</p:sld>
+</file>
+
+<file path=ppt/slides/slide19.xml><?xml version="1.0" encoding="utf-8"?>
+<p:sld xmlns:a="http://schemas.openxmlformats.org/drawingml/2006/main" xmlns:r="http://schemas.openxmlformats.org/officeDocument/2006/relationships" xmlns:p="http://schemas.openxmlformats.org/presentationml/2006/main">
+  <p:cSld>
+    <p:spTree>
+      <p:nvGrpSpPr>
+        <p:cNvPr id="1" name=""/>
+        <p:cNvGrpSpPr/>
+        <p:nvPr/>
+      </p:nvGrpSpPr>
+      <p:grpSpPr>
+        <a:xfrm>
+          <a:off x="0" y="0"/>
+          <a:ext cx="0" cy="0"/>
+          <a:chOff x="0" y="0"/>
+          <a:chExt cx="0" cy="0"/>
+        </a:xfrm>
+      </p:grpSpPr>
+      <p:sp>
+        <p:nvSpPr>
+          <p:cNvPr id="2" name="Title 1">
+            <a:extLst>
+              <a:ext uri="{FF2B5EF4-FFF2-40B4-BE49-F238E27FC236}">
+                <a16:creationId xmlns:a16="http://schemas.microsoft.com/office/drawing/2014/main" id="{F2153DD3-C27C-457D-ADDD-066D01CB95CA}"/>
+              </a:ext>
+            </a:extLst>
+          </p:cNvPr>
+          <p:cNvSpPr>
+            <a:spLocks noGrp="1"/>
+          </p:cNvSpPr>
+          <p:nvPr>
+            <p:ph type="title"/>
+          </p:nvPr>
+        </p:nvSpPr>
+        <p:spPr>
+          <a:xfrm>
+            <a:off x="1140144" y="231140"/>
+            <a:ext cx="9875520" cy="1356360"/>
+          </a:xfrm>
+        </p:spPr>
+        <p:txBody>
+          <a:bodyPr>
+            <a:noAutofit/>
+          </a:bodyPr>
+          <a:lstStyle/>
+          <a:p>
+            <a:pPr algn="ctr"/>
+            <a:r>
+              <a:rPr lang="en-GB" sz="2400" dirty="0">
+                <a:latin typeface="Rockwell" panose="02060603020205020403" pitchFamily="18" charset="0"/>
+              </a:rPr>
+              <a:t>The Lagrangian particle dispersion model FLEXPART version 10.4</a:t>
+            </a:r>
+            <a:endParaRPr lang="en-US" sz="2400" dirty="0">
+              <a:latin typeface="Rockwell" panose="02060603020205020403" pitchFamily="18" charset="0"/>
+            </a:endParaRPr>
+          </a:p>
+        </p:txBody>
+      </p:sp>
+      <p:sp>
+        <p:nvSpPr>
+          <p:cNvPr id="5" name="Content Placeholder 4">
+            <a:extLst>
+              <a:ext uri="{FF2B5EF4-FFF2-40B4-BE49-F238E27FC236}">
+                <a16:creationId xmlns:a16="http://schemas.microsoft.com/office/drawing/2014/main" id="{4AF77DCC-C856-EFFA-BF9D-1A31B3C90F92}"/>
+              </a:ext>
+            </a:extLst>
+          </p:cNvPr>
+          <p:cNvSpPr>
+            <a:spLocks noGrp="1"/>
+          </p:cNvSpPr>
+          <p:nvPr>
+            <p:ph idx="1"/>
+          </p:nvPr>
+        </p:nvSpPr>
+        <p:spPr>
+          <a:xfrm>
+            <a:off x="1143000" y="1587500"/>
+            <a:ext cx="9872871" cy="4508500"/>
+          </a:xfrm>
+        </p:spPr>
+        <p:txBody>
+          <a:bodyPr>
+            <a:normAutofit fontScale="85000" lnSpcReduction="10000"/>
+          </a:bodyPr>
+          <a:lstStyle/>
+          <a:p>
+            <a:pPr marL="45720" indent="0">
+              <a:lnSpc>
+                <a:spcPct val="107000"/>
+              </a:lnSpc>
+              <a:spcAft>
+                <a:spcPts val="800"/>
+              </a:spcAft>
+              <a:buNone/>
+            </a:pPr>
+            <a:r>
+              <a:rPr lang="en-GB" sz="1600" b="1" kern="100" dirty="0">
+                <a:effectLst/>
+                <a:latin typeface="Calibri" panose="020F0502020204030204" pitchFamily="34" charset="0"/>
+                <a:ea typeface="Calibri" panose="020F0502020204030204" pitchFamily="34" charset="0"/>
+                <a:cs typeface="Times New Roman" panose="02020603050405020304" pitchFamily="18" charset="0"/>
+              </a:rPr>
+              <a:t>Key Points:</a:t>
+            </a:r>
+          </a:p>
+          <a:p>
+            <a:pPr marL="45720" indent="0">
+              <a:lnSpc>
+                <a:spcPct val="107000"/>
+              </a:lnSpc>
+              <a:spcAft>
+                <a:spcPts val="800"/>
+              </a:spcAft>
+              <a:buNone/>
+            </a:pPr>
+            <a:r>
+              <a:rPr lang="en-GB" sz="1600" kern="100" dirty="0">
+                <a:effectLst/>
+                <a:latin typeface="Calibri" panose="020F0502020204030204" pitchFamily="34" charset="0"/>
+                <a:ea typeface="Calibri" panose="020F0502020204030204" pitchFamily="34" charset="0"/>
+                <a:cs typeface="Times New Roman" panose="02020603050405020304" pitchFamily="18" charset="0"/>
+              </a:rPr>
+              <a:t>The paper presents the version 10.4 of FLEXPART, a Lagrangian particle dispersion model widely used in atmospheric research.</a:t>
+            </a:r>
+          </a:p>
+          <a:p>
+            <a:pPr marL="45720" indent="0">
+              <a:lnSpc>
+                <a:spcPct val="107000"/>
+              </a:lnSpc>
+              <a:spcAft>
+                <a:spcPts val="800"/>
+              </a:spcAft>
+              <a:buNone/>
+            </a:pPr>
+            <a:r>
+              <a:rPr lang="en-GB" sz="1600" kern="100" dirty="0">
+                <a:effectLst/>
+                <a:latin typeface="Calibri" panose="020F0502020204030204" pitchFamily="34" charset="0"/>
+                <a:ea typeface="Calibri" panose="020F0502020204030204" pitchFamily="34" charset="0"/>
+                <a:cs typeface="Times New Roman" panose="02020603050405020304" pitchFamily="18" charset="0"/>
+              </a:rPr>
+              <a:t>It discusses improvements, bug fixes, and new features in this latest version, focusing on its applicability for a variety of atmospheric conditions.</a:t>
+            </a:r>
+          </a:p>
+          <a:p>
+            <a:pPr marL="45720" indent="0">
+              <a:lnSpc>
+                <a:spcPct val="107000"/>
+              </a:lnSpc>
+              <a:spcAft>
+                <a:spcPts val="800"/>
+              </a:spcAft>
+              <a:buNone/>
+            </a:pPr>
+            <a:r>
+              <a:rPr lang="en-GB" sz="1600" b="1" kern="100" dirty="0">
+                <a:effectLst/>
+                <a:latin typeface="Calibri" panose="020F0502020204030204" pitchFamily="34" charset="0"/>
+                <a:ea typeface="Calibri" panose="020F0502020204030204" pitchFamily="34" charset="0"/>
+                <a:cs typeface="Times New Roman" panose="02020603050405020304" pitchFamily="18" charset="0"/>
+              </a:rPr>
+              <a:t>Contributions:</a:t>
+            </a:r>
+          </a:p>
+          <a:p>
+            <a:pPr marL="45720" indent="0">
+              <a:lnSpc>
+                <a:spcPct val="107000"/>
+              </a:lnSpc>
+              <a:spcAft>
+                <a:spcPts val="800"/>
+              </a:spcAft>
+              <a:buNone/>
+            </a:pPr>
+            <a:r>
+              <a:rPr lang="en-GB" sz="1600" kern="100" dirty="0">
+                <a:effectLst/>
+                <a:latin typeface="Calibri" panose="020F0502020204030204" pitchFamily="34" charset="0"/>
+                <a:ea typeface="Calibri" panose="020F0502020204030204" pitchFamily="34" charset="0"/>
+                <a:cs typeface="Times New Roman" panose="02020603050405020304" pitchFamily="18" charset="0"/>
+              </a:rPr>
+              <a:t>Offers a comprehensive look at FLEXPART, including the mathematical formulations, numerical methods, and practical applications.</a:t>
+            </a:r>
+          </a:p>
+          <a:p>
+            <a:pPr marL="45720" indent="0">
+              <a:lnSpc>
+                <a:spcPct val="107000"/>
+              </a:lnSpc>
+              <a:spcAft>
+                <a:spcPts val="800"/>
+              </a:spcAft>
+              <a:buNone/>
+            </a:pPr>
+            <a:r>
+              <a:rPr lang="en-GB" sz="1600" kern="100" dirty="0">
+                <a:effectLst/>
+                <a:latin typeface="Calibri" panose="020F0502020204030204" pitchFamily="34" charset="0"/>
+                <a:ea typeface="Calibri" panose="020F0502020204030204" pitchFamily="34" charset="0"/>
+                <a:cs typeface="Times New Roman" panose="02020603050405020304" pitchFamily="18" charset="0"/>
+              </a:rPr>
+              <a:t>Provides updates that enhance the model's performance and versatility in simulating atmospheric dispersion phenomena.</a:t>
+            </a:r>
+          </a:p>
+          <a:p>
+            <a:pPr marL="45720" indent="0">
+              <a:lnSpc>
+                <a:spcPct val="107000"/>
+              </a:lnSpc>
+              <a:spcAft>
+                <a:spcPts val="800"/>
+              </a:spcAft>
+              <a:buNone/>
+            </a:pPr>
+            <a:r>
+              <a:rPr lang="en-GB" sz="1600" b="1" kern="100" dirty="0">
+                <a:effectLst/>
+                <a:latin typeface="Calibri" panose="020F0502020204030204" pitchFamily="34" charset="0"/>
+                <a:ea typeface="Calibri" panose="020F0502020204030204" pitchFamily="34" charset="0"/>
+                <a:cs typeface="Times New Roman" panose="02020603050405020304" pitchFamily="18" charset="0"/>
+              </a:rPr>
+              <a:t>Relevance to Project:</a:t>
+            </a:r>
+          </a:p>
+          <a:p>
+            <a:pPr marL="45720" indent="0">
+              <a:lnSpc>
+                <a:spcPct val="107000"/>
+              </a:lnSpc>
+              <a:spcAft>
+                <a:spcPts val="800"/>
+              </a:spcAft>
+              <a:buNone/>
+            </a:pPr>
+            <a:r>
+              <a:rPr lang="en-GB" sz="1600" kern="100" dirty="0">
+                <a:effectLst/>
+                <a:latin typeface="Calibri" panose="020F0502020204030204" pitchFamily="34" charset="0"/>
+                <a:ea typeface="Calibri" panose="020F0502020204030204" pitchFamily="34" charset="0"/>
+                <a:cs typeface="Times New Roman" panose="02020603050405020304" pitchFamily="18" charset="0"/>
+              </a:rPr>
+              <a:t>FLEXPART's advancements in particle dispersion modelling could offer useful methodologies for our marine debris tracking.</a:t>
+            </a:r>
+          </a:p>
+          <a:p>
+            <a:pPr marL="45720" indent="0">
+              <a:lnSpc>
+                <a:spcPct val="107000"/>
+              </a:lnSpc>
+              <a:spcAft>
+                <a:spcPts val="800"/>
+              </a:spcAft>
+              <a:buNone/>
+            </a:pPr>
+            <a:r>
+              <a:rPr lang="en-GB" sz="1600" kern="100" dirty="0">
+                <a:effectLst/>
+                <a:latin typeface="Calibri" panose="020F0502020204030204" pitchFamily="34" charset="0"/>
+                <a:ea typeface="Calibri" panose="020F0502020204030204" pitchFamily="34" charset="0"/>
+                <a:cs typeface="Times New Roman" panose="02020603050405020304" pitchFamily="18" charset="0"/>
+              </a:rPr>
+              <a:t>The paper's focus on adaptability and a wide range of applications could provide valuable insight.</a:t>
+            </a:r>
+          </a:p>
+        </p:txBody>
+      </p:sp>
+    </p:spTree>
+    <p:extLst>
+      <p:ext uri="{BB962C8B-B14F-4D97-AF65-F5344CB8AC3E}">
+        <p14:creationId xmlns:p14="http://schemas.microsoft.com/office/powerpoint/2010/main" val="787813669"/>
       </p:ext>
     </p:extLst>
   </p:cSld>
@@ -4361,7 +7105,7 @@
               <a:rPr lang="en-GB" dirty="0">
                 <a:latin typeface="Söhne"/>
               </a:rPr>
-              <a:t>Human activities like diving and swimming are negatively impacted.</a:t>
+              <a:t>Human activities like diving and swimming are also negatively impacted.</a:t>
             </a:r>
           </a:p>
           <a:p>
@@ -4376,6 +7120,1966 @@
     <p:extLst>
       <p:ext uri="{BB962C8B-B14F-4D97-AF65-F5344CB8AC3E}">
         <p14:creationId xmlns:p14="http://schemas.microsoft.com/office/powerpoint/2010/main" val="1524077779"/>
+      </p:ext>
+    </p:extLst>
+  </p:cSld>
+  <p:clrMapOvr>
+    <a:masterClrMapping/>
+  </p:clrMapOvr>
+</p:sld>
+</file>
+
+<file path=ppt/slides/slide20.xml><?xml version="1.0" encoding="utf-8"?>
+<p:sld xmlns:a="http://schemas.openxmlformats.org/drawingml/2006/main" xmlns:r="http://schemas.openxmlformats.org/officeDocument/2006/relationships" xmlns:p="http://schemas.openxmlformats.org/presentationml/2006/main">
+  <p:cSld>
+    <p:spTree>
+      <p:nvGrpSpPr>
+        <p:cNvPr id="1" name=""/>
+        <p:cNvGrpSpPr/>
+        <p:nvPr/>
+      </p:nvGrpSpPr>
+      <p:grpSpPr>
+        <a:xfrm>
+          <a:off x="0" y="0"/>
+          <a:ext cx="0" cy="0"/>
+          <a:chOff x="0" y="0"/>
+          <a:chExt cx="0" cy="0"/>
+        </a:xfrm>
+      </p:grpSpPr>
+      <p:sp>
+        <p:nvSpPr>
+          <p:cNvPr id="2" name="Title 1">
+            <a:extLst>
+              <a:ext uri="{FF2B5EF4-FFF2-40B4-BE49-F238E27FC236}">
+                <a16:creationId xmlns:a16="http://schemas.microsoft.com/office/drawing/2014/main" id="{F2153DD3-C27C-457D-ADDD-066D01CB95CA}"/>
+              </a:ext>
+            </a:extLst>
+          </p:cNvPr>
+          <p:cNvSpPr>
+            <a:spLocks noGrp="1"/>
+          </p:cNvSpPr>
+          <p:nvPr>
+            <p:ph type="title"/>
+          </p:nvPr>
+        </p:nvSpPr>
+        <p:spPr>
+          <a:xfrm>
+            <a:off x="1140144" y="231140"/>
+            <a:ext cx="9875520" cy="1356360"/>
+          </a:xfrm>
+        </p:spPr>
+        <p:txBody>
+          <a:bodyPr>
+            <a:noAutofit/>
+          </a:bodyPr>
+          <a:lstStyle/>
+          <a:p>
+            <a:pPr algn="ctr"/>
+            <a:r>
+              <a:rPr lang="en-GB" sz="2400" dirty="0">
+                <a:latin typeface="Rockwell" panose="02060603020205020403" pitchFamily="18" charset="0"/>
+              </a:rPr>
+              <a:t>The Lagrangian particle dispersion model FLEXPART-WRF</a:t>
+            </a:r>
+            <a:endParaRPr lang="en-US" sz="2400" dirty="0">
+              <a:latin typeface="Rockwell" panose="02060603020205020403" pitchFamily="18" charset="0"/>
+            </a:endParaRPr>
+          </a:p>
+        </p:txBody>
+      </p:sp>
+      <p:sp>
+        <p:nvSpPr>
+          <p:cNvPr id="5" name="Content Placeholder 4">
+            <a:extLst>
+              <a:ext uri="{FF2B5EF4-FFF2-40B4-BE49-F238E27FC236}">
+                <a16:creationId xmlns:a16="http://schemas.microsoft.com/office/drawing/2014/main" id="{4AF77DCC-C856-EFFA-BF9D-1A31B3C90F92}"/>
+              </a:ext>
+            </a:extLst>
+          </p:cNvPr>
+          <p:cNvSpPr>
+            <a:spLocks noGrp="1"/>
+          </p:cNvSpPr>
+          <p:nvPr>
+            <p:ph idx="1"/>
+          </p:nvPr>
+        </p:nvSpPr>
+        <p:spPr>
+          <a:xfrm>
+            <a:off x="1143000" y="1587500"/>
+            <a:ext cx="9872871" cy="4508500"/>
+          </a:xfrm>
+        </p:spPr>
+        <p:txBody>
+          <a:bodyPr>
+            <a:normAutofit fontScale="85000" lnSpcReduction="20000"/>
+          </a:bodyPr>
+          <a:lstStyle/>
+          <a:p>
+            <a:pPr marL="45720" indent="0">
+              <a:lnSpc>
+                <a:spcPct val="107000"/>
+              </a:lnSpc>
+              <a:spcAft>
+                <a:spcPts val="800"/>
+              </a:spcAft>
+              <a:buNone/>
+            </a:pPr>
+            <a:r>
+              <a:rPr lang="en-GB" sz="1600" b="1" kern="100" dirty="0">
+                <a:effectLst/>
+                <a:latin typeface="Calibri" panose="020F0502020204030204" pitchFamily="34" charset="0"/>
+                <a:ea typeface="Calibri" panose="020F0502020204030204" pitchFamily="34" charset="0"/>
+                <a:cs typeface="Times New Roman" panose="02020603050405020304" pitchFamily="18" charset="0"/>
+              </a:rPr>
+              <a:t>Key Points:</a:t>
+            </a:r>
+          </a:p>
+          <a:p>
+            <a:pPr marL="45720" indent="0">
+              <a:lnSpc>
+                <a:spcPct val="107000"/>
+              </a:lnSpc>
+              <a:spcAft>
+                <a:spcPts val="800"/>
+              </a:spcAft>
+              <a:buNone/>
+            </a:pPr>
+            <a:r>
+              <a:rPr lang="en-GB" sz="1600" kern="100" dirty="0">
+                <a:effectLst/>
+                <a:latin typeface="Calibri" panose="020F0502020204030204" pitchFamily="34" charset="0"/>
+                <a:ea typeface="Calibri" panose="020F0502020204030204" pitchFamily="34" charset="0"/>
+                <a:cs typeface="Times New Roman" panose="02020603050405020304" pitchFamily="18" charset="0"/>
+              </a:rPr>
+              <a:t>The paper introduces FLEXPART-WRF, an extension of the FLEXPART model specifically designed to work with the Weather Research and Forecasting (WRF) model.</a:t>
+            </a:r>
+          </a:p>
+          <a:p>
+            <a:pPr marL="45720" indent="0">
+              <a:lnSpc>
+                <a:spcPct val="107000"/>
+              </a:lnSpc>
+              <a:spcAft>
+                <a:spcPts val="800"/>
+              </a:spcAft>
+              <a:buNone/>
+            </a:pPr>
+            <a:r>
+              <a:rPr lang="en-GB" sz="1600" kern="100" dirty="0">
+                <a:effectLst/>
+                <a:latin typeface="Calibri" panose="020F0502020204030204" pitchFamily="34" charset="0"/>
+                <a:ea typeface="Calibri" panose="020F0502020204030204" pitchFamily="34" charset="0"/>
+                <a:cs typeface="Times New Roman" panose="02020603050405020304" pitchFamily="18" charset="0"/>
+              </a:rPr>
+              <a:t>Discusses how FLEXPART-WRF can be applied to simulate particle dispersion in the atmosphere with high accuracy.</a:t>
+            </a:r>
+          </a:p>
+          <a:p>
+            <a:pPr marL="45720" indent="0">
+              <a:lnSpc>
+                <a:spcPct val="107000"/>
+              </a:lnSpc>
+              <a:spcAft>
+                <a:spcPts val="800"/>
+              </a:spcAft>
+              <a:buNone/>
+            </a:pPr>
+            <a:r>
+              <a:rPr lang="en-GB" sz="1600" b="1" kern="100" dirty="0">
+                <a:effectLst/>
+                <a:latin typeface="Calibri" panose="020F0502020204030204" pitchFamily="34" charset="0"/>
+                <a:ea typeface="Calibri" panose="020F0502020204030204" pitchFamily="34" charset="0"/>
+                <a:cs typeface="Times New Roman" panose="02020603050405020304" pitchFamily="18" charset="0"/>
+              </a:rPr>
+              <a:t>Contributions:</a:t>
+            </a:r>
+          </a:p>
+          <a:p>
+            <a:pPr marL="45720" indent="0">
+              <a:lnSpc>
+                <a:spcPct val="107000"/>
+              </a:lnSpc>
+              <a:spcAft>
+                <a:spcPts val="800"/>
+              </a:spcAft>
+              <a:buNone/>
+            </a:pPr>
+            <a:r>
+              <a:rPr lang="en-GB" sz="1600" kern="100" dirty="0">
+                <a:effectLst/>
+                <a:latin typeface="Calibri" panose="020F0502020204030204" pitchFamily="34" charset="0"/>
+                <a:ea typeface="Calibri" panose="020F0502020204030204" pitchFamily="34" charset="0"/>
+                <a:cs typeface="Times New Roman" panose="02020603050405020304" pitchFamily="18" charset="0"/>
+              </a:rPr>
+              <a:t>Illustrates the integration of FLEXPART with WRF, providing a powerful tool for atmospheric dispersion studies.</a:t>
+            </a:r>
+          </a:p>
+          <a:p>
+            <a:pPr marL="45720" indent="0">
+              <a:lnSpc>
+                <a:spcPct val="107000"/>
+              </a:lnSpc>
+              <a:spcAft>
+                <a:spcPts val="800"/>
+              </a:spcAft>
+              <a:buNone/>
+            </a:pPr>
+            <a:r>
+              <a:rPr lang="en-GB" sz="1600" kern="100" dirty="0">
+                <a:effectLst/>
+                <a:latin typeface="Calibri" panose="020F0502020204030204" pitchFamily="34" charset="0"/>
+                <a:ea typeface="Calibri" panose="020F0502020204030204" pitchFamily="34" charset="0"/>
+                <a:cs typeface="Times New Roman" panose="02020603050405020304" pitchFamily="18" charset="0"/>
+              </a:rPr>
+              <a:t>Provides case studies to validate the model's effectiveness in realistic scenarios.</a:t>
+            </a:r>
+          </a:p>
+          <a:p>
+            <a:pPr marL="45720" indent="0">
+              <a:lnSpc>
+                <a:spcPct val="107000"/>
+              </a:lnSpc>
+              <a:spcAft>
+                <a:spcPts val="800"/>
+              </a:spcAft>
+              <a:buNone/>
+            </a:pPr>
+            <a:r>
+              <a:rPr lang="en-GB" sz="1600" b="1" kern="100" dirty="0">
+                <a:effectLst/>
+                <a:latin typeface="Calibri" panose="020F0502020204030204" pitchFamily="34" charset="0"/>
+                <a:ea typeface="Calibri" panose="020F0502020204030204" pitchFamily="34" charset="0"/>
+                <a:cs typeface="Times New Roman" panose="02020603050405020304" pitchFamily="18" charset="0"/>
+              </a:rPr>
+              <a:t>Relevance to Project:</a:t>
+            </a:r>
+          </a:p>
+          <a:p>
+            <a:pPr marL="45720" indent="0">
+              <a:lnSpc>
+                <a:spcPct val="107000"/>
+              </a:lnSpc>
+              <a:spcAft>
+                <a:spcPts val="800"/>
+              </a:spcAft>
+              <a:buNone/>
+            </a:pPr>
+            <a:r>
+              <a:rPr lang="en-GB" sz="1600" kern="100" dirty="0">
+                <a:effectLst/>
+                <a:latin typeface="Calibri" panose="020F0502020204030204" pitchFamily="34" charset="0"/>
+                <a:ea typeface="Calibri" panose="020F0502020204030204" pitchFamily="34" charset="0"/>
+                <a:cs typeface="Times New Roman" panose="02020603050405020304" pitchFamily="18" charset="0"/>
+              </a:rPr>
+              <a:t>The integration with WRF is noteworthy as it combines atmospheric modelling with particle dispersion, a concept I can adapt for ocean currents and weather data.</a:t>
+            </a:r>
+          </a:p>
+          <a:p>
+            <a:pPr marL="45720" indent="0">
+              <a:lnSpc>
+                <a:spcPct val="107000"/>
+              </a:lnSpc>
+              <a:spcAft>
+                <a:spcPts val="800"/>
+              </a:spcAft>
+              <a:buNone/>
+            </a:pPr>
+            <a:r>
+              <a:rPr lang="en-GB" sz="1600" kern="100" dirty="0">
+                <a:effectLst/>
+                <a:latin typeface="Calibri" panose="020F0502020204030204" pitchFamily="34" charset="0"/>
+                <a:ea typeface="Calibri" panose="020F0502020204030204" pitchFamily="34" charset="0"/>
+                <a:cs typeface="Times New Roman" panose="02020603050405020304" pitchFamily="18" charset="0"/>
+              </a:rPr>
+              <a:t>The paper’s focus on accuracy and realistic scenarios is particularly relevant for the project's objective of predictive tracking.</a:t>
+            </a:r>
+          </a:p>
+        </p:txBody>
+      </p:sp>
+    </p:spTree>
+    <p:extLst>
+      <p:ext uri="{BB962C8B-B14F-4D97-AF65-F5344CB8AC3E}">
+        <p14:creationId xmlns:p14="http://schemas.microsoft.com/office/powerpoint/2010/main" val="3928807909"/>
+      </p:ext>
+    </p:extLst>
+  </p:cSld>
+  <p:clrMapOvr>
+    <a:masterClrMapping/>
+  </p:clrMapOvr>
+</p:sld>
+</file>
+
+<file path=ppt/slides/slide21.xml><?xml version="1.0" encoding="utf-8"?>
+<p:sld xmlns:a="http://schemas.openxmlformats.org/drawingml/2006/main" xmlns:r="http://schemas.openxmlformats.org/officeDocument/2006/relationships" xmlns:p="http://schemas.openxmlformats.org/presentationml/2006/main">
+  <p:cSld>
+    <p:spTree>
+      <p:nvGrpSpPr>
+        <p:cNvPr id="1" name=""/>
+        <p:cNvGrpSpPr/>
+        <p:nvPr/>
+      </p:nvGrpSpPr>
+      <p:grpSpPr>
+        <a:xfrm>
+          <a:off x="0" y="0"/>
+          <a:ext cx="0" cy="0"/>
+          <a:chOff x="0" y="0"/>
+          <a:chExt cx="0" cy="0"/>
+        </a:xfrm>
+      </p:grpSpPr>
+      <p:sp>
+        <p:nvSpPr>
+          <p:cNvPr id="2" name="Title 1">
+            <a:extLst>
+              <a:ext uri="{FF2B5EF4-FFF2-40B4-BE49-F238E27FC236}">
+                <a16:creationId xmlns:a16="http://schemas.microsoft.com/office/drawing/2014/main" id="{F2153DD3-C27C-457D-ADDD-066D01CB95CA}"/>
+              </a:ext>
+            </a:extLst>
+          </p:cNvPr>
+          <p:cNvSpPr>
+            <a:spLocks noGrp="1"/>
+          </p:cNvSpPr>
+          <p:nvPr>
+            <p:ph type="title"/>
+          </p:nvPr>
+        </p:nvSpPr>
+        <p:spPr>
+          <a:xfrm>
+            <a:off x="1140144" y="231140"/>
+            <a:ext cx="9875520" cy="1356360"/>
+          </a:xfrm>
+        </p:spPr>
+        <p:txBody>
+          <a:bodyPr>
+            <a:noAutofit/>
+          </a:bodyPr>
+          <a:lstStyle/>
+          <a:p>
+            <a:pPr algn="ctr"/>
+            <a:r>
+              <a:rPr lang="en-GB" sz="2400" dirty="0">
+                <a:latin typeface="Rockwell" panose="02060603020205020403" pitchFamily="18" charset="0"/>
+              </a:rPr>
+              <a:t>The Parcels v20 Lagrangian framework new field</a:t>
+            </a:r>
+            <a:endParaRPr lang="en-US" sz="2400" dirty="0">
+              <a:latin typeface="Rockwell" panose="02060603020205020403" pitchFamily="18" charset="0"/>
+            </a:endParaRPr>
+          </a:p>
+        </p:txBody>
+      </p:sp>
+      <p:sp>
+        <p:nvSpPr>
+          <p:cNvPr id="5" name="Content Placeholder 4">
+            <a:extLst>
+              <a:ext uri="{FF2B5EF4-FFF2-40B4-BE49-F238E27FC236}">
+                <a16:creationId xmlns:a16="http://schemas.microsoft.com/office/drawing/2014/main" id="{4AF77DCC-C856-EFFA-BF9D-1A31B3C90F92}"/>
+              </a:ext>
+            </a:extLst>
+          </p:cNvPr>
+          <p:cNvSpPr>
+            <a:spLocks noGrp="1"/>
+          </p:cNvSpPr>
+          <p:nvPr>
+            <p:ph idx="1"/>
+          </p:nvPr>
+        </p:nvSpPr>
+        <p:spPr>
+          <a:xfrm>
+            <a:off x="1143000" y="1587500"/>
+            <a:ext cx="9872871" cy="4508500"/>
+          </a:xfrm>
+        </p:spPr>
+        <p:txBody>
+          <a:bodyPr>
+            <a:normAutofit fontScale="85000" lnSpcReduction="20000"/>
+          </a:bodyPr>
+          <a:lstStyle/>
+          <a:p>
+            <a:pPr marL="45720" indent="0">
+              <a:lnSpc>
+                <a:spcPct val="107000"/>
+              </a:lnSpc>
+              <a:spcAft>
+                <a:spcPts val="800"/>
+              </a:spcAft>
+              <a:buNone/>
+            </a:pPr>
+            <a:r>
+              <a:rPr lang="en-GB" sz="1600" b="1" kern="100" dirty="0">
+                <a:effectLst/>
+                <a:latin typeface="Calibri" panose="020F0502020204030204" pitchFamily="34" charset="0"/>
+                <a:ea typeface="Calibri" panose="020F0502020204030204" pitchFamily="34" charset="0"/>
+                <a:cs typeface="Times New Roman" panose="02020603050405020304" pitchFamily="18" charset="0"/>
+              </a:rPr>
+              <a:t>Key Points:</a:t>
+            </a:r>
+          </a:p>
+          <a:p>
+            <a:pPr marL="45720" indent="0">
+              <a:lnSpc>
+                <a:spcPct val="107000"/>
+              </a:lnSpc>
+              <a:spcAft>
+                <a:spcPts val="800"/>
+              </a:spcAft>
+              <a:buNone/>
+            </a:pPr>
+            <a:r>
+              <a:rPr lang="en-GB" sz="1600" kern="100" dirty="0">
+                <a:effectLst/>
+                <a:latin typeface="Calibri" panose="020F0502020204030204" pitchFamily="34" charset="0"/>
+                <a:ea typeface="Calibri" panose="020F0502020204030204" pitchFamily="34" charset="0"/>
+                <a:cs typeface="Times New Roman" panose="02020603050405020304" pitchFamily="18" charset="0"/>
+              </a:rPr>
+              <a:t>The paper presents Parcels v2.0, an upgraded version of a Lagrangian framework designed for simulating the movement of ocean particles.</a:t>
+            </a:r>
+          </a:p>
+          <a:p>
+            <a:pPr marL="45720" indent="0">
+              <a:lnSpc>
+                <a:spcPct val="107000"/>
+              </a:lnSpc>
+              <a:spcAft>
+                <a:spcPts val="800"/>
+              </a:spcAft>
+              <a:buNone/>
+            </a:pPr>
+            <a:r>
+              <a:rPr lang="en-GB" sz="1600" kern="100" dirty="0">
+                <a:effectLst/>
+                <a:latin typeface="Calibri" panose="020F0502020204030204" pitchFamily="34" charset="0"/>
+                <a:ea typeface="Calibri" panose="020F0502020204030204" pitchFamily="34" charset="0"/>
+                <a:cs typeface="Times New Roman" panose="02020603050405020304" pitchFamily="18" charset="0"/>
+              </a:rPr>
+              <a:t>Introduces new capabilities, such as advanced field sampling and custom kernel injection, to improve simulation quality.</a:t>
+            </a:r>
+          </a:p>
+          <a:p>
+            <a:pPr marL="45720" indent="0">
+              <a:lnSpc>
+                <a:spcPct val="107000"/>
+              </a:lnSpc>
+              <a:spcAft>
+                <a:spcPts val="800"/>
+              </a:spcAft>
+              <a:buNone/>
+            </a:pPr>
+            <a:r>
+              <a:rPr lang="en-GB" sz="1600" b="1" kern="100" dirty="0">
+                <a:effectLst/>
+                <a:latin typeface="Calibri" panose="020F0502020204030204" pitchFamily="34" charset="0"/>
+                <a:ea typeface="Calibri" panose="020F0502020204030204" pitchFamily="34" charset="0"/>
+                <a:cs typeface="Times New Roman" panose="02020603050405020304" pitchFamily="18" charset="0"/>
+              </a:rPr>
+              <a:t>Contributions:</a:t>
+            </a:r>
+          </a:p>
+          <a:p>
+            <a:pPr marL="45720" indent="0">
+              <a:lnSpc>
+                <a:spcPct val="107000"/>
+              </a:lnSpc>
+              <a:spcAft>
+                <a:spcPts val="800"/>
+              </a:spcAft>
+              <a:buNone/>
+            </a:pPr>
+            <a:r>
+              <a:rPr lang="en-GB" sz="1600" kern="100" dirty="0">
+                <a:effectLst/>
+                <a:latin typeface="Calibri" panose="020F0502020204030204" pitchFamily="34" charset="0"/>
+                <a:ea typeface="Calibri" panose="020F0502020204030204" pitchFamily="34" charset="0"/>
+                <a:cs typeface="Times New Roman" panose="02020603050405020304" pitchFamily="18" charset="0"/>
+              </a:rPr>
+              <a:t>The updated framework offers a highly extensible and customizable setup that can be tailored to specific scientific needs.</a:t>
+            </a:r>
+          </a:p>
+          <a:p>
+            <a:pPr marL="45720" indent="0">
+              <a:lnSpc>
+                <a:spcPct val="107000"/>
+              </a:lnSpc>
+              <a:spcAft>
+                <a:spcPts val="800"/>
+              </a:spcAft>
+              <a:buNone/>
+            </a:pPr>
+            <a:r>
+              <a:rPr lang="en-GB" sz="1600" kern="100" dirty="0">
+                <a:effectLst/>
+                <a:latin typeface="Calibri" panose="020F0502020204030204" pitchFamily="34" charset="0"/>
+                <a:ea typeface="Calibri" panose="020F0502020204030204" pitchFamily="34" charset="0"/>
+                <a:cs typeface="Times New Roman" panose="02020603050405020304" pitchFamily="18" charset="0"/>
+              </a:rPr>
+              <a:t>Demonstrates the software's utility in a variety of oceanographic research applications.</a:t>
+            </a:r>
+          </a:p>
+          <a:p>
+            <a:pPr marL="45720" indent="0">
+              <a:lnSpc>
+                <a:spcPct val="107000"/>
+              </a:lnSpc>
+              <a:spcAft>
+                <a:spcPts val="800"/>
+              </a:spcAft>
+              <a:buNone/>
+            </a:pPr>
+            <a:r>
+              <a:rPr lang="en-GB" sz="1600" b="1" kern="100" dirty="0">
+                <a:effectLst/>
+                <a:latin typeface="Calibri" panose="020F0502020204030204" pitchFamily="34" charset="0"/>
+                <a:ea typeface="Calibri" panose="020F0502020204030204" pitchFamily="34" charset="0"/>
+                <a:cs typeface="Times New Roman" panose="02020603050405020304" pitchFamily="18" charset="0"/>
+              </a:rPr>
+              <a:t>Relevance to Project:</a:t>
+            </a:r>
+          </a:p>
+          <a:p>
+            <a:pPr marL="45720" indent="0">
+              <a:lnSpc>
+                <a:spcPct val="107000"/>
+              </a:lnSpc>
+              <a:spcAft>
+                <a:spcPts val="800"/>
+              </a:spcAft>
+              <a:buNone/>
+            </a:pPr>
+            <a:r>
+              <a:rPr lang="en-GB" sz="1600" kern="100" dirty="0">
+                <a:effectLst/>
+                <a:latin typeface="Calibri" panose="020F0502020204030204" pitchFamily="34" charset="0"/>
+                <a:ea typeface="Calibri" panose="020F0502020204030204" pitchFamily="34" charset="0"/>
+                <a:cs typeface="Times New Roman" panose="02020603050405020304" pitchFamily="18" charset="0"/>
+              </a:rPr>
+              <a:t>The paper's emphasis on customization and extensibility could inspire similar features in the predictive model.</a:t>
+            </a:r>
+          </a:p>
+          <a:p>
+            <a:pPr marL="45720" indent="0">
+              <a:lnSpc>
+                <a:spcPct val="107000"/>
+              </a:lnSpc>
+              <a:spcAft>
+                <a:spcPts val="800"/>
+              </a:spcAft>
+              <a:buNone/>
+            </a:pPr>
+            <a:r>
+              <a:rPr lang="en-GB" sz="1600" kern="100" dirty="0">
+                <a:effectLst/>
+                <a:latin typeface="Calibri" panose="020F0502020204030204" pitchFamily="34" charset="0"/>
+                <a:ea typeface="Calibri" panose="020F0502020204030204" pitchFamily="34" charset="0"/>
+                <a:cs typeface="Times New Roman" panose="02020603050405020304" pitchFamily="18" charset="0"/>
+              </a:rPr>
+              <a:t>The methodological advancements in Lagrangian frameworks are directly relevant to our project’s focus on predictive trash debris tracking.</a:t>
+            </a:r>
+          </a:p>
+        </p:txBody>
+      </p:sp>
+    </p:spTree>
+    <p:extLst>
+      <p:ext uri="{BB962C8B-B14F-4D97-AF65-F5344CB8AC3E}">
+        <p14:creationId xmlns:p14="http://schemas.microsoft.com/office/powerpoint/2010/main" val="2983382866"/>
+      </p:ext>
+    </p:extLst>
+  </p:cSld>
+  <p:clrMapOvr>
+    <a:masterClrMapping/>
+  </p:clrMapOvr>
+</p:sld>
+</file>
+
+<file path=ppt/slides/slide22.xml><?xml version="1.0" encoding="utf-8"?>
+<p:sld xmlns:a="http://schemas.openxmlformats.org/drawingml/2006/main" xmlns:r="http://schemas.openxmlformats.org/officeDocument/2006/relationships" xmlns:p="http://schemas.openxmlformats.org/presentationml/2006/main">
+  <p:cSld>
+    <p:spTree>
+      <p:nvGrpSpPr>
+        <p:cNvPr id="1" name=""/>
+        <p:cNvGrpSpPr/>
+        <p:nvPr/>
+      </p:nvGrpSpPr>
+      <p:grpSpPr>
+        <a:xfrm>
+          <a:off x="0" y="0"/>
+          <a:ext cx="0" cy="0"/>
+          <a:chOff x="0" y="0"/>
+          <a:chExt cx="0" cy="0"/>
+        </a:xfrm>
+      </p:grpSpPr>
+      <p:sp>
+        <p:nvSpPr>
+          <p:cNvPr id="2" name="Title 1">
+            <a:extLst>
+              <a:ext uri="{FF2B5EF4-FFF2-40B4-BE49-F238E27FC236}">
+                <a16:creationId xmlns:a16="http://schemas.microsoft.com/office/drawing/2014/main" id="{F2153DD3-C27C-457D-ADDD-066D01CB95CA}"/>
+              </a:ext>
+            </a:extLst>
+          </p:cNvPr>
+          <p:cNvSpPr>
+            <a:spLocks noGrp="1"/>
+          </p:cNvSpPr>
+          <p:nvPr>
+            <p:ph type="title"/>
+          </p:nvPr>
+        </p:nvSpPr>
+        <p:spPr>
+          <a:xfrm>
+            <a:off x="1140144" y="231140"/>
+            <a:ext cx="9875520" cy="1356360"/>
+          </a:xfrm>
+        </p:spPr>
+        <p:txBody>
+          <a:bodyPr>
+            <a:noAutofit/>
+          </a:bodyPr>
+          <a:lstStyle/>
+          <a:p>
+            <a:pPr algn="ctr"/>
+            <a:r>
+              <a:rPr lang="en-GB" sz="2400" dirty="0">
+                <a:latin typeface="Rockwell" panose="02060603020205020403" pitchFamily="18" charset="0"/>
+              </a:rPr>
+              <a:t>Weather Forecasting Using Machine Learning </a:t>
+            </a:r>
+            <a:endParaRPr lang="en-US" sz="2400" dirty="0">
+              <a:latin typeface="Rockwell" panose="02060603020205020403" pitchFamily="18" charset="0"/>
+            </a:endParaRPr>
+          </a:p>
+        </p:txBody>
+      </p:sp>
+      <p:sp>
+        <p:nvSpPr>
+          <p:cNvPr id="5" name="Content Placeholder 4">
+            <a:extLst>
+              <a:ext uri="{FF2B5EF4-FFF2-40B4-BE49-F238E27FC236}">
+                <a16:creationId xmlns:a16="http://schemas.microsoft.com/office/drawing/2014/main" id="{4AF77DCC-C856-EFFA-BF9D-1A31B3C90F92}"/>
+              </a:ext>
+            </a:extLst>
+          </p:cNvPr>
+          <p:cNvSpPr>
+            <a:spLocks noGrp="1"/>
+          </p:cNvSpPr>
+          <p:nvPr>
+            <p:ph idx="1"/>
+          </p:nvPr>
+        </p:nvSpPr>
+        <p:spPr>
+          <a:xfrm>
+            <a:off x="1143000" y="1587500"/>
+            <a:ext cx="9872871" cy="4508500"/>
+          </a:xfrm>
+        </p:spPr>
+        <p:txBody>
+          <a:bodyPr>
+            <a:normAutofit fontScale="92500" lnSpcReduction="10000"/>
+          </a:bodyPr>
+          <a:lstStyle/>
+          <a:p>
+            <a:pPr marL="45720" indent="0">
+              <a:lnSpc>
+                <a:spcPct val="107000"/>
+              </a:lnSpc>
+              <a:spcAft>
+                <a:spcPts val="800"/>
+              </a:spcAft>
+              <a:buNone/>
+            </a:pPr>
+            <a:r>
+              <a:rPr lang="en-GB" sz="1400" b="1" kern="100" dirty="0">
+                <a:effectLst/>
+                <a:latin typeface="Calibri" panose="020F0502020204030204" pitchFamily="34" charset="0"/>
+                <a:ea typeface="Calibri" panose="020F0502020204030204" pitchFamily="34" charset="0"/>
+                <a:cs typeface="Times New Roman" panose="02020603050405020304" pitchFamily="18" charset="0"/>
+              </a:rPr>
+              <a:t>Key Points:</a:t>
+            </a:r>
+          </a:p>
+          <a:p>
+            <a:pPr marL="45720" indent="0">
+              <a:lnSpc>
+                <a:spcPct val="107000"/>
+              </a:lnSpc>
+              <a:spcAft>
+                <a:spcPts val="800"/>
+              </a:spcAft>
+              <a:buNone/>
+            </a:pPr>
+            <a:r>
+              <a:rPr lang="en-GB" sz="1400" kern="100" dirty="0">
+                <a:effectLst/>
+                <a:latin typeface="Calibri" panose="020F0502020204030204" pitchFamily="34" charset="0"/>
+                <a:ea typeface="Calibri" panose="020F0502020204030204" pitchFamily="34" charset="0"/>
+                <a:cs typeface="Times New Roman" panose="02020603050405020304" pitchFamily="18" charset="0"/>
+              </a:rPr>
+              <a:t>The paper explores various machine learning techniques, including decision trees, k-NN, and neural networks, for weather forecasting.</a:t>
+            </a:r>
+          </a:p>
+          <a:p>
+            <a:pPr marL="45720" indent="0">
+              <a:lnSpc>
+                <a:spcPct val="107000"/>
+              </a:lnSpc>
+              <a:spcAft>
+                <a:spcPts val="800"/>
+              </a:spcAft>
+              <a:buNone/>
+            </a:pPr>
+            <a:r>
+              <a:rPr lang="en-GB" sz="1400" kern="100" dirty="0">
+                <a:effectLst/>
+                <a:latin typeface="Calibri" panose="020F0502020204030204" pitchFamily="34" charset="0"/>
+                <a:ea typeface="Calibri" panose="020F0502020204030204" pitchFamily="34" charset="0"/>
+                <a:cs typeface="Times New Roman" panose="02020603050405020304" pitchFamily="18" charset="0"/>
+              </a:rPr>
+              <a:t>Compares the performance of machine learning algorithms with traditional time series models in short-term weather prediction.</a:t>
+            </a:r>
+          </a:p>
+          <a:p>
+            <a:pPr marL="45720" indent="0">
+              <a:lnSpc>
+                <a:spcPct val="107000"/>
+              </a:lnSpc>
+              <a:spcAft>
+                <a:spcPts val="800"/>
+              </a:spcAft>
+              <a:buNone/>
+            </a:pPr>
+            <a:r>
+              <a:rPr lang="en-GB" sz="1400" b="1" kern="100" dirty="0">
+                <a:effectLst/>
+                <a:latin typeface="Calibri" panose="020F0502020204030204" pitchFamily="34" charset="0"/>
+                <a:ea typeface="Calibri" panose="020F0502020204030204" pitchFamily="34" charset="0"/>
+                <a:cs typeface="Times New Roman" panose="02020603050405020304" pitchFamily="18" charset="0"/>
+              </a:rPr>
+              <a:t>Contributions:</a:t>
+            </a:r>
+          </a:p>
+          <a:p>
+            <a:pPr marL="45720" indent="0">
+              <a:lnSpc>
+                <a:spcPct val="107000"/>
+              </a:lnSpc>
+              <a:spcAft>
+                <a:spcPts val="800"/>
+              </a:spcAft>
+              <a:buNone/>
+            </a:pPr>
+            <a:r>
+              <a:rPr lang="en-GB" sz="1400" kern="100" dirty="0">
+                <a:effectLst/>
+                <a:latin typeface="Calibri" panose="020F0502020204030204" pitchFamily="34" charset="0"/>
+                <a:ea typeface="Calibri" panose="020F0502020204030204" pitchFamily="34" charset="0"/>
+                <a:cs typeface="Times New Roman" panose="02020603050405020304" pitchFamily="18" charset="0"/>
+              </a:rPr>
+              <a:t>Demonstrates that machine learning algorithms can outperform traditional methods in short-term weather forecasting.</a:t>
+            </a:r>
+          </a:p>
+          <a:p>
+            <a:pPr marL="45720" indent="0">
+              <a:lnSpc>
+                <a:spcPct val="107000"/>
+              </a:lnSpc>
+              <a:spcAft>
+                <a:spcPts val="800"/>
+              </a:spcAft>
+              <a:buNone/>
+            </a:pPr>
+            <a:r>
+              <a:rPr lang="en-GB" sz="1400" kern="100" dirty="0">
+                <a:effectLst/>
+                <a:latin typeface="Calibri" panose="020F0502020204030204" pitchFamily="34" charset="0"/>
+                <a:ea typeface="Calibri" panose="020F0502020204030204" pitchFamily="34" charset="0"/>
+                <a:cs typeface="Times New Roman" panose="02020603050405020304" pitchFamily="18" charset="0"/>
+              </a:rPr>
+              <a:t>Provides a comprehensive evaluation methodology using historical weather data for training and validation.</a:t>
+            </a:r>
+          </a:p>
+          <a:p>
+            <a:pPr marL="45720" indent="0">
+              <a:lnSpc>
+                <a:spcPct val="107000"/>
+              </a:lnSpc>
+              <a:spcAft>
+                <a:spcPts val="800"/>
+              </a:spcAft>
+              <a:buNone/>
+            </a:pPr>
+            <a:r>
+              <a:rPr lang="en-GB" sz="1400" b="1" kern="100" dirty="0">
+                <a:effectLst/>
+                <a:latin typeface="Calibri" panose="020F0502020204030204" pitchFamily="34" charset="0"/>
+                <a:ea typeface="Calibri" panose="020F0502020204030204" pitchFamily="34" charset="0"/>
+                <a:cs typeface="Times New Roman" panose="02020603050405020304" pitchFamily="18" charset="0"/>
+              </a:rPr>
+              <a:t>Relevance to Project:</a:t>
+            </a:r>
+          </a:p>
+          <a:p>
+            <a:pPr marL="45720" indent="0">
+              <a:lnSpc>
+                <a:spcPct val="107000"/>
+              </a:lnSpc>
+              <a:spcAft>
+                <a:spcPts val="800"/>
+              </a:spcAft>
+              <a:buNone/>
+            </a:pPr>
+            <a:r>
+              <a:rPr lang="en-GB" sz="1400" kern="100" dirty="0">
+                <a:effectLst/>
+                <a:latin typeface="Calibri" panose="020F0502020204030204" pitchFamily="34" charset="0"/>
+                <a:ea typeface="Calibri" panose="020F0502020204030204" pitchFamily="34" charset="0"/>
+                <a:cs typeface="Times New Roman" panose="02020603050405020304" pitchFamily="18" charset="0"/>
+              </a:rPr>
+              <a:t>The paper's insights into machine learning techniques for weather forecasting could guide the selection of an appropriate method for the weather prediction component.</a:t>
+            </a:r>
+          </a:p>
+          <a:p>
+            <a:pPr marL="45720" indent="0">
+              <a:lnSpc>
+                <a:spcPct val="107000"/>
+              </a:lnSpc>
+              <a:spcAft>
+                <a:spcPts val="800"/>
+              </a:spcAft>
+              <a:buNone/>
+            </a:pPr>
+            <a:r>
+              <a:rPr lang="en-GB" sz="1400" kern="100" dirty="0">
+                <a:effectLst/>
+                <a:latin typeface="Calibri" panose="020F0502020204030204" pitchFamily="34" charset="0"/>
+                <a:ea typeface="Calibri" panose="020F0502020204030204" pitchFamily="34" charset="0"/>
+                <a:cs typeface="Times New Roman" panose="02020603050405020304" pitchFamily="18" charset="0"/>
+              </a:rPr>
+              <a:t>The proven efficacy of machine learning algorithms in weather forecasting could be integrated with the Lagrangian dispersion model to create a more robust and accurate predictive model for trash debris tracking and marine conservation.</a:t>
+            </a:r>
+          </a:p>
+        </p:txBody>
+      </p:sp>
+    </p:spTree>
+    <p:extLst>
+      <p:ext uri="{BB962C8B-B14F-4D97-AF65-F5344CB8AC3E}">
+        <p14:creationId xmlns:p14="http://schemas.microsoft.com/office/powerpoint/2010/main" val="1221772312"/>
+      </p:ext>
+    </p:extLst>
+  </p:cSld>
+  <p:clrMapOvr>
+    <a:masterClrMapping/>
+  </p:clrMapOvr>
+</p:sld>
+</file>
+
+<file path=ppt/slides/slide23.xml><?xml version="1.0" encoding="utf-8"?>
+<p:sld xmlns:a="http://schemas.openxmlformats.org/drawingml/2006/main" xmlns:r="http://schemas.openxmlformats.org/officeDocument/2006/relationships" xmlns:p="http://schemas.openxmlformats.org/presentationml/2006/main">
+  <p:cSld>
+    <p:spTree>
+      <p:nvGrpSpPr>
+        <p:cNvPr id="1" name=""/>
+        <p:cNvGrpSpPr/>
+        <p:nvPr/>
+      </p:nvGrpSpPr>
+      <p:grpSpPr>
+        <a:xfrm>
+          <a:off x="0" y="0"/>
+          <a:ext cx="0" cy="0"/>
+          <a:chOff x="0" y="0"/>
+          <a:chExt cx="0" cy="0"/>
+        </a:xfrm>
+      </p:grpSpPr>
+      <p:sp>
+        <p:nvSpPr>
+          <p:cNvPr id="2" name="Title 1">
+            <a:extLst>
+              <a:ext uri="{FF2B5EF4-FFF2-40B4-BE49-F238E27FC236}">
+                <a16:creationId xmlns:a16="http://schemas.microsoft.com/office/drawing/2014/main" id="{F2153DD3-C27C-457D-ADDD-066D01CB95CA}"/>
+              </a:ext>
+            </a:extLst>
+          </p:cNvPr>
+          <p:cNvSpPr>
+            <a:spLocks noGrp="1"/>
+          </p:cNvSpPr>
+          <p:nvPr>
+            <p:ph type="title"/>
+          </p:nvPr>
+        </p:nvSpPr>
+        <p:spPr>
+          <a:xfrm>
+            <a:off x="1140144" y="231140"/>
+            <a:ext cx="9875520" cy="1356360"/>
+          </a:xfrm>
+        </p:spPr>
+        <p:txBody>
+          <a:bodyPr>
+            <a:noAutofit/>
+          </a:bodyPr>
+          <a:lstStyle/>
+          <a:p>
+            <a:pPr algn="ctr"/>
+            <a:r>
+              <a:rPr lang="en-GB" sz="2400" dirty="0">
+                <a:latin typeface="Rockwell" panose="02060603020205020403" pitchFamily="18" charset="0"/>
+              </a:rPr>
+              <a:t>Machine Learning Applied to Weather Forecasting</a:t>
+            </a:r>
+            <a:endParaRPr lang="en-US" sz="2400" dirty="0">
+              <a:latin typeface="Rockwell" panose="02060603020205020403" pitchFamily="18" charset="0"/>
+            </a:endParaRPr>
+          </a:p>
+        </p:txBody>
+      </p:sp>
+      <p:sp>
+        <p:nvSpPr>
+          <p:cNvPr id="5" name="Content Placeholder 4">
+            <a:extLst>
+              <a:ext uri="{FF2B5EF4-FFF2-40B4-BE49-F238E27FC236}">
+                <a16:creationId xmlns:a16="http://schemas.microsoft.com/office/drawing/2014/main" id="{4AF77DCC-C856-EFFA-BF9D-1A31B3C90F92}"/>
+              </a:ext>
+            </a:extLst>
+          </p:cNvPr>
+          <p:cNvSpPr>
+            <a:spLocks noGrp="1"/>
+          </p:cNvSpPr>
+          <p:nvPr>
+            <p:ph idx="1"/>
+          </p:nvPr>
+        </p:nvSpPr>
+        <p:spPr>
+          <a:xfrm>
+            <a:off x="1143000" y="1587500"/>
+            <a:ext cx="9872871" cy="4508500"/>
+          </a:xfrm>
+        </p:spPr>
+        <p:txBody>
+          <a:bodyPr>
+            <a:normAutofit/>
+          </a:bodyPr>
+          <a:lstStyle/>
+          <a:p>
+            <a:pPr marL="45720" indent="0">
+              <a:lnSpc>
+                <a:spcPct val="107000"/>
+              </a:lnSpc>
+              <a:spcAft>
+                <a:spcPts val="800"/>
+              </a:spcAft>
+              <a:buNone/>
+            </a:pPr>
+            <a:r>
+              <a:rPr lang="en-GB" sz="1200" b="1" kern="100" dirty="0">
+                <a:effectLst/>
+                <a:latin typeface="Calibri" panose="020F0502020204030204" pitchFamily="34" charset="0"/>
+                <a:ea typeface="Calibri" panose="020F0502020204030204" pitchFamily="34" charset="0"/>
+                <a:cs typeface="Times New Roman" panose="02020603050405020304" pitchFamily="18" charset="0"/>
+              </a:rPr>
+              <a:t>Key Points:</a:t>
+            </a:r>
+          </a:p>
+          <a:p>
+            <a:pPr marL="45720" indent="0">
+              <a:lnSpc>
+                <a:spcPct val="107000"/>
+              </a:lnSpc>
+              <a:spcAft>
+                <a:spcPts val="800"/>
+              </a:spcAft>
+              <a:buNone/>
+            </a:pPr>
+            <a:r>
+              <a:rPr lang="en-GB" sz="1200" kern="100" dirty="0">
+                <a:effectLst/>
+                <a:latin typeface="Calibri" panose="020F0502020204030204" pitchFamily="34" charset="0"/>
+                <a:ea typeface="Calibri" panose="020F0502020204030204" pitchFamily="34" charset="0"/>
+                <a:cs typeface="Times New Roman" panose="02020603050405020304" pitchFamily="18" charset="0"/>
+              </a:rPr>
+              <a:t>The paper investigates the application of machine learning algorithms, specifically Random Forest and Support Vector Machines (SVMs), in weather forecasting.</a:t>
+            </a:r>
+          </a:p>
+          <a:p>
+            <a:pPr marL="45720" indent="0">
+              <a:lnSpc>
+                <a:spcPct val="107000"/>
+              </a:lnSpc>
+              <a:spcAft>
+                <a:spcPts val="800"/>
+              </a:spcAft>
+              <a:buNone/>
+            </a:pPr>
+            <a:r>
+              <a:rPr lang="en-GB" sz="1200" kern="100" dirty="0">
+                <a:effectLst/>
+                <a:latin typeface="Calibri" panose="020F0502020204030204" pitchFamily="34" charset="0"/>
+                <a:ea typeface="Calibri" panose="020F0502020204030204" pitchFamily="34" charset="0"/>
+                <a:cs typeface="Times New Roman" panose="02020603050405020304" pitchFamily="18" charset="0"/>
+              </a:rPr>
+              <a:t>Focuses on multiple weather parameters like temperature, pressure, and humidity, and evaluates the algorithms based on these parameters.</a:t>
+            </a:r>
+          </a:p>
+          <a:p>
+            <a:pPr marL="45720" indent="0">
+              <a:lnSpc>
+                <a:spcPct val="107000"/>
+              </a:lnSpc>
+              <a:spcAft>
+                <a:spcPts val="800"/>
+              </a:spcAft>
+              <a:buNone/>
+            </a:pPr>
+            <a:r>
+              <a:rPr lang="en-GB" sz="1200" b="1" kern="100" dirty="0">
+                <a:effectLst/>
+                <a:latin typeface="Calibri" panose="020F0502020204030204" pitchFamily="34" charset="0"/>
+                <a:ea typeface="Calibri" panose="020F0502020204030204" pitchFamily="34" charset="0"/>
+                <a:cs typeface="Times New Roman" panose="02020603050405020304" pitchFamily="18" charset="0"/>
+              </a:rPr>
+              <a:t>Contributions:</a:t>
+            </a:r>
+          </a:p>
+          <a:p>
+            <a:pPr marL="45720" indent="0">
+              <a:lnSpc>
+                <a:spcPct val="107000"/>
+              </a:lnSpc>
+              <a:spcAft>
+                <a:spcPts val="800"/>
+              </a:spcAft>
+              <a:buNone/>
+            </a:pPr>
+            <a:r>
+              <a:rPr lang="en-GB" sz="1200" kern="100" dirty="0">
+                <a:effectLst/>
+                <a:latin typeface="Calibri" panose="020F0502020204030204" pitchFamily="34" charset="0"/>
+                <a:ea typeface="Calibri" panose="020F0502020204030204" pitchFamily="34" charset="0"/>
+                <a:cs typeface="Times New Roman" panose="02020603050405020304" pitchFamily="18" charset="0"/>
+              </a:rPr>
+              <a:t>Shows that machine learning models, particularly Random Forest, can be more accurate than traditional forecasting models for certain weather parameters.</a:t>
+            </a:r>
+          </a:p>
+          <a:p>
+            <a:pPr marL="45720" indent="0">
+              <a:lnSpc>
+                <a:spcPct val="107000"/>
+              </a:lnSpc>
+              <a:spcAft>
+                <a:spcPts val="800"/>
+              </a:spcAft>
+              <a:buNone/>
+            </a:pPr>
+            <a:r>
+              <a:rPr lang="en-GB" sz="1200" kern="100" dirty="0">
+                <a:effectLst/>
+                <a:latin typeface="Calibri" panose="020F0502020204030204" pitchFamily="34" charset="0"/>
+                <a:ea typeface="Calibri" panose="020F0502020204030204" pitchFamily="34" charset="0"/>
+                <a:cs typeface="Times New Roman" panose="02020603050405020304" pitchFamily="18" charset="0"/>
+              </a:rPr>
+              <a:t>Provides a detailed methodology for preprocessing weather data and optimizing machine learning models for weather forecasting.</a:t>
+            </a:r>
+          </a:p>
+          <a:p>
+            <a:pPr marL="45720" indent="0">
+              <a:lnSpc>
+                <a:spcPct val="107000"/>
+              </a:lnSpc>
+              <a:spcAft>
+                <a:spcPts val="800"/>
+              </a:spcAft>
+              <a:buNone/>
+            </a:pPr>
+            <a:r>
+              <a:rPr lang="en-GB" sz="1200" b="1" kern="100" dirty="0">
+                <a:effectLst/>
+                <a:latin typeface="Calibri" panose="020F0502020204030204" pitchFamily="34" charset="0"/>
+                <a:ea typeface="Calibri" panose="020F0502020204030204" pitchFamily="34" charset="0"/>
+                <a:cs typeface="Times New Roman" panose="02020603050405020304" pitchFamily="18" charset="0"/>
+              </a:rPr>
+              <a:t>Relevance to Project:</a:t>
+            </a:r>
+          </a:p>
+          <a:p>
+            <a:pPr marL="45720" indent="0">
+              <a:lnSpc>
+                <a:spcPct val="107000"/>
+              </a:lnSpc>
+              <a:spcAft>
+                <a:spcPts val="800"/>
+              </a:spcAft>
+              <a:buNone/>
+            </a:pPr>
+            <a:r>
+              <a:rPr lang="en-GB" sz="1200" kern="100" dirty="0">
+                <a:effectLst/>
+                <a:latin typeface="Calibri" panose="020F0502020204030204" pitchFamily="34" charset="0"/>
+                <a:ea typeface="Calibri" panose="020F0502020204030204" pitchFamily="34" charset="0"/>
+                <a:cs typeface="Times New Roman" panose="02020603050405020304" pitchFamily="18" charset="0"/>
+              </a:rPr>
+              <a:t>The paper's methodology for data preprocessing and feature selection can be valuable for enhancing the weather prediction aspect of the project.</a:t>
+            </a:r>
+          </a:p>
+          <a:p>
+            <a:pPr marL="45720" indent="0">
+              <a:lnSpc>
+                <a:spcPct val="107000"/>
+              </a:lnSpc>
+              <a:spcAft>
+                <a:spcPts val="800"/>
+              </a:spcAft>
+              <a:buNone/>
+            </a:pPr>
+            <a:r>
+              <a:rPr lang="en-GB" sz="1200" kern="100" dirty="0">
+                <a:effectLst/>
+                <a:latin typeface="Calibri" panose="020F0502020204030204" pitchFamily="34" charset="0"/>
+                <a:ea typeface="Calibri" panose="020F0502020204030204" pitchFamily="34" charset="0"/>
+                <a:cs typeface="Times New Roman" panose="02020603050405020304" pitchFamily="18" charset="0"/>
+              </a:rPr>
+              <a:t>The demonstrated efficacy of Random Forest and SVMs in weather forecasting can be considered when selecting machine learning algorithms for the weather component of your Final Year Project.</a:t>
+            </a:r>
+          </a:p>
+        </p:txBody>
+      </p:sp>
+    </p:spTree>
+    <p:extLst>
+      <p:ext uri="{BB962C8B-B14F-4D97-AF65-F5344CB8AC3E}">
+        <p14:creationId xmlns:p14="http://schemas.microsoft.com/office/powerpoint/2010/main" val="614573420"/>
+      </p:ext>
+    </p:extLst>
+  </p:cSld>
+  <p:clrMapOvr>
+    <a:masterClrMapping/>
+  </p:clrMapOvr>
+</p:sld>
+</file>
+
+<file path=ppt/slides/slide24.xml><?xml version="1.0" encoding="utf-8"?>
+<p:sld xmlns:a="http://schemas.openxmlformats.org/drawingml/2006/main" xmlns:r="http://schemas.openxmlformats.org/officeDocument/2006/relationships" xmlns:p="http://schemas.openxmlformats.org/presentationml/2006/main">
+  <p:cSld>
+    <p:spTree>
+      <p:nvGrpSpPr>
+        <p:cNvPr id="1" name=""/>
+        <p:cNvGrpSpPr/>
+        <p:nvPr/>
+      </p:nvGrpSpPr>
+      <p:grpSpPr>
+        <a:xfrm>
+          <a:off x="0" y="0"/>
+          <a:ext cx="0" cy="0"/>
+          <a:chOff x="0" y="0"/>
+          <a:chExt cx="0" cy="0"/>
+        </a:xfrm>
+      </p:grpSpPr>
+      <p:sp>
+        <p:nvSpPr>
+          <p:cNvPr id="2" name="Title 1">
+            <a:extLst>
+              <a:ext uri="{FF2B5EF4-FFF2-40B4-BE49-F238E27FC236}">
+                <a16:creationId xmlns:a16="http://schemas.microsoft.com/office/drawing/2014/main" id="{F2153DD3-C27C-457D-ADDD-066D01CB95CA}"/>
+              </a:ext>
+            </a:extLst>
+          </p:cNvPr>
+          <p:cNvSpPr>
+            <a:spLocks noGrp="1"/>
+          </p:cNvSpPr>
+          <p:nvPr>
+            <p:ph type="title"/>
+          </p:nvPr>
+        </p:nvSpPr>
+        <p:spPr>
+          <a:xfrm>
+            <a:off x="1140144" y="231140"/>
+            <a:ext cx="9875520" cy="1356360"/>
+          </a:xfrm>
+        </p:spPr>
+        <p:txBody>
+          <a:bodyPr>
+            <a:noAutofit/>
+          </a:bodyPr>
+          <a:lstStyle/>
+          <a:p>
+            <a:pPr algn="ctr"/>
+            <a:r>
+              <a:rPr lang="en-GB" sz="2400" dirty="0">
+                <a:latin typeface="Rockwell" panose="02060603020205020403" pitchFamily="18" charset="0"/>
+              </a:rPr>
+              <a:t>Hourly day-ahead solar irradiance prediction using weather forecasts</a:t>
+            </a:r>
+            <a:endParaRPr lang="en-US" sz="2400" dirty="0">
+              <a:latin typeface="Rockwell" panose="02060603020205020403" pitchFamily="18" charset="0"/>
+            </a:endParaRPr>
+          </a:p>
+        </p:txBody>
+      </p:sp>
+      <p:sp>
+        <p:nvSpPr>
+          <p:cNvPr id="5" name="Content Placeholder 4">
+            <a:extLst>
+              <a:ext uri="{FF2B5EF4-FFF2-40B4-BE49-F238E27FC236}">
+                <a16:creationId xmlns:a16="http://schemas.microsoft.com/office/drawing/2014/main" id="{4AF77DCC-C856-EFFA-BF9D-1A31B3C90F92}"/>
+              </a:ext>
+            </a:extLst>
+          </p:cNvPr>
+          <p:cNvSpPr>
+            <a:spLocks noGrp="1"/>
+          </p:cNvSpPr>
+          <p:nvPr>
+            <p:ph idx="1"/>
+          </p:nvPr>
+        </p:nvSpPr>
+        <p:spPr>
+          <a:xfrm>
+            <a:off x="1143000" y="1587500"/>
+            <a:ext cx="9872871" cy="4508500"/>
+          </a:xfrm>
+        </p:spPr>
+        <p:txBody>
+          <a:bodyPr>
+            <a:normAutofit fontScale="92500"/>
+          </a:bodyPr>
+          <a:lstStyle/>
+          <a:p>
+            <a:pPr marL="45720" indent="0">
+              <a:lnSpc>
+                <a:spcPct val="107000"/>
+              </a:lnSpc>
+              <a:spcAft>
+                <a:spcPts val="800"/>
+              </a:spcAft>
+              <a:buNone/>
+            </a:pPr>
+            <a:r>
+              <a:rPr lang="en-GB" sz="1400" b="1" kern="100" dirty="0">
+                <a:effectLst/>
+                <a:latin typeface="Calibri" panose="020F0502020204030204" pitchFamily="34" charset="0"/>
+                <a:ea typeface="Calibri" panose="020F0502020204030204" pitchFamily="34" charset="0"/>
+                <a:cs typeface="Times New Roman" panose="02020603050405020304" pitchFamily="18" charset="0"/>
+              </a:rPr>
+              <a:t>Key Points:</a:t>
+            </a:r>
+          </a:p>
+          <a:p>
+            <a:pPr marL="45720" indent="0">
+              <a:lnSpc>
+                <a:spcPct val="107000"/>
+              </a:lnSpc>
+              <a:spcAft>
+                <a:spcPts val="800"/>
+              </a:spcAft>
+              <a:buNone/>
+            </a:pPr>
+            <a:r>
+              <a:rPr lang="en-GB" sz="1400" kern="100" dirty="0">
+                <a:effectLst/>
+                <a:latin typeface="Calibri" panose="020F0502020204030204" pitchFamily="34" charset="0"/>
+                <a:ea typeface="Calibri" panose="020F0502020204030204" pitchFamily="34" charset="0"/>
+                <a:cs typeface="Times New Roman" panose="02020603050405020304" pitchFamily="18" charset="0"/>
+              </a:rPr>
+              <a:t>The paper focuses on the prediction of solar irradiance on an hourly day-ahead basis using weather forecasts.</a:t>
+            </a:r>
+          </a:p>
+          <a:p>
+            <a:pPr marL="45720" indent="0">
+              <a:lnSpc>
+                <a:spcPct val="107000"/>
+              </a:lnSpc>
+              <a:spcAft>
+                <a:spcPts val="800"/>
+              </a:spcAft>
+              <a:buNone/>
+            </a:pPr>
+            <a:r>
+              <a:rPr lang="en-GB" sz="1400" kern="100" dirty="0">
+                <a:effectLst/>
+                <a:latin typeface="Calibri" panose="020F0502020204030204" pitchFamily="34" charset="0"/>
+                <a:ea typeface="Calibri" panose="020F0502020204030204" pitchFamily="34" charset="0"/>
+                <a:cs typeface="Times New Roman" panose="02020603050405020304" pitchFamily="18" charset="0"/>
+              </a:rPr>
+              <a:t>Utilizes machine learning models such as Random Forest and Gradient Boosting Machines (GBM) alongside traditional statistical methods.</a:t>
+            </a:r>
+          </a:p>
+          <a:p>
+            <a:pPr marL="45720" indent="0">
+              <a:lnSpc>
+                <a:spcPct val="107000"/>
+              </a:lnSpc>
+              <a:spcAft>
+                <a:spcPts val="800"/>
+              </a:spcAft>
+              <a:buNone/>
+            </a:pPr>
+            <a:r>
+              <a:rPr lang="en-GB" sz="1400" b="1" kern="100" dirty="0">
+                <a:effectLst/>
+                <a:latin typeface="Calibri" panose="020F0502020204030204" pitchFamily="34" charset="0"/>
+                <a:ea typeface="Calibri" panose="020F0502020204030204" pitchFamily="34" charset="0"/>
+                <a:cs typeface="Times New Roman" panose="02020603050405020304" pitchFamily="18" charset="0"/>
+              </a:rPr>
+              <a:t>Contributions:</a:t>
+            </a:r>
+          </a:p>
+          <a:p>
+            <a:pPr marL="45720" indent="0">
+              <a:lnSpc>
+                <a:spcPct val="107000"/>
+              </a:lnSpc>
+              <a:spcAft>
+                <a:spcPts val="800"/>
+              </a:spcAft>
+              <a:buNone/>
+            </a:pPr>
+            <a:r>
+              <a:rPr lang="en-GB" sz="1400" kern="100" dirty="0">
+                <a:effectLst/>
+                <a:latin typeface="Calibri" panose="020F0502020204030204" pitchFamily="34" charset="0"/>
+                <a:ea typeface="Calibri" panose="020F0502020204030204" pitchFamily="34" charset="0"/>
+                <a:cs typeface="Times New Roman" panose="02020603050405020304" pitchFamily="18" charset="0"/>
+              </a:rPr>
+              <a:t>Introduces a comprehensive approach for preprocessing meteorological data and correlating it with solar irradiance.</a:t>
+            </a:r>
+          </a:p>
+          <a:p>
+            <a:pPr marL="45720" indent="0">
+              <a:lnSpc>
+                <a:spcPct val="107000"/>
+              </a:lnSpc>
+              <a:spcAft>
+                <a:spcPts val="800"/>
+              </a:spcAft>
+              <a:buNone/>
+            </a:pPr>
+            <a:r>
+              <a:rPr lang="en-GB" sz="1400" kern="100" dirty="0">
+                <a:effectLst/>
+                <a:latin typeface="Calibri" panose="020F0502020204030204" pitchFamily="34" charset="0"/>
+                <a:ea typeface="Calibri" panose="020F0502020204030204" pitchFamily="34" charset="0"/>
+                <a:cs typeface="Times New Roman" panose="02020603050405020304" pitchFamily="18" charset="0"/>
+              </a:rPr>
+              <a:t>Demonstrates that machine learning models outperform traditional statistical models in the accuracy of predicting solar irradiance.</a:t>
+            </a:r>
+          </a:p>
+          <a:p>
+            <a:pPr marL="45720" indent="0">
+              <a:lnSpc>
+                <a:spcPct val="107000"/>
+              </a:lnSpc>
+              <a:spcAft>
+                <a:spcPts val="800"/>
+              </a:spcAft>
+              <a:buNone/>
+            </a:pPr>
+            <a:r>
+              <a:rPr lang="en-GB" sz="1400" b="1" kern="100" dirty="0">
+                <a:effectLst/>
+                <a:latin typeface="Calibri" panose="020F0502020204030204" pitchFamily="34" charset="0"/>
+                <a:ea typeface="Calibri" panose="020F0502020204030204" pitchFamily="34" charset="0"/>
+                <a:cs typeface="Times New Roman" panose="02020603050405020304" pitchFamily="18" charset="0"/>
+              </a:rPr>
+              <a:t>Relevance to Project:</a:t>
+            </a:r>
+          </a:p>
+          <a:p>
+            <a:pPr marL="45720" indent="0">
+              <a:lnSpc>
+                <a:spcPct val="107000"/>
+              </a:lnSpc>
+              <a:spcAft>
+                <a:spcPts val="800"/>
+              </a:spcAft>
+              <a:buNone/>
+            </a:pPr>
+            <a:r>
+              <a:rPr lang="en-GB" sz="1400" kern="100" dirty="0">
+                <a:effectLst/>
+                <a:latin typeface="Calibri" panose="020F0502020204030204" pitchFamily="34" charset="0"/>
+                <a:ea typeface="Calibri" panose="020F0502020204030204" pitchFamily="34" charset="0"/>
+                <a:cs typeface="Times New Roman" panose="02020603050405020304" pitchFamily="18" charset="0"/>
+              </a:rPr>
+              <a:t>The paper's methodology for using weather forecasts to predict environmental variables can be adapted for predicting factors like wind speed.</a:t>
+            </a:r>
+          </a:p>
+          <a:p>
+            <a:pPr marL="45720" indent="0">
+              <a:lnSpc>
+                <a:spcPct val="107000"/>
+              </a:lnSpc>
+              <a:spcAft>
+                <a:spcPts val="800"/>
+              </a:spcAft>
+              <a:buNone/>
+            </a:pPr>
+            <a:r>
+              <a:rPr lang="en-GB" sz="1400" kern="100" dirty="0">
+                <a:effectLst/>
+                <a:latin typeface="Calibri" panose="020F0502020204030204" pitchFamily="34" charset="0"/>
+                <a:ea typeface="Calibri" panose="020F0502020204030204" pitchFamily="34" charset="0"/>
+                <a:cs typeface="Times New Roman" panose="02020603050405020304" pitchFamily="18" charset="0"/>
+              </a:rPr>
+              <a:t>The success of machine learning models in predicting solar irradiance suggests that similar models could be effective for weather-related component.</a:t>
+            </a:r>
+          </a:p>
+        </p:txBody>
+      </p:sp>
+    </p:spTree>
+    <p:extLst>
+      <p:ext uri="{BB962C8B-B14F-4D97-AF65-F5344CB8AC3E}">
+        <p14:creationId xmlns:p14="http://schemas.microsoft.com/office/powerpoint/2010/main" val="3909768741"/>
+      </p:ext>
+    </p:extLst>
+  </p:cSld>
+  <p:clrMapOvr>
+    <a:masterClrMapping/>
+  </p:clrMapOvr>
+</p:sld>
+</file>
+
+<file path=ppt/slides/slide25.xml><?xml version="1.0" encoding="utf-8"?>
+<p:sld xmlns:a="http://schemas.openxmlformats.org/drawingml/2006/main" xmlns:r="http://schemas.openxmlformats.org/officeDocument/2006/relationships" xmlns:p="http://schemas.openxmlformats.org/presentationml/2006/main">
+  <p:cSld>
+    <p:spTree>
+      <p:nvGrpSpPr>
+        <p:cNvPr id="1" name=""/>
+        <p:cNvGrpSpPr/>
+        <p:nvPr/>
+      </p:nvGrpSpPr>
+      <p:grpSpPr>
+        <a:xfrm>
+          <a:off x="0" y="0"/>
+          <a:ext cx="0" cy="0"/>
+          <a:chOff x="0" y="0"/>
+          <a:chExt cx="0" cy="0"/>
+        </a:xfrm>
+      </p:grpSpPr>
+      <p:sp>
+        <p:nvSpPr>
+          <p:cNvPr id="2" name="Title 1">
+            <a:extLst>
+              <a:ext uri="{FF2B5EF4-FFF2-40B4-BE49-F238E27FC236}">
+                <a16:creationId xmlns:a16="http://schemas.microsoft.com/office/drawing/2014/main" id="{F2153DD3-C27C-457D-ADDD-066D01CB95CA}"/>
+              </a:ext>
+            </a:extLst>
+          </p:cNvPr>
+          <p:cNvSpPr>
+            <a:spLocks noGrp="1"/>
+          </p:cNvSpPr>
+          <p:nvPr>
+            <p:ph type="title"/>
+          </p:nvPr>
+        </p:nvSpPr>
+        <p:spPr>
+          <a:xfrm>
+            <a:off x="1140144" y="231140"/>
+            <a:ext cx="9875520" cy="1356360"/>
+          </a:xfrm>
+        </p:spPr>
+        <p:txBody>
+          <a:bodyPr>
+            <a:noAutofit/>
+          </a:bodyPr>
+          <a:lstStyle/>
+          <a:p>
+            <a:pPr algn="ctr"/>
+            <a:r>
+              <a:rPr lang="en-GB" sz="2400" dirty="0">
+                <a:latin typeface="Rockwell" panose="02060603020205020403" pitchFamily="18" charset="0"/>
+              </a:rPr>
+              <a:t>Single Layer &amp; Multi-layer Long Short-Term Memory (LSTM) </a:t>
+            </a:r>
+            <a:endParaRPr lang="en-US" sz="2400" dirty="0">
+              <a:latin typeface="Rockwell" panose="02060603020205020403" pitchFamily="18" charset="0"/>
+            </a:endParaRPr>
+          </a:p>
+        </p:txBody>
+      </p:sp>
+      <p:sp>
+        <p:nvSpPr>
+          <p:cNvPr id="5" name="Content Placeholder 4">
+            <a:extLst>
+              <a:ext uri="{FF2B5EF4-FFF2-40B4-BE49-F238E27FC236}">
+                <a16:creationId xmlns:a16="http://schemas.microsoft.com/office/drawing/2014/main" id="{4AF77DCC-C856-EFFA-BF9D-1A31B3C90F92}"/>
+              </a:ext>
+            </a:extLst>
+          </p:cNvPr>
+          <p:cNvSpPr>
+            <a:spLocks noGrp="1"/>
+          </p:cNvSpPr>
+          <p:nvPr>
+            <p:ph idx="1"/>
+          </p:nvPr>
+        </p:nvSpPr>
+        <p:spPr>
+          <a:xfrm>
+            <a:off x="1143000" y="1587500"/>
+            <a:ext cx="9872871" cy="4508500"/>
+          </a:xfrm>
+        </p:spPr>
+        <p:txBody>
+          <a:bodyPr>
+            <a:normAutofit fontScale="92500" lnSpcReduction="10000"/>
+          </a:bodyPr>
+          <a:lstStyle/>
+          <a:p>
+            <a:pPr marL="45720" indent="0">
+              <a:lnSpc>
+                <a:spcPct val="107000"/>
+              </a:lnSpc>
+              <a:spcAft>
+                <a:spcPts val="800"/>
+              </a:spcAft>
+              <a:buNone/>
+            </a:pPr>
+            <a:r>
+              <a:rPr lang="en-GB" sz="1400" b="1" kern="100" dirty="0">
+                <a:effectLst/>
+                <a:latin typeface="Calibri" panose="020F0502020204030204" pitchFamily="34" charset="0"/>
+                <a:ea typeface="Calibri" panose="020F0502020204030204" pitchFamily="34" charset="0"/>
+                <a:cs typeface="Times New Roman" panose="02020603050405020304" pitchFamily="18" charset="0"/>
+              </a:rPr>
+              <a:t>Key Points:</a:t>
+            </a:r>
+          </a:p>
+          <a:p>
+            <a:pPr marL="45720" indent="0">
+              <a:lnSpc>
+                <a:spcPct val="107000"/>
+              </a:lnSpc>
+              <a:spcAft>
+                <a:spcPts val="800"/>
+              </a:spcAft>
+              <a:buNone/>
+            </a:pPr>
+            <a:r>
+              <a:rPr lang="en-GB" sz="1400" kern="100" dirty="0">
+                <a:effectLst/>
+                <a:latin typeface="Calibri" panose="020F0502020204030204" pitchFamily="34" charset="0"/>
+                <a:ea typeface="Calibri" panose="020F0502020204030204" pitchFamily="34" charset="0"/>
+                <a:cs typeface="Times New Roman" panose="02020603050405020304" pitchFamily="18" charset="0"/>
+              </a:rPr>
+              <a:t>The paper explores the use of both Single Layer and Multi-layer Long Short-Term Memory (LSTM) models for time-series prediction tasks.</a:t>
+            </a:r>
+          </a:p>
+          <a:p>
+            <a:pPr marL="45720" indent="0">
+              <a:lnSpc>
+                <a:spcPct val="107000"/>
+              </a:lnSpc>
+              <a:spcAft>
+                <a:spcPts val="800"/>
+              </a:spcAft>
+              <a:buNone/>
+            </a:pPr>
+            <a:r>
+              <a:rPr lang="en-GB" sz="1400" kern="100" dirty="0">
+                <a:effectLst/>
+                <a:latin typeface="Calibri" panose="020F0502020204030204" pitchFamily="34" charset="0"/>
+                <a:ea typeface="Calibri" panose="020F0502020204030204" pitchFamily="34" charset="0"/>
+                <a:cs typeface="Times New Roman" panose="02020603050405020304" pitchFamily="18" charset="0"/>
+              </a:rPr>
+              <a:t>It provides an in-depth comparison between single-layer and multi-layer LSTM architectures, including their advantages and limitations.</a:t>
+            </a:r>
+          </a:p>
+          <a:p>
+            <a:pPr marL="45720" indent="0">
+              <a:lnSpc>
+                <a:spcPct val="107000"/>
+              </a:lnSpc>
+              <a:spcAft>
+                <a:spcPts val="800"/>
+              </a:spcAft>
+              <a:buNone/>
+            </a:pPr>
+            <a:r>
+              <a:rPr lang="en-GB" sz="1400" b="1" kern="100" dirty="0">
+                <a:effectLst/>
+                <a:latin typeface="Calibri" panose="020F0502020204030204" pitchFamily="34" charset="0"/>
+                <a:ea typeface="Calibri" panose="020F0502020204030204" pitchFamily="34" charset="0"/>
+                <a:cs typeface="Times New Roman" panose="02020603050405020304" pitchFamily="18" charset="0"/>
+              </a:rPr>
+              <a:t>Contributions:</a:t>
+            </a:r>
+          </a:p>
+          <a:p>
+            <a:pPr marL="45720" indent="0">
+              <a:lnSpc>
+                <a:spcPct val="107000"/>
+              </a:lnSpc>
+              <a:spcAft>
+                <a:spcPts val="800"/>
+              </a:spcAft>
+              <a:buNone/>
+            </a:pPr>
+            <a:r>
+              <a:rPr lang="en-GB" sz="1400" kern="100" dirty="0">
+                <a:effectLst/>
+                <a:latin typeface="Calibri" panose="020F0502020204030204" pitchFamily="34" charset="0"/>
+                <a:ea typeface="Calibri" panose="020F0502020204030204" pitchFamily="34" charset="0"/>
+                <a:cs typeface="Times New Roman" panose="02020603050405020304" pitchFamily="18" charset="0"/>
+              </a:rPr>
+              <a:t>Demonstrates that multi-layer LSTMs offer better performance in capturing complex patterns in time-series data, although they are computationally more intensive.</a:t>
+            </a:r>
+          </a:p>
+          <a:p>
+            <a:pPr marL="45720" indent="0">
+              <a:lnSpc>
+                <a:spcPct val="107000"/>
+              </a:lnSpc>
+              <a:spcAft>
+                <a:spcPts val="800"/>
+              </a:spcAft>
+              <a:buNone/>
+            </a:pPr>
+            <a:r>
+              <a:rPr lang="en-GB" sz="1400" kern="100" dirty="0">
+                <a:effectLst/>
+                <a:latin typeface="Calibri" panose="020F0502020204030204" pitchFamily="34" charset="0"/>
+                <a:ea typeface="Calibri" panose="020F0502020204030204" pitchFamily="34" charset="0"/>
+                <a:cs typeface="Times New Roman" panose="02020603050405020304" pitchFamily="18" charset="0"/>
+              </a:rPr>
+              <a:t>Provides guidelines for choosing between single-layer and multi-layer LSTM architectures based on the complexity of the time-series data.</a:t>
+            </a:r>
+          </a:p>
+          <a:p>
+            <a:pPr marL="45720" indent="0">
+              <a:lnSpc>
+                <a:spcPct val="107000"/>
+              </a:lnSpc>
+              <a:spcAft>
+                <a:spcPts val="800"/>
+              </a:spcAft>
+              <a:buNone/>
+            </a:pPr>
+            <a:r>
+              <a:rPr lang="en-GB" sz="1400" b="1" kern="100" dirty="0">
+                <a:effectLst/>
+                <a:latin typeface="Calibri" panose="020F0502020204030204" pitchFamily="34" charset="0"/>
+                <a:ea typeface="Calibri" panose="020F0502020204030204" pitchFamily="34" charset="0"/>
+                <a:cs typeface="Times New Roman" panose="02020603050405020304" pitchFamily="18" charset="0"/>
+              </a:rPr>
+              <a:t>Relevance to Project:</a:t>
+            </a:r>
+          </a:p>
+          <a:p>
+            <a:pPr marL="45720" indent="0">
+              <a:lnSpc>
+                <a:spcPct val="107000"/>
+              </a:lnSpc>
+              <a:spcAft>
+                <a:spcPts val="800"/>
+              </a:spcAft>
+              <a:buNone/>
+            </a:pPr>
+            <a:r>
+              <a:rPr lang="en-GB" sz="1400" kern="100" dirty="0">
+                <a:effectLst/>
+                <a:latin typeface="Calibri" panose="020F0502020204030204" pitchFamily="34" charset="0"/>
+                <a:ea typeface="Calibri" panose="020F0502020204030204" pitchFamily="34" charset="0"/>
+                <a:cs typeface="Times New Roman" panose="02020603050405020304" pitchFamily="18" charset="0"/>
+              </a:rPr>
+              <a:t>The paper's insights into the effectiveness of multi-layer LSTMs are directly relevant to your project, which also involves LSTM-based modelling for weather and ocean current predictions.</a:t>
+            </a:r>
+          </a:p>
+          <a:p>
+            <a:pPr marL="45720" indent="0">
+              <a:lnSpc>
+                <a:spcPct val="107000"/>
+              </a:lnSpc>
+              <a:spcAft>
+                <a:spcPts val="800"/>
+              </a:spcAft>
+              <a:buNone/>
+            </a:pPr>
+            <a:r>
+              <a:rPr lang="en-GB" sz="1400" kern="100" dirty="0">
+                <a:effectLst/>
+                <a:latin typeface="Calibri" panose="020F0502020204030204" pitchFamily="34" charset="0"/>
+                <a:ea typeface="Calibri" panose="020F0502020204030204" pitchFamily="34" charset="0"/>
+                <a:cs typeface="Times New Roman" panose="02020603050405020304" pitchFamily="18" charset="0"/>
+              </a:rPr>
+              <a:t>The comparison between single-layer and multi-layer LSTMs could guide the architecture choices for the machine learning component.</a:t>
+            </a:r>
+          </a:p>
+        </p:txBody>
+      </p:sp>
+    </p:spTree>
+    <p:extLst>
+      <p:ext uri="{BB962C8B-B14F-4D97-AF65-F5344CB8AC3E}">
+        <p14:creationId xmlns:p14="http://schemas.microsoft.com/office/powerpoint/2010/main" val="3713304392"/>
+      </p:ext>
+    </p:extLst>
+  </p:cSld>
+  <p:clrMapOvr>
+    <a:masterClrMapping/>
+  </p:clrMapOvr>
+</p:sld>
+</file>
+
+<file path=ppt/slides/slide26.xml><?xml version="1.0" encoding="utf-8"?>
+<p:sld xmlns:a="http://schemas.openxmlformats.org/drawingml/2006/main" xmlns:r="http://schemas.openxmlformats.org/officeDocument/2006/relationships" xmlns:p="http://schemas.openxmlformats.org/presentationml/2006/main">
+  <p:cSld>
+    <p:spTree>
+      <p:nvGrpSpPr>
+        <p:cNvPr id="1" name=""/>
+        <p:cNvGrpSpPr/>
+        <p:nvPr/>
+      </p:nvGrpSpPr>
+      <p:grpSpPr>
+        <a:xfrm>
+          <a:off x="0" y="0"/>
+          <a:ext cx="0" cy="0"/>
+          <a:chOff x="0" y="0"/>
+          <a:chExt cx="0" cy="0"/>
+        </a:xfrm>
+      </p:grpSpPr>
+      <p:sp>
+        <p:nvSpPr>
+          <p:cNvPr id="2" name="Title 1">
+            <a:extLst>
+              <a:ext uri="{FF2B5EF4-FFF2-40B4-BE49-F238E27FC236}">
+                <a16:creationId xmlns:a16="http://schemas.microsoft.com/office/drawing/2014/main" id="{F2153DD3-C27C-457D-ADDD-066D01CB95CA}"/>
+              </a:ext>
+            </a:extLst>
+          </p:cNvPr>
+          <p:cNvSpPr>
+            <a:spLocks noGrp="1"/>
+          </p:cNvSpPr>
+          <p:nvPr>
+            <p:ph type="title"/>
+          </p:nvPr>
+        </p:nvSpPr>
+        <p:spPr>
+          <a:xfrm>
+            <a:off x="1140144" y="231140"/>
+            <a:ext cx="9875520" cy="1356360"/>
+          </a:xfrm>
+        </p:spPr>
+        <p:txBody>
+          <a:bodyPr>
+            <a:noAutofit/>
+          </a:bodyPr>
+          <a:lstStyle/>
+          <a:p>
+            <a:pPr algn="ctr"/>
+            <a:r>
+              <a:rPr lang="en-GB" sz="2400" dirty="0">
+                <a:latin typeface="Rockwell" panose="02060603020205020403" pitchFamily="18" charset="0"/>
+              </a:rPr>
+              <a:t>Transductive LSTM for time-series prediction An application</a:t>
+            </a:r>
+            <a:endParaRPr lang="en-US" sz="2400" dirty="0">
+              <a:latin typeface="Rockwell" panose="02060603020205020403" pitchFamily="18" charset="0"/>
+            </a:endParaRPr>
+          </a:p>
+        </p:txBody>
+      </p:sp>
+      <p:sp>
+        <p:nvSpPr>
+          <p:cNvPr id="5" name="Content Placeholder 4">
+            <a:extLst>
+              <a:ext uri="{FF2B5EF4-FFF2-40B4-BE49-F238E27FC236}">
+                <a16:creationId xmlns:a16="http://schemas.microsoft.com/office/drawing/2014/main" id="{4AF77DCC-C856-EFFA-BF9D-1A31B3C90F92}"/>
+              </a:ext>
+            </a:extLst>
+          </p:cNvPr>
+          <p:cNvSpPr>
+            <a:spLocks noGrp="1"/>
+          </p:cNvSpPr>
+          <p:nvPr>
+            <p:ph idx="1"/>
+          </p:nvPr>
+        </p:nvSpPr>
+        <p:spPr>
+          <a:xfrm>
+            <a:off x="1143000" y="1587500"/>
+            <a:ext cx="9872871" cy="4508500"/>
+          </a:xfrm>
+        </p:spPr>
+        <p:txBody>
+          <a:bodyPr>
+            <a:normAutofit fontScale="92500" lnSpcReduction="10000"/>
+          </a:bodyPr>
+          <a:lstStyle/>
+          <a:p>
+            <a:pPr marL="45720" indent="0">
+              <a:lnSpc>
+                <a:spcPct val="107000"/>
+              </a:lnSpc>
+              <a:spcAft>
+                <a:spcPts val="800"/>
+              </a:spcAft>
+              <a:buNone/>
+            </a:pPr>
+            <a:r>
+              <a:rPr lang="en-GB" sz="1400" kern="100" dirty="0">
+                <a:effectLst/>
+                <a:latin typeface="Calibri" panose="020F0502020204030204" pitchFamily="34" charset="0"/>
+                <a:ea typeface="Calibri" panose="020F0502020204030204" pitchFamily="34" charset="0"/>
+                <a:cs typeface="Times New Roman" panose="02020603050405020304" pitchFamily="18" charset="0"/>
+              </a:rPr>
+              <a:t>Key Points:</a:t>
+            </a:r>
+          </a:p>
+          <a:p>
+            <a:pPr marL="45720" indent="0">
+              <a:lnSpc>
+                <a:spcPct val="107000"/>
+              </a:lnSpc>
+              <a:spcAft>
+                <a:spcPts val="800"/>
+              </a:spcAft>
+              <a:buNone/>
+            </a:pPr>
+            <a:r>
+              <a:rPr lang="en-GB" sz="1400" kern="100" dirty="0">
+                <a:effectLst/>
+                <a:latin typeface="Calibri" panose="020F0502020204030204" pitchFamily="34" charset="0"/>
+                <a:ea typeface="Calibri" panose="020F0502020204030204" pitchFamily="34" charset="0"/>
+                <a:cs typeface="Times New Roman" panose="02020603050405020304" pitchFamily="18" charset="0"/>
+              </a:rPr>
+              <a:t>The paper introduces Transductive Long Short-Term Memory (LSTM) models as an alternative to traditional LSTMs for time-series prediction.</a:t>
+            </a:r>
+          </a:p>
+          <a:p>
+            <a:pPr marL="45720" indent="0">
+              <a:lnSpc>
+                <a:spcPct val="107000"/>
+              </a:lnSpc>
+              <a:spcAft>
+                <a:spcPts val="800"/>
+              </a:spcAft>
+              <a:buNone/>
+            </a:pPr>
+            <a:r>
+              <a:rPr lang="en-GB" sz="1400" kern="100" dirty="0">
+                <a:effectLst/>
+                <a:latin typeface="Calibri" panose="020F0502020204030204" pitchFamily="34" charset="0"/>
+                <a:ea typeface="Calibri" panose="020F0502020204030204" pitchFamily="34" charset="0"/>
+                <a:cs typeface="Times New Roman" panose="02020603050405020304" pitchFamily="18" charset="0"/>
+              </a:rPr>
+              <a:t>It focuses on the application of Transductive LSTMs in weather forecasting, showing their potential for improved predictive accuracy.</a:t>
+            </a:r>
+          </a:p>
+          <a:p>
+            <a:pPr marL="45720" indent="0">
+              <a:lnSpc>
+                <a:spcPct val="107000"/>
+              </a:lnSpc>
+              <a:spcAft>
+                <a:spcPts val="800"/>
+              </a:spcAft>
+              <a:buNone/>
+            </a:pPr>
+            <a:r>
+              <a:rPr lang="en-GB" sz="1400" kern="100" dirty="0">
+                <a:effectLst/>
+                <a:latin typeface="Calibri" panose="020F0502020204030204" pitchFamily="34" charset="0"/>
+                <a:ea typeface="Calibri" panose="020F0502020204030204" pitchFamily="34" charset="0"/>
+                <a:cs typeface="Times New Roman" panose="02020603050405020304" pitchFamily="18" charset="0"/>
+              </a:rPr>
+              <a:t>Contributions:</a:t>
+            </a:r>
+          </a:p>
+          <a:p>
+            <a:pPr marL="45720" indent="0">
+              <a:lnSpc>
+                <a:spcPct val="107000"/>
+              </a:lnSpc>
+              <a:spcAft>
+                <a:spcPts val="800"/>
+              </a:spcAft>
+              <a:buNone/>
+            </a:pPr>
+            <a:r>
+              <a:rPr lang="en-GB" sz="1400" kern="100" dirty="0">
+                <a:effectLst/>
+                <a:latin typeface="Calibri" panose="020F0502020204030204" pitchFamily="34" charset="0"/>
+                <a:ea typeface="Calibri" panose="020F0502020204030204" pitchFamily="34" charset="0"/>
+                <a:cs typeface="Times New Roman" panose="02020603050405020304" pitchFamily="18" charset="0"/>
+              </a:rPr>
+              <a:t>Proposes a new type of LSTM that accounts for transductive learning, aiming to utilize the structural information in the data more effectively.</a:t>
+            </a:r>
+          </a:p>
+          <a:p>
+            <a:pPr marL="45720" indent="0">
+              <a:lnSpc>
+                <a:spcPct val="107000"/>
+              </a:lnSpc>
+              <a:spcAft>
+                <a:spcPts val="800"/>
+              </a:spcAft>
+              <a:buNone/>
+            </a:pPr>
+            <a:r>
+              <a:rPr lang="en-GB" sz="1400" kern="100" dirty="0">
+                <a:effectLst/>
+                <a:latin typeface="Calibri" panose="020F0502020204030204" pitchFamily="34" charset="0"/>
+                <a:ea typeface="Calibri" panose="020F0502020204030204" pitchFamily="34" charset="0"/>
+                <a:cs typeface="Times New Roman" panose="02020603050405020304" pitchFamily="18" charset="0"/>
+              </a:rPr>
+              <a:t>Validates the effectiveness of Transductive LSTMs through empirical studies, particularly in the domain of weather forecasting.</a:t>
+            </a:r>
+          </a:p>
+          <a:p>
+            <a:pPr marL="45720" indent="0">
+              <a:lnSpc>
+                <a:spcPct val="107000"/>
+              </a:lnSpc>
+              <a:spcAft>
+                <a:spcPts val="800"/>
+              </a:spcAft>
+              <a:buNone/>
+            </a:pPr>
+            <a:r>
+              <a:rPr lang="en-GB" sz="1400" kern="100" dirty="0">
+                <a:effectLst/>
+                <a:latin typeface="Calibri" panose="020F0502020204030204" pitchFamily="34" charset="0"/>
+                <a:ea typeface="Calibri" panose="020F0502020204030204" pitchFamily="34" charset="0"/>
+                <a:cs typeface="Times New Roman" panose="02020603050405020304" pitchFamily="18" charset="0"/>
+              </a:rPr>
+              <a:t>Relevance to Project:</a:t>
+            </a:r>
+          </a:p>
+          <a:p>
+            <a:pPr marL="45720" indent="0">
+              <a:lnSpc>
+                <a:spcPct val="107000"/>
+              </a:lnSpc>
+              <a:spcAft>
+                <a:spcPts val="800"/>
+              </a:spcAft>
+              <a:buNone/>
+            </a:pPr>
+            <a:r>
+              <a:rPr lang="en-GB" sz="1400" kern="100" dirty="0">
+                <a:effectLst/>
+                <a:latin typeface="Calibri" panose="020F0502020204030204" pitchFamily="34" charset="0"/>
+                <a:ea typeface="Calibri" panose="020F0502020204030204" pitchFamily="34" charset="0"/>
+                <a:cs typeface="Times New Roman" panose="02020603050405020304" pitchFamily="18" charset="0"/>
+              </a:rPr>
+              <a:t>The introduction of Transductive LSTMs as a potentially more accurate model for time-series prediction could be directly to the weather forecasting component.</a:t>
+            </a:r>
+          </a:p>
+          <a:p>
+            <a:pPr marL="45720" indent="0">
+              <a:lnSpc>
+                <a:spcPct val="107000"/>
+              </a:lnSpc>
+              <a:spcAft>
+                <a:spcPts val="800"/>
+              </a:spcAft>
+              <a:buNone/>
+            </a:pPr>
+            <a:r>
+              <a:rPr lang="en-GB" sz="1400" kern="100" dirty="0">
+                <a:effectLst/>
+                <a:latin typeface="Calibri" panose="020F0502020204030204" pitchFamily="34" charset="0"/>
+                <a:ea typeface="Calibri" panose="020F0502020204030204" pitchFamily="34" charset="0"/>
+                <a:cs typeface="Times New Roman" panose="02020603050405020304" pitchFamily="18" charset="0"/>
+              </a:rPr>
+              <a:t>The paper's focus on weather forecasting aligns well with the data sources you are using, making its insights particularly relevant for improving the predictive accuracy of the model.</a:t>
+            </a:r>
+          </a:p>
+        </p:txBody>
+      </p:sp>
+    </p:spTree>
+    <p:extLst>
+      <p:ext uri="{BB962C8B-B14F-4D97-AF65-F5344CB8AC3E}">
+        <p14:creationId xmlns:p14="http://schemas.microsoft.com/office/powerpoint/2010/main" val="3718047826"/>
       </p:ext>
     </p:extLst>
   </p:cSld>
@@ -7036,23 +11740,6 @@
 </file>
 
 <file path=customXml/item1.xml><?xml version="1.0" encoding="utf-8"?>
-<?mso-contentType ?>
-<FormTemplates xmlns="http://schemas.microsoft.com/sharepoint/v3/contenttype/forms">
-  <Display>DocumentLibraryForm</Display>
-  <Edit>DocumentLibraryForm</Edit>
-  <New>DocumentLibraryForm</New>
-</FormTemplates>
-</file>
-
-<file path=customXml/item2.xml><?xml version="1.0" encoding="utf-8"?>
-<p:properties xmlns:p="http://schemas.microsoft.com/office/2006/metadata/properties" xmlns:xsi="http://www.w3.org/2001/XMLSchema-instance" xmlns:pc="http://schemas.microsoft.com/office/infopath/2007/PartnerControls">
-  <documentManagement>
-    <MediaServiceKeyPoints xmlns="71af3243-3dd4-4a8d-8c0d-dd76da1f02a5" xsi:nil="true"/>
-  </documentManagement>
-</p:properties>
-</file>
-
-<file path=customXml/item3.xml><?xml version="1.0" encoding="utf-8"?>
 <ct:contentTypeSchema xmlns:ct="http://schemas.microsoft.com/office/2006/metadata/contentType" xmlns:ma="http://schemas.microsoft.com/office/2006/metadata/properties/metaAttributes" ct:_="" ma:_="" ma:contentTypeName="Document" ma:contentTypeID="0x01010079F111ED35F8CC479449609E8A0923A6" ma:contentTypeVersion="11" ma:contentTypeDescription="Create a new document." ma:contentTypeScope="" ma:versionID="96291512c1ee715ab617f4c07df79fc1">
   <xsd:schema xmlns:xsd="http://www.w3.org/2001/XMLSchema" xmlns:xs="http://www.w3.org/2001/XMLSchema" xmlns:p="http://schemas.microsoft.com/office/2006/metadata/properties" xmlns:ns2="71af3243-3dd4-4a8d-8c0d-dd76da1f02a5" xmlns:ns3="16c05727-aa75-4e4a-9b5f-8a80a1165891" targetNamespace="http://schemas.microsoft.com/office/2006/metadata/properties" ma:root="true" ma:fieldsID="8256c27c40ca5c40ce1cf6c44f0205df" ns2:_="" ns3:_="">
     <xsd:import namespace="71af3243-3dd4-4a8d-8c0d-dd76da1f02a5"/>
@@ -7263,25 +11950,24 @@
 </ct:contentTypeSchema>
 </file>
 
-<file path=customXml/itemProps1.xml><?xml version="1.0" encoding="utf-8"?>
-<ds:datastoreItem xmlns:ds="http://schemas.openxmlformats.org/officeDocument/2006/customXml" ds:itemID="{ABF1ABED-93B7-45AC-A513-2CB1FF159AFF}">
-  <ds:schemaRefs>
-    <ds:schemaRef ds:uri="http://schemas.microsoft.com/sharepoint/v3/contenttype/forms"/>
-  </ds:schemaRefs>
-</ds:datastoreItem>
+<file path=customXml/item2.xml><?xml version="1.0" encoding="utf-8"?>
+<?mso-contentType ?>
+<FormTemplates xmlns="http://schemas.microsoft.com/sharepoint/v3/contenttype/forms">
+  <Display>DocumentLibraryForm</Display>
+  <Edit>DocumentLibraryForm</Edit>
+  <New>DocumentLibraryForm</New>
+</FormTemplates>
 </file>
 
-<file path=customXml/itemProps2.xml><?xml version="1.0" encoding="utf-8"?>
-<ds:datastoreItem xmlns:ds="http://schemas.openxmlformats.org/officeDocument/2006/customXml" ds:itemID="{3D6CA70E-ED75-4FF0-A862-8EF12B737755}">
-  <ds:schemaRefs>
-    <ds:schemaRef ds:uri="http://schemas.microsoft.com/office/2006/metadata/properties"/>
-    <ds:schemaRef ds:uri="http://schemas.microsoft.com/office/infopath/2007/PartnerControls"/>
-    <ds:schemaRef ds:uri="71af3243-3dd4-4a8d-8c0d-dd76da1f02a5"/>
-  </ds:schemaRefs>
-</ds:datastoreItem>
+<file path=customXml/item3.xml><?xml version="1.0" encoding="utf-8"?>
+<p:properties xmlns:p="http://schemas.microsoft.com/office/2006/metadata/properties" xmlns:xsi="http://www.w3.org/2001/XMLSchema-instance" xmlns:pc="http://schemas.microsoft.com/office/infopath/2007/PartnerControls">
+  <documentManagement>
+    <MediaServiceKeyPoints xmlns="71af3243-3dd4-4a8d-8c0d-dd76da1f02a5" xsi:nil="true"/>
+  </documentManagement>
+</p:properties>
 </file>
 
-<file path=customXml/itemProps3.xml><?xml version="1.0" encoding="utf-8"?>
+<file path=customXml/itemProps1.xml><?xml version="1.0" encoding="utf-8"?>
 <ds:datastoreItem xmlns:ds="http://schemas.openxmlformats.org/officeDocument/2006/customXml" ds:itemID="{79B27744-7857-4992-B755-05855FC59147}">
   <ds:schemaRefs>
     <ds:schemaRef ds:uri="http://schemas.microsoft.com/office/2006/metadata/contentType"/>
@@ -7298,4 +11984,22 @@
     <ds:schemaRef ds:uri="http://schemas.microsoft.com/internal/obd"/>
   </ds:schemaRefs>
 </ds:datastoreItem>
+</file>
+
+<file path=customXml/itemProps2.xml><?xml version="1.0" encoding="utf-8"?>
+<ds:datastoreItem xmlns:ds="http://schemas.openxmlformats.org/officeDocument/2006/customXml" ds:itemID="{ABF1ABED-93B7-45AC-A513-2CB1FF159AFF}">
+  <ds:schemaRefs>
+    <ds:schemaRef ds:uri="http://schemas.microsoft.com/sharepoint/v3/contenttype/forms"/>
+  </ds:schemaRefs>
+</ds:datastoreItem>
+</file>
+
+<file path=customXml/itemProps3.xml><?xml version="1.0" encoding="utf-8"?>
+<ds:datastoreItem xmlns:ds="http://schemas.openxmlformats.org/officeDocument/2006/customXml" ds:itemID="{3D6CA70E-ED75-4FF0-A862-8EF12B737755}">
+  <ds:schemaRefs>
+    <ds:schemaRef ds:uri="http://schemas.microsoft.com/office/2006/metadata/properties"/>
+    <ds:schemaRef ds:uri="http://schemas.microsoft.com/office/infopath/2007/PartnerControls"/>
+    <ds:schemaRef ds:uri="71af3243-3dd4-4a8d-8c0d-dd76da1f02a5"/>
+  </ds:schemaRefs>
+</ds:datastoreItem>
 </file>
--- a/Documents/FYP/powerpoint.pptx
+++ b/Documents/FYP/powerpoint.pptx
@@ -240,7 +240,7 @@
           <a:p>
             <a:fld id="{2F51DC69-60C3-4CF7-A135-6E702ECCE0F0}" type="datetimeFigureOut">
               <a:rPr lang="en-US" smtClean="0"/>
-              <a:t>10/5/2023</a:t>
+              <a:t>10/11/2023</a:t>
             </a:fld>
             <a:endParaRPr lang="en-US" dirty="0"/>
           </a:p>
@@ -417,7 +417,7 @@
           <a:p>
             <a:fld id="{36E3EC7B-6C72-4FBB-87DF-2BD2CB7DC1E6}" type="datetimeFigureOut">
               <a:rPr lang="en-US" smtClean="0"/>
-              <a:t>10/5/2023</a:t>
+              <a:t>10/11/2023</a:t>
             </a:fld>
             <a:endParaRPr lang="en-US" dirty="0"/>
           </a:p>
@@ -728,32 +728,12 @@
           <a:bodyPr/>
           <a:lstStyle/>
           <a:p>
-            <a:r>
-              <a:rPr lang="en-US" dirty="0">
-                <a:latin typeface="Tahoma" panose="020B0604030504040204" pitchFamily="34" charset="0"/>
-                <a:ea typeface="Tahoma" panose="020B0604030504040204" pitchFamily="34" charset="0"/>
-                <a:cs typeface="Tahoma" panose="020B0604030504040204" pitchFamily="34" charset="0"/>
-              </a:rPr>
-              <a:t>Are your classroom colors different than what you see in this template? That’s OK! Click on Design -&gt; Variants (the down arrow) -&gt; Pick the color scheme that works for you!</a:t>
-            </a:r>
-          </a:p>
-          <a:p>
             <a:endParaRPr lang="en-US" dirty="0">
               <a:latin typeface="Tahoma" panose="020B0604030504040204" pitchFamily="34" charset="0"/>
               <a:ea typeface="Tahoma" panose="020B0604030504040204" pitchFamily="34" charset="0"/>
               <a:cs typeface="Tahoma" panose="020B0604030504040204" pitchFamily="34" charset="0"/>
             </a:endParaRPr>
           </a:p>
-          <a:p>
-            <a:r>
-              <a:rPr lang="en-US" dirty="0">
-                <a:latin typeface="Tahoma" panose="020B0604030504040204" pitchFamily="34" charset="0"/>
-                <a:ea typeface="Tahoma" panose="020B0604030504040204" pitchFamily="34" charset="0"/>
-                <a:cs typeface="Tahoma" panose="020B0604030504040204" pitchFamily="34" charset="0"/>
-              </a:rPr>
-              <a:t>Feel free to change any “You will…” and “I will…” statements to ensure they align with your classroom procedures and rules!</a:t>
-            </a:r>
-          </a:p>
         </p:txBody>
       </p:sp>
       <p:sp>
@@ -783,6 +763,90 @@
     <p:extLst>
       <p:ext uri="{BB962C8B-B14F-4D97-AF65-F5344CB8AC3E}">
         <p14:creationId xmlns:p14="http://schemas.microsoft.com/office/powerpoint/2010/main" val="3642546113"/>
+      </p:ext>
+    </p:extLst>
+  </p:cSld>
+  <p:clrMapOvr>
+    <a:masterClrMapping/>
+  </p:clrMapOvr>
+</p:notes>
+</file>
+
+<file path=ppt/notesSlides/notesSlide2.xml><?xml version="1.0" encoding="utf-8"?>
+<p:notes xmlns:a="http://schemas.openxmlformats.org/drawingml/2006/main" xmlns:r="http://schemas.openxmlformats.org/officeDocument/2006/relationships" xmlns:p="http://schemas.openxmlformats.org/presentationml/2006/main">
+  <p:cSld>
+    <p:spTree>
+      <p:nvGrpSpPr>
+        <p:cNvPr id="1" name=""/>
+        <p:cNvGrpSpPr/>
+        <p:nvPr/>
+      </p:nvGrpSpPr>
+      <p:grpSpPr>
+        <a:xfrm>
+          <a:off x="0" y="0"/>
+          <a:ext cx="0" cy="0"/>
+          <a:chOff x="0" y="0"/>
+          <a:chExt cx="0" cy="0"/>
+        </a:xfrm>
+      </p:grpSpPr>
+      <p:sp>
+        <p:nvSpPr>
+          <p:cNvPr id="2" name="Slide Image Placeholder 1"/>
+          <p:cNvSpPr>
+            <a:spLocks noGrp="1" noRot="1" noChangeAspect="1"/>
+          </p:cNvSpPr>
+          <p:nvPr>
+            <p:ph type="sldImg"/>
+          </p:nvPr>
+        </p:nvSpPr>
+        <p:spPr/>
+      </p:sp>
+      <p:sp>
+        <p:nvSpPr>
+          <p:cNvPr id="3" name="Notes Placeholder 2"/>
+          <p:cNvSpPr>
+            <a:spLocks noGrp="1"/>
+          </p:cNvSpPr>
+          <p:nvPr>
+            <p:ph type="body" idx="1"/>
+          </p:nvPr>
+        </p:nvSpPr>
+        <p:spPr/>
+        <p:txBody>
+          <a:bodyPr/>
+          <a:lstStyle/>
+          <a:p>
+            <a:endParaRPr lang="en-MT" dirty="0"/>
+          </a:p>
+        </p:txBody>
+      </p:sp>
+      <p:sp>
+        <p:nvSpPr>
+          <p:cNvPr id="4" name="Slide Number Placeholder 3"/>
+          <p:cNvSpPr>
+            <a:spLocks noGrp="1"/>
+          </p:cNvSpPr>
+          <p:nvPr>
+            <p:ph type="sldNum" sz="quarter" idx="5"/>
+          </p:nvPr>
+        </p:nvSpPr>
+        <p:spPr/>
+        <p:txBody>
+          <a:bodyPr/>
+          <a:lstStyle/>
+          <a:p>
+            <a:fld id="{B262A795-6F94-4A96-B820-B9038480D048}" type="slidenum">
+              <a:rPr lang="en-US" smtClean="0"/>
+              <a:t>2</a:t>
+            </a:fld>
+            <a:endParaRPr lang="en-US" dirty="0"/>
+          </a:p>
+        </p:txBody>
+      </p:sp>
+    </p:spTree>
+    <p:extLst>
+      <p:ext uri="{BB962C8B-B14F-4D97-AF65-F5344CB8AC3E}">
+        <p14:creationId xmlns:p14="http://schemas.microsoft.com/office/powerpoint/2010/main" val="1737372006"/>
       </p:ext>
     </p:extLst>
   </p:cSld>
@@ -988,7 +1052,7 @@
           <a:p>
             <a:fld id="{48A87A34-81AB-432B-8DAE-1953F412C126}" type="datetimeFigureOut">
               <a:rPr lang="en-US" smtClean="0"/>
-              <a:t>10/5/2023</a:t>
+              <a:t>10/11/2023</a:t>
             </a:fld>
             <a:endParaRPr lang="en-US" dirty="0"/>
           </a:p>
@@ -1209,7 +1273,7 @@
           <a:p>
             <a:fld id="{48A87A34-81AB-432B-8DAE-1953F412C126}" type="datetimeFigureOut">
               <a:rPr lang="en-US" smtClean="0"/>
-              <a:t>10/5/2023</a:t>
+              <a:t>10/11/2023</a:t>
             </a:fld>
             <a:endParaRPr lang="en-US" dirty="0"/>
           </a:p>
@@ -1389,7 +1453,7 @@
           <a:p>
             <a:fld id="{48A87A34-81AB-432B-8DAE-1953F412C126}" type="datetimeFigureOut">
               <a:rPr lang="en-US" smtClean="0"/>
-              <a:t>10/5/2023</a:t>
+              <a:t>10/11/2023</a:t>
             </a:fld>
             <a:endParaRPr lang="en-US" dirty="0"/>
           </a:p>
@@ -1559,7 +1623,7 @@
           <a:p>
             <a:fld id="{48A87A34-81AB-432B-8DAE-1953F412C126}" type="datetimeFigureOut">
               <a:rPr lang="en-US" smtClean="0"/>
-              <a:t>10/5/2023</a:t>
+              <a:t>10/11/2023</a:t>
             </a:fld>
             <a:endParaRPr lang="en-US" dirty="0"/>
           </a:p>
@@ -1810,7 +1874,7 @@
           <a:p>
             <a:fld id="{48A87A34-81AB-432B-8DAE-1953F412C126}" type="datetimeFigureOut">
               <a:rPr lang="en-US" smtClean="0"/>
-              <a:t>10/5/2023</a:t>
+              <a:t>10/11/2023</a:t>
             </a:fld>
             <a:endParaRPr lang="en-US" dirty="0"/>
           </a:p>
@@ -2133,7 +2197,7 @@
           <a:p>
             <a:fld id="{48A87A34-81AB-432B-8DAE-1953F412C126}" type="datetimeFigureOut">
               <a:rPr lang="en-US" smtClean="0"/>
-              <a:t>10/5/2023</a:t>
+              <a:t>10/11/2023</a:t>
             </a:fld>
             <a:endParaRPr lang="en-US" dirty="0"/>
           </a:p>
@@ -2557,7 +2621,7 @@
           <a:p>
             <a:fld id="{48A87A34-81AB-432B-8DAE-1953F412C126}" type="datetimeFigureOut">
               <a:rPr lang="en-US" smtClean="0"/>
-              <a:t>10/5/2023</a:t>
+              <a:t>10/11/2023</a:t>
             </a:fld>
             <a:endParaRPr lang="en-US" dirty="0"/>
           </a:p>
@@ -2675,7 +2739,7 @@
           <a:p>
             <a:fld id="{48A87A34-81AB-432B-8DAE-1953F412C126}" type="datetimeFigureOut">
               <a:rPr lang="en-US" smtClean="0"/>
-              <a:t>10/5/2023</a:t>
+              <a:t>10/11/2023</a:t>
             </a:fld>
             <a:endParaRPr lang="en-US" dirty="0"/>
           </a:p>
@@ -2770,7 +2834,7 @@
           <a:p>
             <a:fld id="{48A87A34-81AB-432B-8DAE-1953F412C126}" type="datetimeFigureOut">
               <a:rPr lang="en-US" smtClean="0"/>
-              <a:t>10/5/2023</a:t>
+              <a:t>10/11/2023</a:t>
             </a:fld>
             <a:endParaRPr lang="en-US" dirty="0"/>
           </a:p>
@@ -3060,7 +3124,7 @@
           <a:p>
             <a:fld id="{48A87A34-81AB-432B-8DAE-1953F412C126}" type="datetimeFigureOut">
               <a:rPr lang="en-US" smtClean="0"/>
-              <a:t>10/5/2023</a:t>
+              <a:t>10/11/2023</a:t>
             </a:fld>
             <a:endParaRPr lang="en-US" dirty="0"/>
           </a:p>
@@ -3333,7 +3397,7 @@
             <a:fld id="{48A87A34-81AB-432B-8DAE-1953F412C126}" type="datetimeFigureOut">
               <a:rPr lang="en-US" smtClean="0"/>
               <a:pPr/>
-              <a:t>10/5/2023</a:t>
+              <a:t>10/11/2023</a:t>
             </a:fld>
             <a:endParaRPr lang="en-US" dirty="0"/>
           </a:p>
@@ -3588,7 +3652,7 @@
             <a:fld id="{48A87A34-81AB-432B-8DAE-1953F412C126}" type="datetimeFigureOut">
               <a:rPr lang="en-US" smtClean="0"/>
               <a:pPr/>
-              <a:t>10/5/2023</a:t>
+              <a:t>10/11/2023</a:t>
             </a:fld>
             <a:endParaRPr lang="en-US" dirty="0"/>
           </a:p>
@@ -7024,7 +7088,7 @@
         </p:nvSpPr>
         <p:spPr>
           <a:xfrm>
-            <a:off x="1140144" y="231140"/>
+            <a:off x="1158240" y="519404"/>
             <a:ext cx="9875520" cy="1356360"/>
           </a:xfrm>
         </p:spPr>
@@ -7065,7 +7129,7 @@
         </p:nvSpPr>
         <p:spPr>
           <a:xfrm>
-            <a:off x="1143000" y="1587500"/>
+            <a:off x="1158240" y="1970055"/>
             <a:ext cx="9872871" cy="4508500"/>
           </a:xfrm>
         </p:spPr>
@@ -9168,7 +9232,7 @@
         </p:spPr>
         <p:txBody>
           <a:bodyPr>
-            <a:normAutofit lnSpcReduction="10000"/>
+            <a:normAutofit fontScale="92500" lnSpcReduction="10000"/>
           </a:bodyPr>
           <a:lstStyle/>
           <a:p>
@@ -9182,7 +9246,7 @@
               <a:rPr lang="en-GB" dirty="0">
                 <a:latin typeface="Söhne"/>
               </a:rPr>
-              <a:t>: The core of this project is an AI-based predictive model designed to not only track but also forecast the future movement and accumulation areas of trash debris in marine environments.</a:t>
+              <a:t>: The core of this project is an AI-based predictive model, in combination with a physics-based model which is designed to not only track but also forecast the future movement and accumulation areas of trash debris in marine environments.</a:t>
             </a:r>
           </a:p>
           <a:p>
@@ -9343,8 +9407,12 @@
           </a:p>
           <a:p>
             <a:r>
+              <a:rPr lang="en-GB"/>
+              <a:t>Nothing </a:t>
+            </a:r>
+            <a:r>
               <a:rPr lang="en-GB" dirty="0"/>
-              <a:t>Current methods lack the use of real-time data and predictive analytics.</a:t>
+              <a:t>similar to this is found for the Maltese Islands</a:t>
             </a:r>
           </a:p>
           <a:p>
@@ -9365,7 +9433,7 @@
           <a:p>
             <a:r>
               <a:rPr lang="en-GB" dirty="0"/>
-              <a:t>Utilizing AI, ML and data science to provide actionable insights for proactive cleanup and conservation.</a:t>
+              <a:t>Utilizing ML and data science to provide actionable insights for proactive cleanup and conservation.</a:t>
             </a:r>
             <a:endParaRPr lang="en-MT" dirty="0"/>
           </a:p>
@@ -9457,7 +9525,7 @@
         </p:nvSpPr>
         <p:spPr>
           <a:xfrm>
-            <a:off x="1143000" y="1587500"/>
+            <a:off x="1140144" y="1588796"/>
             <a:ext cx="4455367" cy="4508500"/>
           </a:xfrm>
         </p:spPr>
@@ -10001,7 +10069,7 @@
               <a:buNone/>
             </a:pPr>
             <a:r>
-              <a:rPr lang="en-GB" sz="1400" b="1" u="sng" dirty="0"/>
+              <a:rPr lang="en-GB" sz="1600" b="1" u="sng" dirty="0"/>
               <a:t>1. Ocean Current Data (NetCDF File)</a:t>
             </a:r>
           </a:p>
@@ -10010,11 +10078,11 @@
               <a:buNone/>
             </a:pPr>
             <a:r>
-              <a:rPr lang="en-GB" sz="1400" b="1" dirty="0"/>
+              <a:rPr lang="en-GB" sz="1600" b="1" dirty="0"/>
               <a:t>Dimensionality: </a:t>
             </a:r>
             <a:r>
-              <a:rPr lang="en-GB" sz="1400" dirty="0"/>
+              <a:rPr lang="en-GB" sz="1600" dirty="0"/>
               <a:t>3-dimensional (time x latitude x longitude)</a:t>
             </a:r>
           </a:p>
@@ -10023,11 +10091,11 @@
               <a:buNone/>
             </a:pPr>
             <a:r>
-              <a:rPr lang="en-GB" sz="1400" b="1" dirty="0"/>
+              <a:rPr lang="en-GB" sz="1600" b="1" dirty="0"/>
               <a:t>Temporal Coverage: </a:t>
             </a:r>
             <a:r>
-              <a:rPr lang="en-GB" sz="1400" dirty="0"/>
+              <a:rPr lang="en-GB" sz="1600" dirty="0"/>
               <a:t>Records over 3 months (1st Jan 2021 – 31st Mar 2021)</a:t>
             </a:r>
           </a:p>
@@ -10036,11 +10104,11 @@
               <a:buNone/>
             </a:pPr>
             <a:r>
-              <a:rPr lang="en-GB" sz="1400" b="1" dirty="0"/>
+              <a:rPr lang="en-GB" sz="1600" b="1" dirty="0"/>
               <a:t>Time Stamp: </a:t>
             </a:r>
             <a:r>
-              <a:rPr lang="en-GB" sz="1400" dirty="0"/>
+              <a:rPr lang="en-GB" sz="1600" dirty="0"/>
               <a:t>Every 1 hour</a:t>
             </a:r>
           </a:p>
@@ -10049,7 +10117,7 @@
               <a:buNone/>
             </a:pPr>
             <a:r>
-              <a:rPr lang="en-GB" sz="1400" b="1" dirty="0"/>
+              <a:rPr lang="en-GB" sz="1600" b="1" dirty="0"/>
               <a:t>Spatial Coverage: </a:t>
             </a:r>
           </a:p>
@@ -10058,7 +10126,7 @@
               <a:buNone/>
             </a:pPr>
             <a:r>
-              <a:rPr lang="en-GB" sz="1400" dirty="0"/>
+              <a:rPr lang="en-GB" sz="1600" dirty="0"/>
               <a:t>Longitude Domain: 13.916667 to 14.791667</a:t>
             </a:r>
           </a:p>
@@ -10067,7 +10135,7 @@
               <a:buNone/>
             </a:pPr>
             <a:r>
-              <a:rPr lang="en-GB" sz="1400" dirty="0"/>
+              <a:rPr lang="en-GB" sz="1600" dirty="0"/>
               <a:t>Latitude Domain: 35.604168 to 36.3125</a:t>
             </a:r>
           </a:p>
@@ -10329,7 +10397,7 @@
               <a:buNone/>
             </a:pPr>
             <a:r>
-              <a:rPr lang="en-GB" sz="1400" b="1" u="sng" dirty="0"/>
+              <a:rPr lang="en-GB" sz="1600" b="1" u="sng" dirty="0"/>
               <a:t>2. Weather Data</a:t>
             </a:r>
           </a:p>
@@ -10338,11 +10406,11 @@
               <a:buNone/>
             </a:pPr>
             <a:r>
-              <a:rPr lang="en-GB" sz="1400" b="1" dirty="0"/>
+              <a:rPr lang="en-GB" sz="1600" b="1" dirty="0"/>
               <a:t>Dimensionality: </a:t>
             </a:r>
             <a:r>
-              <a:rPr lang="en-GB" sz="1400" dirty="0"/>
+              <a:rPr lang="en-GB" sz="1600" dirty="0"/>
               <a:t>2D (time x various weather metrics)</a:t>
             </a:r>
           </a:p>
@@ -10351,11 +10419,11 @@
               <a:buNone/>
             </a:pPr>
             <a:r>
-              <a:rPr lang="en-GB" sz="1400" b="1" dirty="0"/>
+              <a:rPr lang="en-GB" sz="1600" b="1" dirty="0"/>
               <a:t>Temporal Coverage: </a:t>
             </a:r>
             <a:r>
-              <a:rPr lang="en-GB" sz="1400" dirty="0"/>
+              <a:rPr lang="en-GB" sz="1600" dirty="0"/>
               <a:t>August 2023</a:t>
             </a:r>
           </a:p>
@@ -10364,11 +10432,11 @@
               <a:buNone/>
             </a:pPr>
             <a:r>
-              <a:rPr lang="en-GB" sz="1400" b="1" dirty="0"/>
+              <a:rPr lang="en-GB" sz="1600" b="1" dirty="0"/>
               <a:t>Time Stamp: </a:t>
             </a:r>
             <a:r>
-              <a:rPr lang="en-GB" sz="1400" dirty="0"/>
+              <a:rPr lang="en-GB" sz="1600" dirty="0"/>
               <a:t>Daily Average</a:t>
             </a:r>
           </a:p>
@@ -10377,11 +10445,11 @@
               <a:buNone/>
             </a:pPr>
             <a:r>
-              <a:rPr lang="en-GB" sz="1400" b="1" dirty="0"/>
+              <a:rPr lang="en-GB" sz="1600" b="1" dirty="0"/>
               <a:t>Spatial Coverage: </a:t>
             </a:r>
             <a:r>
-              <a:rPr lang="en-GB" sz="1400" dirty="0"/>
+              <a:rPr lang="en-GB" sz="1600" dirty="0"/>
               <a:t>Single Point</a:t>
             </a:r>
           </a:p>
@@ -11951,20 +12019,20 @@
 </file>
 
 <file path=customXml/item2.xml><?xml version="1.0" encoding="utf-8"?>
+<p:properties xmlns:p="http://schemas.microsoft.com/office/2006/metadata/properties" xmlns:xsi="http://www.w3.org/2001/XMLSchema-instance" xmlns:pc="http://schemas.microsoft.com/office/infopath/2007/PartnerControls">
+  <documentManagement>
+    <MediaServiceKeyPoints xmlns="71af3243-3dd4-4a8d-8c0d-dd76da1f02a5" xsi:nil="true"/>
+  </documentManagement>
+</p:properties>
+</file>
+
+<file path=customXml/item3.xml><?xml version="1.0" encoding="utf-8"?>
 <?mso-contentType ?>
 <FormTemplates xmlns="http://schemas.microsoft.com/sharepoint/v3/contenttype/forms">
   <Display>DocumentLibraryForm</Display>
   <Edit>DocumentLibraryForm</Edit>
   <New>DocumentLibraryForm</New>
 </FormTemplates>
-</file>
-
-<file path=customXml/item3.xml><?xml version="1.0" encoding="utf-8"?>
-<p:properties xmlns:p="http://schemas.microsoft.com/office/2006/metadata/properties" xmlns:xsi="http://www.w3.org/2001/XMLSchema-instance" xmlns:pc="http://schemas.microsoft.com/office/infopath/2007/PartnerControls">
-  <documentManagement>
-    <MediaServiceKeyPoints xmlns="71af3243-3dd4-4a8d-8c0d-dd76da1f02a5" xsi:nil="true"/>
-  </documentManagement>
-</p:properties>
 </file>
 
 <file path=customXml/itemProps1.xml><?xml version="1.0" encoding="utf-8"?>
@@ -11987,14 +12055,6 @@
 </file>
 
 <file path=customXml/itemProps2.xml><?xml version="1.0" encoding="utf-8"?>
-<ds:datastoreItem xmlns:ds="http://schemas.openxmlformats.org/officeDocument/2006/customXml" ds:itemID="{ABF1ABED-93B7-45AC-A513-2CB1FF159AFF}">
-  <ds:schemaRefs>
-    <ds:schemaRef ds:uri="http://schemas.microsoft.com/sharepoint/v3/contenttype/forms"/>
-  </ds:schemaRefs>
-</ds:datastoreItem>
-</file>
-
-<file path=customXml/itemProps3.xml><?xml version="1.0" encoding="utf-8"?>
 <ds:datastoreItem xmlns:ds="http://schemas.openxmlformats.org/officeDocument/2006/customXml" ds:itemID="{3D6CA70E-ED75-4FF0-A862-8EF12B737755}">
   <ds:schemaRefs>
     <ds:schemaRef ds:uri="http://schemas.microsoft.com/office/2006/metadata/properties"/>
@@ -12002,4 +12062,12 @@
     <ds:schemaRef ds:uri="71af3243-3dd4-4a8d-8c0d-dd76da1f02a5"/>
   </ds:schemaRefs>
 </ds:datastoreItem>
+</file>
+
+<file path=customXml/itemProps3.xml><?xml version="1.0" encoding="utf-8"?>
+<ds:datastoreItem xmlns:ds="http://schemas.openxmlformats.org/officeDocument/2006/customXml" ds:itemID="{ABF1ABED-93B7-45AC-A513-2CB1FF159AFF}">
+  <ds:schemaRefs>
+    <ds:schemaRef ds:uri="http://schemas.microsoft.com/sharepoint/v3/contenttype/forms"/>
+  </ds:schemaRefs>
+</ds:datastoreItem>
 </file>